--- a/hackOHIO-2020.pptx
+++ b/hackOHIO-2020.pptx
@@ -105,6 +105,11 @@
       </a:defRPr>
     </a:lvl9pPr>
   </p:defaultTextStyle>
+  <p:extLst>
+    <p:ext uri="{EFAFB233-063F-42B5-8137-9DF3F51BA10A}">
+      <p15:sldGuideLst xmlns:p15="http://schemas.microsoft.com/office/powerpoint/2012/main"/>
+    </p:ext>
+  </p:extLst>
 </p:presentation>
 </file>
 
@@ -255,7 +260,7 @@
           <a:p>
             <a:fld id="{6EBB0E26-0767-4EAB-844F-3F9D657BD7AA}" type="datetimeFigureOut">
               <a:rPr lang="en-US" smtClean="0"/>
-              <a:t>11/14/2020</a:t>
+              <a:t>11/15/2020</a:t>
             </a:fld>
             <a:endParaRPr lang="en-US"/>
           </a:p>
@@ -453,7 +458,7 @@
           <a:p>
             <a:fld id="{6EBB0E26-0767-4EAB-844F-3F9D657BD7AA}" type="datetimeFigureOut">
               <a:rPr lang="en-US" smtClean="0"/>
-              <a:t>11/14/2020</a:t>
+              <a:t>11/15/2020</a:t>
             </a:fld>
             <a:endParaRPr lang="en-US"/>
           </a:p>
@@ -661,7 +666,7 @@
           <a:p>
             <a:fld id="{6EBB0E26-0767-4EAB-844F-3F9D657BD7AA}" type="datetimeFigureOut">
               <a:rPr lang="en-US" smtClean="0"/>
-              <a:t>11/14/2020</a:t>
+              <a:t>11/15/2020</a:t>
             </a:fld>
             <a:endParaRPr lang="en-US"/>
           </a:p>
@@ -859,7 +864,7 @@
           <a:p>
             <a:fld id="{6EBB0E26-0767-4EAB-844F-3F9D657BD7AA}" type="datetimeFigureOut">
               <a:rPr lang="en-US" smtClean="0"/>
-              <a:t>11/14/2020</a:t>
+              <a:t>11/15/2020</a:t>
             </a:fld>
             <a:endParaRPr lang="en-US"/>
           </a:p>
@@ -1134,7 +1139,7 @@
           <a:p>
             <a:fld id="{6EBB0E26-0767-4EAB-844F-3F9D657BD7AA}" type="datetimeFigureOut">
               <a:rPr lang="en-US" smtClean="0"/>
-              <a:t>11/14/2020</a:t>
+              <a:t>11/15/2020</a:t>
             </a:fld>
             <a:endParaRPr lang="en-US"/>
           </a:p>
@@ -1399,7 +1404,7 @@
           <a:p>
             <a:fld id="{6EBB0E26-0767-4EAB-844F-3F9D657BD7AA}" type="datetimeFigureOut">
               <a:rPr lang="en-US" smtClean="0"/>
-              <a:t>11/14/2020</a:t>
+              <a:t>11/15/2020</a:t>
             </a:fld>
             <a:endParaRPr lang="en-US"/>
           </a:p>
@@ -1811,7 +1816,7 @@
           <a:p>
             <a:fld id="{6EBB0E26-0767-4EAB-844F-3F9D657BD7AA}" type="datetimeFigureOut">
               <a:rPr lang="en-US" smtClean="0"/>
-              <a:t>11/14/2020</a:t>
+              <a:t>11/15/2020</a:t>
             </a:fld>
             <a:endParaRPr lang="en-US"/>
           </a:p>
@@ -1952,7 +1957,7 @@
           <a:p>
             <a:fld id="{6EBB0E26-0767-4EAB-844F-3F9D657BD7AA}" type="datetimeFigureOut">
               <a:rPr lang="en-US" smtClean="0"/>
-              <a:t>11/14/2020</a:t>
+              <a:t>11/15/2020</a:t>
             </a:fld>
             <a:endParaRPr lang="en-US"/>
           </a:p>
@@ -2065,7 +2070,7 @@
           <a:p>
             <a:fld id="{6EBB0E26-0767-4EAB-844F-3F9D657BD7AA}" type="datetimeFigureOut">
               <a:rPr lang="en-US" smtClean="0"/>
-              <a:t>11/14/2020</a:t>
+              <a:t>11/15/2020</a:t>
             </a:fld>
             <a:endParaRPr lang="en-US"/>
           </a:p>
@@ -2376,7 +2381,7 @@
           <a:p>
             <a:fld id="{6EBB0E26-0767-4EAB-844F-3F9D657BD7AA}" type="datetimeFigureOut">
               <a:rPr lang="en-US" smtClean="0"/>
-              <a:t>11/14/2020</a:t>
+              <a:t>11/15/2020</a:t>
             </a:fld>
             <a:endParaRPr lang="en-US"/>
           </a:p>
@@ -2664,7 +2669,7 @@
           <a:p>
             <a:fld id="{6EBB0E26-0767-4EAB-844F-3F9D657BD7AA}" type="datetimeFigureOut">
               <a:rPr lang="en-US" smtClean="0"/>
-              <a:t>11/14/2020</a:t>
+              <a:t>11/15/2020</a:t>
             </a:fld>
             <a:endParaRPr lang="en-US"/>
           </a:p>
@@ -2905,7 +2910,7 @@
           <a:p>
             <a:fld id="{6EBB0E26-0767-4EAB-844F-3F9D657BD7AA}" type="datetimeFigureOut">
               <a:rPr lang="en-US" smtClean="0"/>
-              <a:t>11/14/2020</a:t>
+              <a:t>11/15/2020</a:t>
             </a:fld>
             <a:endParaRPr lang="en-US"/>
           </a:p>
@@ -3373,12 +3378,20 @@
             <p:ph type="ctrTitle"/>
           </p:nvPr>
         </p:nvSpPr>
-        <p:spPr/>
-        <p:txBody>
-          <a:bodyPr/>
-          <a:lstStyle/>
-          <a:p>
-            <a:endParaRPr lang="en-US" dirty="0"/>
+        <p:spPr>
+          <a:xfrm>
+            <a:off x="6136256" y="1122363"/>
+            <a:ext cx="5503653" cy="2387600"/>
+          </a:xfrm>
+        </p:spPr>
+        <p:txBody>
+          <a:bodyPr/>
+          <a:lstStyle/>
+          <a:p>
+            <a:r>
+              <a:rPr lang="en-US" dirty="0"/>
+              <a:t>JSG Industries</a:t>
+            </a:r>
           </a:p>
         </p:txBody>
       </p:sp>

--- a/hackOHIO-2020.pptx
+++ b/hackOHIO-2020.pptx
@@ -4,9 +4,15 @@
   <p:sldMasterIdLst>
     <p:sldMasterId id="2147483648" r:id="rId1"/>
   </p:sldMasterIdLst>
+  <p:notesMasterIdLst>
+    <p:notesMasterId r:id="rId7"/>
+  </p:notesMasterIdLst>
   <p:sldIdLst>
     <p:sldId id="256" r:id="rId2"/>
     <p:sldId id="257" r:id="rId3"/>
+    <p:sldId id="259" r:id="rId4"/>
+    <p:sldId id="258" r:id="rId5"/>
+    <p:sldId id="260" r:id="rId6"/>
   </p:sldIdLst>
   <p:sldSz cx="12192000" cy="6858000"/>
   <p:notesSz cx="6858000" cy="9144000"/>
@@ -111,6 +117,474 @@
     </p:ext>
   </p:extLst>
 </p:presentation>
+</file>
+
+<file path=ppt/ink/ink1.xml><?xml version="1.0" encoding="utf-8"?>
+<inkml:ink xmlns:inkml="http://www.w3.org/2003/InkML">
+  <inkml:definitions>
+    <inkml:context xml:id="ctx0">
+      <inkml:inkSource xml:id="inkSrc0">
+        <inkml:traceFormat>
+          <inkml:channel name="X" type="integer" min="-2.14748E9" max="2.14748E9" units="cm"/>
+          <inkml:channel name="Y" type="integer" min="-2.14748E9" max="2.14748E9" units="cm"/>
+          <inkml:channel name="F" type="integer" max="32767" units="dev"/>
+          <inkml:channel name="OA" type="integer" max="360" units="deg"/>
+          <inkml:channel name="OE" type="integer" max="90" units="deg"/>
+        </inkml:traceFormat>
+        <inkml:channelProperties>
+          <inkml:channelProperty channel="X" name="resolution" value="1000" units="1/cm"/>
+          <inkml:channelProperty channel="Y" name="resolution" value="1000" units="1/cm"/>
+          <inkml:channelProperty channel="F" name="resolution" value="0" units="1/dev"/>
+          <inkml:channelProperty channel="OA" name="resolution" value="1000" units="1/deg"/>
+          <inkml:channelProperty channel="OE" name="resolution" value="1000" units="1/deg"/>
+        </inkml:channelProperties>
+      </inkml:inkSource>
+      <inkml:timestamp xml:id="ts0" timeString="2020-11-15T08:50:58.873"/>
+    </inkml:context>
+    <inkml:brush xml:id="br0">
+      <inkml:brushProperty name="width" value="0.05" units="cm"/>
+      <inkml:brushProperty name="height" value="0.05" units="cm"/>
+      <inkml:brushProperty name="color" value="#E71224"/>
+    </inkml:brush>
+  </inkml:definitions>
+  <inkml:trace contextRef="#ctx0" brushRef="#br0">3004 545 6912 0 0,'2'0'-34'0'0,"-1"0"0"0"0,1 0 0 0 0,0-1 0 0 0,-1 1 1 0 0,1 0-1 0 0,-1-1 0 0 0,1 1 0 0 0,-1-1 0 0 0,1 0 1 0 0,2-1-1 0 0,-2 1 498 0 0,0-1-1 0 0,0 0 1 0 0,1 1 0 0 0,-1-1 0 0 0,-1 0-1 0 0,1 0 1 0 0,0-1 0 0 0,0 1 0 0 0,-1 0 0 0 0,2-3-1 0 0,-1 2-41 0 0,-1 0 0 0 0,0 1-1 0 0,0-1 1 0 0,0 0 0 0 0,0 0-1 0 0,0 0 1 0 0,-1 0 0 0 0,1 0-1 0 0,-1 1 1 0 0,0-1 0 0 0,0 0-1 0 0,0 0 1 0 0,0 0 0 0 0,0 0-1 0 0,-1 0 1 0 0,1 0 0 0 0,-2-4-1 0 0,0 4-374 0 0,0 0-1 0 0,0 0 1 0 0,0 0-1 0 0,0 0 1 0 0,0 1-1 0 0,0-1 1 0 0,-1 1-1 0 0,1-1 1 0 0,-1 1-1 0 0,-5-4 1 0 0,-35-17 157 0 0,20 11-72 0 0,-11-5 330 0 0,-72-25 0 0 0,25 11-11 0 0,30 13-192 0 0,31 11-92 0 0,-31-14 0 0 0,-43-18 225 0 0,53 24-232 0 0,4 3 58 0 0,-52-12-1 0 0,11 5-44 0 0,-117-23 61 0 0,106 26-132 0 0,-415-55 266 0 0,308 56-433 0 0,137 14 104 0 0,-80 7-1 0 0,37 4 127 0 0,-150 22 26 0 0,241-30-205 0 0,-282 66 74 0 0,261-58-39 0 0,-17 3 89 0 0,-78 34 1 0 0,114-40-85 0 0,0 1-1 0 0,1 0 1 0 0,0 0-1 0 0,0 2 1 0 0,1-1-1 0 0,0 1 1 0 0,1 1-1 0 0,-10 12 1 0 0,13-13-25 0 0,2 0 1 0 0,-1 0-1 0 0,2 0 0 0 0,-1 1 1 0 0,1-1-1 0 0,-4 18 1 0 0,-3 9-2 0 0,0 2-13 0 0,1 1-1 0 0,2 0 1 0 0,-4 64-1 0 0,4-28 4 0 0,-5 103 21 0 0,13-160 99 0 0,1 0-1 0 0,1 0 1 0 0,1 1 0 0 0,1-1 0 0 0,10 32 0 0 0,-10-39-46 0 0,1 0 0 0 0,1 0 0 0 0,0-1 1 0 0,0 0-1 0 0,1 0 0 0 0,1-1 0 0 0,0 0 1 0 0,0 0-1 0 0,16 14 0 0 0,-4-8-20 0 0,0-1 1 0 0,0-1-1 0 0,32 16 0 0 0,70 26 153 0 0,-112-51-195 0 0,162 58-2 0 0,-105-41 0 0 0,78 21 37 0 0,-86-28 0 0 0,240 62 345 0 0,-236-61-290 0 0,82 9 0 0 0,63-4 28 0 0,-146-17-64 0 0,0-4 0 0 0,1-2 0 0 0,-1-3 0 0 0,0-2 0 0 0,0-3 0 0 0,-1-3 0 0 0,82-28 0 0 0,-48 8 129 0 0,-2-4-1 0 0,-2-4 1 0 0,128-78 0 0 0,-160 82-148 0 0,169-113 32 0 0,-58 12 2 0 0,-142 112-73 0 0,-2-2-1 0 0,-1 0 1 0 0,36-54 0 0 0,-55 73-31 0 0,-1 0-1 0 0,0 0 1 0 0,-1-1 0 0 0,0 1 0 0 0,3-14 0 0 0,-5 17-15 0 0,-1 1 1 0 0,0 0-1 0 0,-1-1 0 0 0,1 1 1 0 0,-1 0-1 0 0,0-1 1 0 0,-1 1-1 0 0,1-1 1 0 0,-1 1-1 0 0,0 0 1 0 0,-1 0-1 0 0,-1-6 0 0 0,0 4-111 0 0,0 0 0 0 0,0 1 0 0 0,0-1 0 0 0,-1 1 0 0 0,0 0-1 0 0,0 0 1 0 0,-1 0 0 0 0,0 0 0 0 0,0 1 0 0 0,0-1 0 0 0,-1 1-1 0 0,-6-4 1 0 0,-34-22-2465 0 0,17 12-3461 0 0,3 0-1225 0 0</inkml:trace>
+</inkml:ink>
+</file>
+
+<file path=ppt/notesMasters/notesMaster1.xml><?xml version="1.0" encoding="utf-8"?>
+<p:notesMaster xmlns:a="http://schemas.openxmlformats.org/drawingml/2006/main" xmlns:r="http://schemas.openxmlformats.org/officeDocument/2006/relationships" xmlns:p="http://schemas.openxmlformats.org/presentationml/2006/main">
+  <p:cSld>
+    <p:bg>
+      <p:bgRef idx="1001">
+        <a:schemeClr val="bg1"/>
+      </p:bgRef>
+    </p:bg>
+    <p:spTree>
+      <p:nvGrpSpPr>
+        <p:cNvPr id="1" name=""/>
+        <p:cNvGrpSpPr/>
+        <p:nvPr/>
+      </p:nvGrpSpPr>
+      <p:grpSpPr>
+        <a:xfrm>
+          <a:off x="0" y="0"/>
+          <a:ext cx="0" cy="0"/>
+          <a:chOff x="0" y="0"/>
+          <a:chExt cx="0" cy="0"/>
+        </a:xfrm>
+      </p:grpSpPr>
+      <p:sp>
+        <p:nvSpPr>
+          <p:cNvPr id="2" name="Header Placeholder 1"/>
+          <p:cNvSpPr>
+            <a:spLocks noGrp="1"/>
+          </p:cNvSpPr>
+          <p:nvPr>
+            <p:ph type="hdr" sz="quarter"/>
+          </p:nvPr>
+        </p:nvSpPr>
+        <p:spPr>
+          <a:xfrm>
+            <a:off x="0" y="0"/>
+            <a:ext cx="2971800" cy="458788"/>
+          </a:xfrm>
+          <a:prstGeom prst="rect">
+            <a:avLst/>
+          </a:prstGeom>
+        </p:spPr>
+        <p:txBody>
+          <a:bodyPr vert="horz" lIns="91440" tIns="45720" rIns="91440" bIns="45720" rtlCol="0"/>
+          <a:lstStyle>
+            <a:lvl1pPr algn="l">
+              <a:defRPr sz="1200"/>
+            </a:lvl1pPr>
+          </a:lstStyle>
+          <a:p>
+            <a:endParaRPr lang="en-US"/>
+          </a:p>
+        </p:txBody>
+      </p:sp>
+      <p:sp>
+        <p:nvSpPr>
+          <p:cNvPr id="3" name="Date Placeholder 2"/>
+          <p:cNvSpPr>
+            <a:spLocks noGrp="1"/>
+          </p:cNvSpPr>
+          <p:nvPr>
+            <p:ph type="dt" idx="1"/>
+          </p:nvPr>
+        </p:nvSpPr>
+        <p:spPr>
+          <a:xfrm>
+            <a:off x="3884613" y="0"/>
+            <a:ext cx="2971800" cy="458788"/>
+          </a:xfrm>
+          <a:prstGeom prst="rect">
+            <a:avLst/>
+          </a:prstGeom>
+        </p:spPr>
+        <p:txBody>
+          <a:bodyPr vert="horz" lIns="91440" tIns="45720" rIns="91440" bIns="45720" rtlCol="0"/>
+          <a:lstStyle>
+            <a:lvl1pPr algn="r">
+              <a:defRPr sz="1200"/>
+            </a:lvl1pPr>
+          </a:lstStyle>
+          <a:p>
+            <a:fld id="{7973FD6B-E78D-4983-A115-0E0E2B20F1E1}" type="datetimeFigureOut">
+              <a:rPr lang="en-US" smtClean="0"/>
+              <a:t>11/15/2020</a:t>
+            </a:fld>
+            <a:endParaRPr lang="en-US"/>
+          </a:p>
+        </p:txBody>
+      </p:sp>
+      <p:sp>
+        <p:nvSpPr>
+          <p:cNvPr id="4" name="Slide Image Placeholder 3"/>
+          <p:cNvSpPr>
+            <a:spLocks noGrp="1" noRot="1" noChangeAspect="1"/>
+          </p:cNvSpPr>
+          <p:nvPr>
+            <p:ph type="sldImg" idx="2"/>
+          </p:nvPr>
+        </p:nvSpPr>
+        <p:spPr>
+          <a:xfrm>
+            <a:off x="685800" y="1143000"/>
+            <a:ext cx="5486400" cy="3086100"/>
+          </a:xfrm>
+          <a:prstGeom prst="rect">
+            <a:avLst/>
+          </a:prstGeom>
+          <a:noFill/>
+          <a:ln w="12700">
+            <a:solidFill>
+              <a:prstClr val="black"/>
+            </a:solidFill>
+          </a:ln>
+        </p:spPr>
+        <p:txBody>
+          <a:bodyPr vert="horz" lIns="91440" tIns="45720" rIns="91440" bIns="45720" rtlCol="0" anchor="ctr"/>
+          <a:lstStyle/>
+          <a:p>
+            <a:endParaRPr lang="en-US"/>
+          </a:p>
+        </p:txBody>
+      </p:sp>
+      <p:sp>
+        <p:nvSpPr>
+          <p:cNvPr id="5" name="Notes Placeholder 4"/>
+          <p:cNvSpPr>
+            <a:spLocks noGrp="1"/>
+          </p:cNvSpPr>
+          <p:nvPr>
+            <p:ph type="body" sz="quarter" idx="3"/>
+          </p:nvPr>
+        </p:nvSpPr>
+        <p:spPr>
+          <a:xfrm>
+            <a:off x="685800" y="4400550"/>
+            <a:ext cx="5486400" cy="3600450"/>
+          </a:xfrm>
+          <a:prstGeom prst="rect">
+            <a:avLst/>
+          </a:prstGeom>
+        </p:spPr>
+        <p:txBody>
+          <a:bodyPr vert="horz" lIns="91440" tIns="45720" rIns="91440" bIns="45720" rtlCol="0"/>
+          <a:lstStyle/>
+          <a:p>
+            <a:pPr lvl="0"/>
+            <a:r>
+              <a:rPr lang="en-US"/>
+              <a:t>Click to edit Master text styles</a:t>
+            </a:r>
+          </a:p>
+          <a:p>
+            <a:pPr lvl="1"/>
+            <a:r>
+              <a:rPr lang="en-US"/>
+              <a:t>Second level</a:t>
+            </a:r>
+          </a:p>
+          <a:p>
+            <a:pPr lvl="2"/>
+            <a:r>
+              <a:rPr lang="en-US"/>
+              <a:t>Third level</a:t>
+            </a:r>
+          </a:p>
+          <a:p>
+            <a:pPr lvl="3"/>
+            <a:r>
+              <a:rPr lang="en-US"/>
+              <a:t>Fourth level</a:t>
+            </a:r>
+          </a:p>
+          <a:p>
+            <a:pPr lvl="4"/>
+            <a:r>
+              <a:rPr lang="en-US"/>
+              <a:t>Fifth level</a:t>
+            </a:r>
+          </a:p>
+        </p:txBody>
+      </p:sp>
+      <p:sp>
+        <p:nvSpPr>
+          <p:cNvPr id="6" name="Footer Placeholder 5"/>
+          <p:cNvSpPr>
+            <a:spLocks noGrp="1"/>
+          </p:cNvSpPr>
+          <p:nvPr>
+            <p:ph type="ftr" sz="quarter" idx="4"/>
+          </p:nvPr>
+        </p:nvSpPr>
+        <p:spPr>
+          <a:xfrm>
+            <a:off x="0" y="8685213"/>
+            <a:ext cx="2971800" cy="458787"/>
+          </a:xfrm>
+          <a:prstGeom prst="rect">
+            <a:avLst/>
+          </a:prstGeom>
+        </p:spPr>
+        <p:txBody>
+          <a:bodyPr vert="horz" lIns="91440" tIns="45720" rIns="91440" bIns="45720" rtlCol="0" anchor="b"/>
+          <a:lstStyle>
+            <a:lvl1pPr algn="l">
+              <a:defRPr sz="1200"/>
+            </a:lvl1pPr>
+          </a:lstStyle>
+          <a:p>
+            <a:endParaRPr lang="en-US"/>
+          </a:p>
+        </p:txBody>
+      </p:sp>
+      <p:sp>
+        <p:nvSpPr>
+          <p:cNvPr id="7" name="Slide Number Placeholder 6"/>
+          <p:cNvSpPr>
+            <a:spLocks noGrp="1"/>
+          </p:cNvSpPr>
+          <p:nvPr>
+            <p:ph type="sldNum" sz="quarter" idx="5"/>
+          </p:nvPr>
+        </p:nvSpPr>
+        <p:spPr>
+          <a:xfrm>
+            <a:off x="3884613" y="8685213"/>
+            <a:ext cx="2971800" cy="458787"/>
+          </a:xfrm>
+          <a:prstGeom prst="rect">
+            <a:avLst/>
+          </a:prstGeom>
+        </p:spPr>
+        <p:txBody>
+          <a:bodyPr vert="horz" lIns="91440" tIns="45720" rIns="91440" bIns="45720" rtlCol="0" anchor="b"/>
+          <a:lstStyle>
+            <a:lvl1pPr algn="r">
+              <a:defRPr sz="1200"/>
+            </a:lvl1pPr>
+          </a:lstStyle>
+          <a:p>
+            <a:fld id="{9CA32184-0E7E-4A2D-BA18-6F05E6645DED}" type="slidenum">
+              <a:rPr lang="en-US" smtClean="0"/>
+              <a:t>‹#›</a:t>
+            </a:fld>
+            <a:endParaRPr lang="en-US"/>
+          </a:p>
+        </p:txBody>
+      </p:sp>
+    </p:spTree>
+    <p:extLst>
+      <p:ext uri="{BB962C8B-B14F-4D97-AF65-F5344CB8AC3E}">
+        <p14:creationId xmlns:p14="http://schemas.microsoft.com/office/powerpoint/2010/main" val="1474119882"/>
+      </p:ext>
+    </p:extLst>
+  </p:cSld>
+  <p:clrMap bg1="lt1" tx1="dk1" bg2="lt2" tx2="dk2" accent1="accent1" accent2="accent2" accent3="accent3" accent4="accent4" accent5="accent5" accent6="accent6" hlink="hlink" folHlink="folHlink"/>
+  <p:notesStyle>
+    <a:lvl1pPr marL="0" algn="l" defTabSz="914400" rtl="0" eaLnBrk="1" latinLnBrk="0" hangingPunct="1">
+      <a:defRPr sz="1200" kern="1200">
+        <a:solidFill>
+          <a:schemeClr val="tx1"/>
+        </a:solidFill>
+        <a:latin typeface="+mn-lt"/>
+        <a:ea typeface="+mn-ea"/>
+        <a:cs typeface="+mn-cs"/>
+      </a:defRPr>
+    </a:lvl1pPr>
+    <a:lvl2pPr marL="457200" algn="l" defTabSz="914400" rtl="0" eaLnBrk="1" latinLnBrk="0" hangingPunct="1">
+      <a:defRPr sz="1200" kern="1200">
+        <a:solidFill>
+          <a:schemeClr val="tx1"/>
+        </a:solidFill>
+        <a:latin typeface="+mn-lt"/>
+        <a:ea typeface="+mn-ea"/>
+        <a:cs typeface="+mn-cs"/>
+      </a:defRPr>
+    </a:lvl2pPr>
+    <a:lvl3pPr marL="914400" algn="l" defTabSz="914400" rtl="0" eaLnBrk="1" latinLnBrk="0" hangingPunct="1">
+      <a:defRPr sz="1200" kern="1200">
+        <a:solidFill>
+          <a:schemeClr val="tx1"/>
+        </a:solidFill>
+        <a:latin typeface="+mn-lt"/>
+        <a:ea typeface="+mn-ea"/>
+        <a:cs typeface="+mn-cs"/>
+      </a:defRPr>
+    </a:lvl3pPr>
+    <a:lvl4pPr marL="1371600" algn="l" defTabSz="914400" rtl="0" eaLnBrk="1" latinLnBrk="0" hangingPunct="1">
+      <a:defRPr sz="1200" kern="1200">
+        <a:solidFill>
+          <a:schemeClr val="tx1"/>
+        </a:solidFill>
+        <a:latin typeface="+mn-lt"/>
+        <a:ea typeface="+mn-ea"/>
+        <a:cs typeface="+mn-cs"/>
+      </a:defRPr>
+    </a:lvl4pPr>
+    <a:lvl5pPr marL="1828800" algn="l" defTabSz="914400" rtl="0" eaLnBrk="1" latinLnBrk="0" hangingPunct="1">
+      <a:defRPr sz="1200" kern="1200">
+        <a:solidFill>
+          <a:schemeClr val="tx1"/>
+        </a:solidFill>
+        <a:latin typeface="+mn-lt"/>
+        <a:ea typeface="+mn-ea"/>
+        <a:cs typeface="+mn-cs"/>
+      </a:defRPr>
+    </a:lvl5pPr>
+    <a:lvl6pPr marL="2286000" algn="l" defTabSz="914400" rtl="0" eaLnBrk="1" latinLnBrk="0" hangingPunct="1">
+      <a:defRPr sz="1200" kern="1200">
+        <a:solidFill>
+          <a:schemeClr val="tx1"/>
+        </a:solidFill>
+        <a:latin typeface="+mn-lt"/>
+        <a:ea typeface="+mn-ea"/>
+        <a:cs typeface="+mn-cs"/>
+      </a:defRPr>
+    </a:lvl6pPr>
+    <a:lvl7pPr marL="2743200" algn="l" defTabSz="914400" rtl="0" eaLnBrk="1" latinLnBrk="0" hangingPunct="1">
+      <a:defRPr sz="1200" kern="1200">
+        <a:solidFill>
+          <a:schemeClr val="tx1"/>
+        </a:solidFill>
+        <a:latin typeface="+mn-lt"/>
+        <a:ea typeface="+mn-ea"/>
+        <a:cs typeface="+mn-cs"/>
+      </a:defRPr>
+    </a:lvl7pPr>
+    <a:lvl8pPr marL="3200400" algn="l" defTabSz="914400" rtl="0" eaLnBrk="1" latinLnBrk="0" hangingPunct="1">
+      <a:defRPr sz="1200" kern="1200">
+        <a:solidFill>
+          <a:schemeClr val="tx1"/>
+        </a:solidFill>
+        <a:latin typeface="+mn-lt"/>
+        <a:ea typeface="+mn-ea"/>
+        <a:cs typeface="+mn-cs"/>
+      </a:defRPr>
+    </a:lvl8pPr>
+    <a:lvl9pPr marL="3657600" algn="l" defTabSz="914400" rtl="0" eaLnBrk="1" latinLnBrk="0" hangingPunct="1">
+      <a:defRPr sz="1200" kern="1200">
+        <a:solidFill>
+          <a:schemeClr val="tx1"/>
+        </a:solidFill>
+        <a:latin typeface="+mn-lt"/>
+        <a:ea typeface="+mn-ea"/>
+        <a:cs typeface="+mn-cs"/>
+      </a:defRPr>
+    </a:lvl9pPr>
+  </p:notesStyle>
+</p:notesMaster>
+</file>
+
+<file path=ppt/notesSlides/notesSlide1.xml><?xml version="1.0" encoding="utf-8"?>
+<p:notes xmlns:a="http://schemas.openxmlformats.org/drawingml/2006/main" xmlns:r="http://schemas.openxmlformats.org/officeDocument/2006/relationships" xmlns:p="http://schemas.openxmlformats.org/presentationml/2006/main">
+  <p:cSld>
+    <p:spTree>
+      <p:nvGrpSpPr>
+        <p:cNvPr id="1" name=""/>
+        <p:cNvGrpSpPr/>
+        <p:nvPr/>
+      </p:nvGrpSpPr>
+      <p:grpSpPr>
+        <a:xfrm>
+          <a:off x="0" y="0"/>
+          <a:ext cx="0" cy="0"/>
+          <a:chOff x="0" y="0"/>
+          <a:chExt cx="0" cy="0"/>
+        </a:xfrm>
+      </p:grpSpPr>
+      <p:sp>
+        <p:nvSpPr>
+          <p:cNvPr id="2" name="Slide Image Placeholder 1"/>
+          <p:cNvSpPr>
+            <a:spLocks noGrp="1" noRot="1" noChangeAspect="1"/>
+          </p:cNvSpPr>
+          <p:nvPr>
+            <p:ph type="sldImg"/>
+          </p:nvPr>
+        </p:nvSpPr>
+        <p:spPr/>
+      </p:sp>
+      <p:sp>
+        <p:nvSpPr>
+          <p:cNvPr id="3" name="Notes Placeholder 2"/>
+          <p:cNvSpPr>
+            <a:spLocks noGrp="1"/>
+          </p:cNvSpPr>
+          <p:nvPr>
+            <p:ph type="body" idx="1"/>
+          </p:nvPr>
+        </p:nvSpPr>
+        <p:spPr/>
+        <p:txBody>
+          <a:bodyPr/>
+          <a:lstStyle/>
+          <a:p>
+            <a:r>
+              <a:rPr lang="en-US" dirty="0"/>
+              <a:t>Household income, Financial Assistance, Mortgages, Shares of Stock/Mutual Fund, Children under 18, Checking/Savings/Bonds Account, Regional Price Parity</a:t>
+            </a:r>
+          </a:p>
+        </p:txBody>
+      </p:sp>
+      <p:sp>
+        <p:nvSpPr>
+          <p:cNvPr id="4" name="Slide Number Placeholder 3"/>
+          <p:cNvSpPr>
+            <a:spLocks noGrp="1"/>
+          </p:cNvSpPr>
+          <p:nvPr>
+            <p:ph type="sldNum" sz="quarter" idx="5"/>
+          </p:nvPr>
+        </p:nvSpPr>
+        <p:spPr/>
+        <p:txBody>
+          <a:bodyPr/>
+          <a:lstStyle/>
+          <a:p>
+            <a:fld id="{9CA32184-0E7E-4A2D-BA18-6F05E6645DED}" type="slidenum">
+              <a:rPr lang="en-US" smtClean="0"/>
+              <a:t>2</a:t>
+            </a:fld>
+            <a:endParaRPr lang="en-US"/>
+          </a:p>
+        </p:txBody>
+      </p:sp>
+    </p:spTree>
+    <p:extLst>
+      <p:ext uri="{BB962C8B-B14F-4D97-AF65-F5344CB8AC3E}">
+        <p14:creationId xmlns:p14="http://schemas.microsoft.com/office/powerpoint/2010/main" val="2456180576"/>
+      </p:ext>
+    </p:extLst>
+  </p:cSld>
+  <p:clrMapOvr>
+    <a:masterClrMapping/>
+  </p:clrMapOvr>
+</p:notes>
 </file>
 
 <file path=ppt/slideLayouts/slideLayout1.xml><?xml version="1.0" encoding="utf-8"?>
@@ -3344,6 +3818,18 @@
         <p:blipFill rotWithShape="1">
           <a:blip r:embed="rId2">
             <a:extLst>
+              <a:ext uri="{BEBA8EAE-BF5A-486C-A8C5-ECC9F3942E4B}">
+                <a14:imgProps xmlns:a14="http://schemas.microsoft.com/office/drawing/2010/main">
+                  <a14:imgLayer r:embed="rId3">
+                    <a14:imgEffect>
+                      <a14:sharpenSoften amount="25000"/>
+                    </a14:imgEffect>
+                    <a14:imgEffect>
+                      <a14:brightnessContrast bright="20000"/>
+                    </a14:imgEffect>
+                  </a14:imgLayer>
+                </a14:imgProps>
+              </a:ext>
               <a:ext uri="{28A0092B-C50C-407E-A947-70E740481C1C}">
                 <a14:useLocalDpi xmlns:a14="http://schemas.microsoft.com/office/drawing/2010/main" val="0"/>
               </a:ext>
@@ -3380,16 +3866,20 @@
         </p:nvSpPr>
         <p:spPr>
           <a:xfrm>
-            <a:off x="6136256" y="1122363"/>
-            <a:ext cx="5503653" cy="2387600"/>
+            <a:off x="5492152" y="1500646"/>
+            <a:ext cx="6147758" cy="2387600"/>
           </a:xfrm>
         </p:spPr>
         <p:txBody>
-          <a:bodyPr/>
-          <a:lstStyle/>
-          <a:p>
-            <a:r>
-              <a:rPr lang="en-US" dirty="0"/>
+          <a:bodyPr>
+            <a:normAutofit/>
+          </a:bodyPr>
+          <a:lstStyle/>
+          <a:p>
+            <a:r>
+              <a:rPr lang="en-US" sz="8000" dirty="0">
+                <a:latin typeface="Montserrat Medium" panose="00000600000000000000" pitchFamily="2" charset="0"/>
+              </a:rPr>
               <a:t>JSG Industries</a:t>
             </a:r>
           </a:p>
@@ -3413,16 +3903,25 @@
         </p:nvSpPr>
         <p:spPr>
           <a:xfrm>
-            <a:off x="6661150" y="3602038"/>
-            <a:ext cx="4006850" cy="1655762"/>
+            <a:off x="5492152" y="3888246"/>
+            <a:ext cx="5945697" cy="1655762"/>
           </a:xfrm>
         </p:spPr>
         <p:txBody>
-          <a:bodyPr/>
-          <a:lstStyle/>
-          <a:p>
-            <a:r>
-              <a:rPr lang="en-US" dirty="0"/>
+          <a:bodyPr>
+            <a:normAutofit fontScale="92500"/>
+          </a:bodyPr>
+          <a:lstStyle/>
+          <a:p>
+            <a:pPr>
+              <a:lnSpc>
+                <a:spcPct val="200000"/>
+              </a:lnSpc>
+            </a:pPr>
+            <a:r>
+              <a:rPr lang="en-US" sz="3200" b="1" dirty="0">
+                <a:latin typeface="Montserrat Medium" panose="00000600000000000000" pitchFamily="2" charset="0"/>
+              </a:rPr>
               <a:t>Shawn, Brendan, Gavin, Gary</a:t>
             </a:r>
           </a:p>
@@ -3443,13 +3942,13 @@
           <p:nvPr/>
         </p:nvPicPr>
         <p:blipFill>
-          <a:blip r:embed="rId3">
+          <a:blip r:embed="rId4">
             <a:extLst>
               <a:ext uri="{28A0092B-C50C-407E-A947-70E740481C1C}">
                 <a14:useLocalDpi xmlns:a14="http://schemas.microsoft.com/office/drawing/2010/main" val="0"/>
               </a:ext>
               <a:ext uri="{96DAC541-7B7A-43D3-8B79-37D633B846F1}">
-                <asvg:svgBlip xmlns:asvg="http://schemas.microsoft.com/office/drawing/2016/SVG/main" r:embed="rId4"/>
+                <asvg:svgBlip xmlns:asvg="http://schemas.microsoft.com/office/drawing/2016/SVG/main" r:embed="rId5"/>
               </a:ext>
             </a:extLst>
           </a:blip>
@@ -3459,8 +3958,8 @@
         </p:blipFill>
         <p:spPr>
           <a:xfrm>
-            <a:off x="982669" y="592298"/>
-            <a:ext cx="4909383" cy="5327328"/>
+            <a:off x="914400" y="1122363"/>
+            <a:ext cx="4074754" cy="4421645"/>
           </a:xfrm>
           <a:prstGeom prst="rect">
             <a:avLst/>
@@ -3499,31 +3998,6 @@
       </p:grpSpPr>
       <p:sp>
         <p:nvSpPr>
-          <p:cNvPr id="2" name="Title 1">
-            <a:extLst>
-              <a:ext uri="{FF2B5EF4-FFF2-40B4-BE49-F238E27FC236}">
-                <a16:creationId xmlns:a16="http://schemas.microsoft.com/office/drawing/2014/main" id="{5DCFC0D8-4767-46E1-8B29-2631576307FE}"/>
-              </a:ext>
-            </a:extLst>
-          </p:cNvPr>
-          <p:cNvSpPr>
-            <a:spLocks noGrp="1"/>
-          </p:cNvSpPr>
-          <p:nvPr>
-            <p:ph type="title"/>
-          </p:nvPr>
-        </p:nvSpPr>
-        <p:spPr/>
-        <p:txBody>
-          <a:bodyPr/>
-          <a:lstStyle/>
-          <a:p>
-            <a:endParaRPr lang="en-US"/>
-          </a:p>
-        </p:txBody>
-      </p:sp>
-      <p:sp>
-        <p:nvSpPr>
           <p:cNvPr id="3" name="Content Placeholder 2">
             <a:extLst>
               <a:ext uri="{FF2B5EF4-FFF2-40B4-BE49-F238E27FC236}">
@@ -3540,8 +4014,8 @@
         </p:nvSpPr>
         <p:spPr>
           <a:xfrm>
-            <a:off x="7937500" y="1825625"/>
-            <a:ext cx="3416300" cy="4351338"/>
+            <a:off x="8650617" y="1619072"/>
+            <a:ext cx="3416300" cy="3619856"/>
           </a:xfrm>
         </p:spPr>
         <p:txBody>
@@ -3606,14 +4080,14 @@
           <p:nvPr/>
         </p:nvPicPr>
         <p:blipFill rotWithShape="1">
-          <a:blip r:embed="rId2"/>
+          <a:blip r:embed="rId3"/>
           <a:srcRect b="35094"/>
           <a:stretch/>
         </p:blipFill>
         <p:spPr>
           <a:xfrm>
-            <a:off x="0" y="3859239"/>
-            <a:ext cx="7382362" cy="2767384"/>
+            <a:off x="1000664" y="3916276"/>
+            <a:ext cx="7175328" cy="2689774"/>
           </a:xfrm>
           <a:prstGeom prst="rect">
             <a:avLst/>
@@ -3626,6 +4100,206 @@
             <a:extLst>
               <a:ext uri="{FF2B5EF4-FFF2-40B4-BE49-F238E27FC236}">
                 <a16:creationId xmlns:a16="http://schemas.microsoft.com/office/drawing/2014/main" id="{F93D4B2D-1091-4346-AE13-25C30DD47CA0}"/>
+              </a:ext>
+            </a:extLst>
+          </p:cNvPr>
+          <p:cNvPicPr>
+            <a:picLocks noChangeAspect="1"/>
+          </p:cNvPicPr>
+          <p:nvPr/>
+        </p:nvPicPr>
+        <p:blipFill>
+          <a:blip r:embed="rId4"/>
+          <a:stretch>
+            <a:fillRect/>
+          </a:stretch>
+        </p:blipFill>
+        <p:spPr>
+          <a:xfrm>
+            <a:off x="1000664" y="251950"/>
+            <a:ext cx="7175328" cy="3619856"/>
+          </a:xfrm>
+          <a:prstGeom prst="rect">
+            <a:avLst/>
+          </a:prstGeom>
+        </p:spPr>
+      </p:pic>
+      <mc:AlternateContent xmlns:mc="http://schemas.openxmlformats.org/markup-compatibility/2006">
+        <mc:Choice xmlns:p14="http://schemas.microsoft.com/office/powerpoint/2010/main" Requires="p14">
+          <p:contentPart p14:bwMode="auto" r:id="rId5">
+            <p14:nvContentPartPr>
+              <p14:cNvPr id="6" name="Ink 5">
+                <a:extLst>
+                  <a:ext uri="{FF2B5EF4-FFF2-40B4-BE49-F238E27FC236}">
+                    <a16:creationId xmlns:a16="http://schemas.microsoft.com/office/drawing/2014/main" id="{BA1DFF51-DADF-4ED6-86F9-FF7B6150D37C}"/>
+                  </a:ext>
+                </a:extLst>
+              </p14:cNvPr>
+              <p14:cNvContentPartPr/>
+              <p14:nvPr/>
+            </p14:nvContentPartPr>
+            <p14:xfrm>
+              <a:off x="943363" y="4106749"/>
+              <a:ext cx="1157832" cy="568568"/>
+            </p14:xfrm>
+          </p:contentPart>
+        </mc:Choice>
+        <mc:Fallback>
+          <p:pic>
+            <p:nvPicPr>
+              <p:cNvPr id="6" name="Ink 5">
+                <a:extLst>
+                  <a:ext uri="{FF2B5EF4-FFF2-40B4-BE49-F238E27FC236}">
+                    <a16:creationId xmlns:a16="http://schemas.microsoft.com/office/drawing/2014/main" id="{BA1DFF51-DADF-4ED6-86F9-FF7B6150D37C}"/>
+                  </a:ext>
+                </a:extLst>
+              </p:cNvPr>
+              <p:cNvPicPr/>
+              <p:nvPr/>
+            </p:nvPicPr>
+            <p:blipFill>
+              <a:blip r:embed="rId6"/>
+              <a:stretch>
+                <a:fillRect/>
+              </a:stretch>
+            </p:blipFill>
+            <p:spPr>
+              <a:xfrm>
+                <a:off x="934362" y="4098107"/>
+                <a:ext cx="1175473" cy="586212"/>
+              </a:xfrm>
+              <a:prstGeom prst="rect">
+                <a:avLst/>
+              </a:prstGeom>
+            </p:spPr>
+          </p:pic>
+        </mc:Fallback>
+      </mc:AlternateContent>
+    </p:spTree>
+    <p:extLst>
+      <p:ext uri="{BB962C8B-B14F-4D97-AF65-F5344CB8AC3E}">
+        <p14:creationId xmlns:p14="http://schemas.microsoft.com/office/powerpoint/2010/main" val="3969886604"/>
+      </p:ext>
+    </p:extLst>
+  </p:cSld>
+  <p:clrMapOvr>
+    <a:masterClrMapping/>
+  </p:clrMapOvr>
+</p:sld>
+</file>
+
+<file path=ppt/slides/slide3.xml><?xml version="1.0" encoding="utf-8"?>
+<p:sld xmlns:a="http://schemas.openxmlformats.org/drawingml/2006/main" xmlns:r="http://schemas.openxmlformats.org/officeDocument/2006/relationships" xmlns:p="http://schemas.openxmlformats.org/presentationml/2006/main">
+  <p:cSld>
+    <p:spTree>
+      <p:nvGrpSpPr>
+        <p:cNvPr id="1" name=""/>
+        <p:cNvGrpSpPr/>
+        <p:nvPr/>
+      </p:nvGrpSpPr>
+      <p:grpSpPr>
+        <a:xfrm>
+          <a:off x="0" y="0"/>
+          <a:ext cx="0" cy="0"/>
+          <a:chOff x="0" y="0"/>
+          <a:chExt cx="0" cy="0"/>
+        </a:xfrm>
+      </p:grpSpPr>
+      <p:pic>
+        <p:nvPicPr>
+          <p:cNvPr id="5" name="Picture 4">
+            <a:extLst>
+              <a:ext uri="{FF2B5EF4-FFF2-40B4-BE49-F238E27FC236}">
+                <a16:creationId xmlns:a16="http://schemas.microsoft.com/office/drawing/2014/main" id="{5B7F27C4-FCB3-4DCF-A6C9-DCAF678EE4FA}"/>
+              </a:ext>
+            </a:extLst>
+          </p:cNvPr>
+          <p:cNvPicPr>
+            <a:picLocks noChangeAspect="1"/>
+          </p:cNvPicPr>
+          <p:nvPr/>
+        </p:nvPicPr>
+        <p:blipFill>
+          <a:blip r:embed="rId2"/>
+          <a:stretch>
+            <a:fillRect/>
+          </a:stretch>
+        </p:blipFill>
+        <p:spPr>
+          <a:xfrm>
+            <a:off x="195532" y="7759"/>
+            <a:ext cx="11800936" cy="6850241"/>
+          </a:xfrm>
+          <a:prstGeom prst="rect">
+            <a:avLst/>
+          </a:prstGeom>
+        </p:spPr>
+      </p:pic>
+    </p:spTree>
+    <p:extLst>
+      <p:ext uri="{BB962C8B-B14F-4D97-AF65-F5344CB8AC3E}">
+        <p14:creationId xmlns:p14="http://schemas.microsoft.com/office/powerpoint/2010/main" val="2794194252"/>
+      </p:ext>
+    </p:extLst>
+  </p:cSld>
+  <p:clrMapOvr>
+    <a:masterClrMapping/>
+  </p:clrMapOvr>
+</p:sld>
+</file>
+
+<file path=ppt/slides/slide4.xml><?xml version="1.0" encoding="utf-8"?>
+<p:sld xmlns:a="http://schemas.openxmlformats.org/drawingml/2006/main" xmlns:r="http://schemas.openxmlformats.org/officeDocument/2006/relationships" xmlns:p="http://schemas.openxmlformats.org/presentationml/2006/main">
+  <p:cSld>
+    <p:spTree>
+      <p:nvGrpSpPr>
+        <p:cNvPr id="1" name=""/>
+        <p:cNvGrpSpPr/>
+        <p:nvPr/>
+      </p:nvGrpSpPr>
+      <p:grpSpPr>
+        <a:xfrm>
+          <a:off x="0" y="0"/>
+          <a:ext cx="0" cy="0"/>
+          <a:chOff x="0" y="0"/>
+          <a:chExt cx="0" cy="0"/>
+        </a:xfrm>
+      </p:grpSpPr>
+      <p:pic>
+        <p:nvPicPr>
+          <p:cNvPr id="5" name="Picture 4">
+            <a:extLst>
+              <a:ext uri="{FF2B5EF4-FFF2-40B4-BE49-F238E27FC236}">
+                <a16:creationId xmlns:a16="http://schemas.microsoft.com/office/drawing/2014/main" id="{9C6D6E31-5BD6-4F43-A087-2A6569DD0E57}"/>
+              </a:ext>
+            </a:extLst>
+          </p:cNvPr>
+          <p:cNvPicPr>
+            <a:picLocks noChangeAspect="1"/>
+          </p:cNvPicPr>
+          <p:nvPr/>
+        </p:nvPicPr>
+        <p:blipFill rotWithShape="1">
+          <a:blip r:embed="rId2"/>
+          <a:srcRect b="57157"/>
+          <a:stretch/>
+        </p:blipFill>
+        <p:spPr>
+          <a:xfrm>
+            <a:off x="4146171" y="1126308"/>
+            <a:ext cx="7530906" cy="2062188"/>
+          </a:xfrm>
+          <a:prstGeom prst="rect">
+            <a:avLst/>
+          </a:prstGeom>
+        </p:spPr>
+      </p:pic>
+      <p:pic>
+        <p:nvPicPr>
+          <p:cNvPr id="7" name="Picture 6">
+            <a:extLst>
+              <a:ext uri="{FF2B5EF4-FFF2-40B4-BE49-F238E27FC236}">
+                <a16:creationId xmlns:a16="http://schemas.microsoft.com/office/drawing/2014/main" id="{FC8C29F9-24CB-4AED-99F2-1A1E11C6D93F}"/>
               </a:ext>
             </a:extLst>
           </p:cNvPr>
@@ -3642,18 +4316,343 @@
         </p:blipFill>
         <p:spPr>
           <a:xfrm>
-            <a:off x="0" y="0"/>
-            <a:ext cx="7382362" cy="3724302"/>
+            <a:off x="514923" y="4067060"/>
+            <a:ext cx="11162154" cy="1664632"/>
           </a:xfrm>
           <a:prstGeom prst="rect">
             <a:avLst/>
           </a:prstGeom>
         </p:spPr>
       </p:pic>
+      <p:sp>
+        <p:nvSpPr>
+          <p:cNvPr id="8" name="Title 1">
+            <a:extLst>
+              <a:ext uri="{FF2B5EF4-FFF2-40B4-BE49-F238E27FC236}">
+                <a16:creationId xmlns:a16="http://schemas.microsoft.com/office/drawing/2014/main" id="{6B755CA4-9F88-45FC-9CD4-464AA528BB41}"/>
+              </a:ext>
+            </a:extLst>
+          </p:cNvPr>
+          <p:cNvSpPr txBox="1">
+            <a:spLocks/>
+          </p:cNvSpPr>
+          <p:nvPr/>
+        </p:nvSpPr>
+        <p:spPr>
+          <a:xfrm>
+            <a:off x="615352" y="1041400"/>
+            <a:ext cx="6147758" cy="2387600"/>
+          </a:xfrm>
+          <a:prstGeom prst="rect">
+            <a:avLst/>
+          </a:prstGeom>
+        </p:spPr>
+        <p:txBody>
+          <a:bodyPr vert="horz" lIns="91440" tIns="45720" rIns="91440" bIns="45720" rtlCol="0" anchor="ctr">
+            <a:normAutofit/>
+          </a:bodyPr>
+          <a:lstStyle>
+            <a:lvl1pPr algn="l" defTabSz="914400" rtl="0" eaLnBrk="1" latinLnBrk="0" hangingPunct="1">
+              <a:lnSpc>
+                <a:spcPct val="90000"/>
+              </a:lnSpc>
+              <a:spcBef>
+                <a:spcPct val="0"/>
+              </a:spcBef>
+              <a:buNone/>
+              <a:defRPr sz="4400" kern="1200">
+                <a:solidFill>
+                  <a:schemeClr val="tx1"/>
+                </a:solidFill>
+                <a:latin typeface="+mj-lt"/>
+                <a:ea typeface="+mj-ea"/>
+                <a:cs typeface="+mj-cs"/>
+              </a:defRPr>
+            </a:lvl1pPr>
+          </a:lstStyle>
+          <a:p>
+            <a:r>
+              <a:rPr lang="en-US" sz="4800" dirty="0">
+                <a:latin typeface="Montserrat Medium" panose="00000600000000000000" pitchFamily="2" charset="0"/>
+              </a:rPr>
+              <a:t>91052</a:t>
+            </a:r>
+          </a:p>
+          <a:p>
+            <a:r>
+              <a:rPr lang="en-US" sz="4800" dirty="0">
+                <a:latin typeface="Montserrat Medium" panose="00000600000000000000" pitchFamily="2" charset="0"/>
+              </a:rPr>
+              <a:t>Data Pts.</a:t>
+            </a:r>
+          </a:p>
+        </p:txBody>
+      </p:sp>
     </p:spTree>
     <p:extLst>
       <p:ext uri="{BB962C8B-B14F-4D97-AF65-F5344CB8AC3E}">
-        <p14:creationId xmlns:p14="http://schemas.microsoft.com/office/powerpoint/2010/main" val="3969886604"/>
+        <p14:creationId xmlns:p14="http://schemas.microsoft.com/office/powerpoint/2010/main" val="554503883"/>
+      </p:ext>
+    </p:extLst>
+  </p:cSld>
+  <p:clrMapOvr>
+    <a:masterClrMapping/>
+  </p:clrMapOvr>
+</p:sld>
+</file>
+
+<file path=ppt/slides/slide5.xml><?xml version="1.0" encoding="utf-8"?>
+<p:sld xmlns:a="http://schemas.openxmlformats.org/drawingml/2006/main" xmlns:r="http://schemas.openxmlformats.org/officeDocument/2006/relationships" xmlns:p="http://schemas.openxmlformats.org/presentationml/2006/main">
+  <p:cSld>
+    <p:spTree>
+      <p:nvGrpSpPr>
+        <p:cNvPr id="1" name=""/>
+        <p:cNvGrpSpPr/>
+        <p:nvPr/>
+      </p:nvGrpSpPr>
+      <p:grpSpPr>
+        <a:xfrm>
+          <a:off x="0" y="0"/>
+          <a:ext cx="0" cy="0"/>
+          <a:chOff x="0" y="0"/>
+          <a:chExt cx="0" cy="0"/>
+        </a:xfrm>
+      </p:grpSpPr>
+      <p:sp>
+        <p:nvSpPr>
+          <p:cNvPr id="2" name="Title 1">
+            <a:extLst>
+              <a:ext uri="{FF2B5EF4-FFF2-40B4-BE49-F238E27FC236}">
+                <a16:creationId xmlns:a16="http://schemas.microsoft.com/office/drawing/2014/main" id="{C564F3AE-45C9-48D6-85FD-8D06745D6C8B}"/>
+              </a:ext>
+            </a:extLst>
+          </p:cNvPr>
+          <p:cNvSpPr>
+            <a:spLocks noGrp="1"/>
+          </p:cNvSpPr>
+          <p:nvPr>
+            <p:ph type="title"/>
+          </p:nvPr>
+        </p:nvSpPr>
+        <p:spPr/>
+        <p:txBody>
+          <a:bodyPr>
+            <a:normAutofit/>
+          </a:bodyPr>
+          <a:lstStyle/>
+          <a:p>
+            <a:r>
+              <a:rPr lang="en-US" sz="4800" dirty="0">
+                <a:latin typeface="Montserrat Medium" panose="00000600000000000000" pitchFamily="2" charset="0"/>
+              </a:rPr>
+              <a:t>Technology</a:t>
+            </a:r>
+          </a:p>
+        </p:txBody>
+      </p:sp>
+      <p:sp>
+        <p:nvSpPr>
+          <p:cNvPr id="3" name="Content Placeholder 2">
+            <a:extLst>
+              <a:ext uri="{FF2B5EF4-FFF2-40B4-BE49-F238E27FC236}">
+                <a16:creationId xmlns:a16="http://schemas.microsoft.com/office/drawing/2014/main" id="{B1B0ED4F-624B-43F2-AF2C-7EF75E6E370B}"/>
+              </a:ext>
+            </a:extLst>
+          </p:cNvPr>
+          <p:cNvSpPr>
+            <a:spLocks noGrp="1"/>
+          </p:cNvSpPr>
+          <p:nvPr>
+            <p:ph idx="1"/>
+          </p:nvPr>
+        </p:nvSpPr>
+        <p:spPr>
+          <a:xfrm>
+            <a:off x="838200" y="1825625"/>
+            <a:ext cx="10974238" cy="4351338"/>
+          </a:xfrm>
+        </p:spPr>
+        <p:txBody>
+          <a:bodyPr>
+            <a:normAutofit/>
+          </a:bodyPr>
+          <a:lstStyle/>
+          <a:p>
+            <a:pPr marL="0" indent="0">
+              <a:lnSpc>
+                <a:spcPct val="110000"/>
+              </a:lnSpc>
+              <a:buNone/>
+            </a:pPr>
+            <a:r>
+              <a:rPr lang="en-US" b="1" dirty="0">
+                <a:solidFill>
+                  <a:srgbClr val="85BD5F"/>
+                </a:solidFill>
+                <a:latin typeface="Montserrat Medium" panose="00000600000000000000" pitchFamily="2" charset="0"/>
+              </a:rPr>
+              <a:t>stonks-io.herokuapp.com/</a:t>
+            </a:r>
+            <a:endParaRPr lang="en-US" b="1" dirty="0">
+              <a:latin typeface="Montserrat Medium" panose="00000600000000000000" pitchFamily="2" charset="0"/>
+            </a:endParaRPr>
+          </a:p>
+          <a:p>
+            <a:pPr marL="0" indent="0">
+              <a:lnSpc>
+                <a:spcPct val="110000"/>
+              </a:lnSpc>
+              <a:buNone/>
+            </a:pPr>
+            <a:r>
+              <a:rPr lang="en-US" b="1" dirty="0">
+                <a:latin typeface="Montserrat Medium" panose="00000600000000000000" pitchFamily="2" charset="0"/>
+              </a:rPr>
+              <a:t>Stack: </a:t>
+            </a:r>
+            <a:r>
+              <a:rPr lang="en-US" dirty="0">
+                <a:latin typeface="Montserrat Medium" panose="00000600000000000000" pitchFamily="2" charset="0"/>
+              </a:rPr>
+              <a:t>React + Python + Flask</a:t>
+            </a:r>
+            <a:endParaRPr lang="en-US" b="1" dirty="0">
+              <a:latin typeface="Montserrat Medium" panose="00000600000000000000" pitchFamily="2" charset="0"/>
+            </a:endParaRPr>
+          </a:p>
+          <a:p>
+            <a:pPr marL="0" indent="0">
+              <a:lnSpc>
+                <a:spcPct val="110000"/>
+              </a:lnSpc>
+              <a:buNone/>
+            </a:pPr>
+            <a:r>
+              <a:rPr lang="en-US" b="1" dirty="0">
+                <a:latin typeface="Montserrat Medium" panose="00000600000000000000" pitchFamily="2" charset="0"/>
+              </a:rPr>
+              <a:t> 	- </a:t>
+            </a:r>
+            <a:r>
+              <a:rPr lang="en-US" dirty="0">
+                <a:latin typeface="Montserrat Medium" panose="00000600000000000000" pitchFamily="2" charset="0"/>
+              </a:rPr>
+              <a:t>HTML, JavaScript, CSS, JSON</a:t>
+            </a:r>
+          </a:p>
+          <a:p>
+            <a:pPr marL="0" indent="0">
+              <a:lnSpc>
+                <a:spcPct val="110000"/>
+              </a:lnSpc>
+              <a:buNone/>
+            </a:pPr>
+            <a:r>
+              <a:rPr lang="en-US" dirty="0">
+                <a:latin typeface="Montserrat Medium" panose="00000600000000000000" pitchFamily="2" charset="0"/>
+              </a:rPr>
+              <a:t>	</a:t>
+            </a:r>
+            <a:r>
+              <a:rPr lang="en-US" b="1" dirty="0">
+                <a:latin typeface="Montserrat Medium" panose="00000600000000000000" pitchFamily="2" charset="0"/>
+              </a:rPr>
+              <a:t>-</a:t>
+            </a:r>
+            <a:r>
+              <a:rPr lang="en-US" dirty="0">
+                <a:latin typeface="Montserrat Medium" panose="00000600000000000000" pitchFamily="2" charset="0"/>
+              </a:rPr>
+              <a:t> </a:t>
+            </a:r>
+            <a:r>
+              <a:rPr lang="en-US" dirty="0" err="1">
+                <a:latin typeface="Montserrat Medium" panose="00000600000000000000" pitchFamily="2" charset="0"/>
+              </a:rPr>
+              <a:t>Axios</a:t>
+            </a:r>
+            <a:r>
+              <a:rPr lang="en-US" dirty="0">
+                <a:latin typeface="Montserrat Medium" panose="00000600000000000000" pitchFamily="2" charset="0"/>
+              </a:rPr>
+              <a:t> (HTTP client library) </a:t>
+            </a:r>
+            <a:r>
+              <a:rPr lang="en-US" dirty="0" err="1">
+                <a:latin typeface="Montserrat Medium" panose="00000600000000000000" pitchFamily="2" charset="0"/>
+              </a:rPr>
+              <a:t>Nivo</a:t>
+            </a:r>
+            <a:r>
+              <a:rPr lang="en-US" dirty="0">
+                <a:latin typeface="Montserrat Medium" panose="00000600000000000000" pitchFamily="2" charset="0"/>
+              </a:rPr>
+              <a:t> (visualization)</a:t>
+            </a:r>
+          </a:p>
+          <a:p>
+            <a:pPr marL="0" indent="0">
+              <a:lnSpc>
+                <a:spcPct val="110000"/>
+              </a:lnSpc>
+              <a:buNone/>
+            </a:pPr>
+            <a:r>
+              <a:rPr lang="en-US" b="1" dirty="0">
+                <a:latin typeface="Montserrat Medium" panose="00000600000000000000" pitchFamily="2" charset="0"/>
+              </a:rPr>
+              <a:t>App Deployment: </a:t>
+            </a:r>
+            <a:r>
+              <a:rPr lang="en-US" dirty="0">
+                <a:latin typeface="Montserrat Medium" panose="00000600000000000000" pitchFamily="2" charset="0"/>
+              </a:rPr>
+              <a:t>Heroku</a:t>
+            </a:r>
+          </a:p>
+          <a:p>
+            <a:pPr marL="0" indent="0">
+              <a:lnSpc>
+                <a:spcPct val="110000"/>
+              </a:lnSpc>
+              <a:buNone/>
+            </a:pPr>
+            <a:r>
+              <a:rPr lang="en-US" b="1" dirty="0">
+                <a:latin typeface="Montserrat Medium" panose="00000600000000000000" pitchFamily="2" charset="0"/>
+              </a:rPr>
+              <a:t>AI: </a:t>
+            </a:r>
+            <a:r>
+              <a:rPr lang="en-US" dirty="0">
+                <a:latin typeface="Montserrat Medium" panose="00000600000000000000" pitchFamily="2" charset="0"/>
+              </a:rPr>
+              <a:t>Scikit library and Multinomial Naive Bayes (MNB) model</a:t>
+            </a:r>
+            <a:r>
+              <a:rPr lang="en-US" b="1" dirty="0">
+                <a:latin typeface="Montserrat Medium" panose="00000600000000000000" pitchFamily="2" charset="0"/>
+              </a:rPr>
+              <a:t>		</a:t>
+            </a:r>
+          </a:p>
+          <a:p>
+            <a:pPr marL="0" indent="0">
+              <a:lnSpc>
+                <a:spcPct val="110000"/>
+              </a:lnSpc>
+              <a:buNone/>
+            </a:pPr>
+            <a:endParaRPr lang="en-US" b="1" dirty="0">
+              <a:latin typeface="Montserrat Medium" panose="00000600000000000000" pitchFamily="2" charset="0"/>
+            </a:endParaRPr>
+          </a:p>
+        </p:txBody>
+      </p:sp>
+    </p:spTree>
+    <p:extLst>
+      <p:ext uri="{BB962C8B-B14F-4D97-AF65-F5344CB8AC3E}">
+        <p14:creationId xmlns:p14="http://schemas.microsoft.com/office/powerpoint/2010/main" val="1826352535"/>
       </p:ext>
     </p:extLst>
   </p:cSld>
@@ -3956,4 +4955,299 @@
     </a:ext>
   </a:extLst>
 </a:theme>
+</file>
+
+<file path=ppt/theme/theme2.xml><?xml version="1.0" encoding="utf-8"?>
+<a:theme xmlns:a="http://schemas.openxmlformats.org/drawingml/2006/main" name="Office Theme">
+  <a:themeElements>
+    <a:clrScheme name="Office">
+      <a:dk1>
+        <a:sysClr val="windowText" lastClr="000000"/>
+      </a:dk1>
+      <a:lt1>
+        <a:sysClr val="window" lastClr="FFFFFF"/>
+      </a:lt1>
+      <a:dk2>
+        <a:srgbClr val="44546A"/>
+      </a:dk2>
+      <a:lt2>
+        <a:srgbClr val="E7E6E6"/>
+      </a:lt2>
+      <a:accent1>
+        <a:srgbClr val="4472C4"/>
+      </a:accent1>
+      <a:accent2>
+        <a:srgbClr val="ED7D31"/>
+      </a:accent2>
+      <a:accent3>
+        <a:srgbClr val="A5A5A5"/>
+      </a:accent3>
+      <a:accent4>
+        <a:srgbClr val="FFC000"/>
+      </a:accent4>
+      <a:accent5>
+        <a:srgbClr val="5B9BD5"/>
+      </a:accent5>
+      <a:accent6>
+        <a:srgbClr val="70AD47"/>
+      </a:accent6>
+      <a:hlink>
+        <a:srgbClr val="0563C1"/>
+      </a:hlink>
+      <a:folHlink>
+        <a:srgbClr val="954F72"/>
+      </a:folHlink>
+    </a:clrScheme>
+    <a:fontScheme name="Office">
+      <a:majorFont>
+        <a:latin typeface="Calibri Light" panose="020F0302020204030204"/>
+        <a:ea typeface=""/>
+        <a:cs typeface=""/>
+        <a:font script="Jpan" typeface="游ゴシック Light"/>
+        <a:font script="Hang" typeface="맑은 고딕"/>
+        <a:font script="Hans" typeface="等线 Light"/>
+        <a:font script="Hant" typeface="新細明體"/>
+        <a:font script="Arab" typeface="Times New Roman"/>
+        <a:font script="Hebr" typeface="Times New Roman"/>
+        <a:font script="Thai" typeface="Angsana New"/>
+        <a:font script="Ethi" typeface="Nyala"/>
+        <a:font script="Beng" typeface="Vrinda"/>
+        <a:font script="Gujr" typeface="Shruti"/>
+        <a:font script="Khmr" typeface="MoolBoran"/>
+        <a:font script="Knda" typeface="Tunga"/>
+        <a:font script="Guru" typeface="Raavi"/>
+        <a:font script="Cans" typeface="Euphemia"/>
+        <a:font script="Cher" typeface="Plantagenet Cherokee"/>
+        <a:font script="Yiii" typeface="Microsoft Yi Baiti"/>
+        <a:font script="Tibt" typeface="Microsoft Himalaya"/>
+        <a:font script="Thaa" typeface="MV Boli"/>
+        <a:font script="Deva" typeface="Mangal"/>
+        <a:font script="Telu" typeface="Gautami"/>
+        <a:font script="Taml" typeface="Latha"/>
+        <a:font script="Syrc" typeface="Estrangelo Edessa"/>
+        <a:font script="Orya" typeface="Kalinga"/>
+        <a:font script="Mlym" typeface="Kartika"/>
+        <a:font script="Laoo" typeface="DokChampa"/>
+        <a:font script="Sinh" typeface="Iskoola Pota"/>
+        <a:font script="Mong" typeface="Mongolian Baiti"/>
+        <a:font script="Viet" typeface="Times New Roman"/>
+        <a:font script="Uigh" typeface="Microsoft Uighur"/>
+        <a:font script="Geor" typeface="Sylfaen"/>
+        <a:font script="Armn" typeface="Arial"/>
+        <a:font script="Bugi" typeface="Leelawadee UI"/>
+        <a:font script="Bopo" typeface="Microsoft JhengHei"/>
+        <a:font script="Java" typeface="Javanese Text"/>
+        <a:font script="Lisu" typeface="Segoe UI"/>
+        <a:font script="Mymr" typeface="Myanmar Text"/>
+        <a:font script="Nkoo" typeface="Ebrima"/>
+        <a:font script="Olck" typeface="Nirmala UI"/>
+        <a:font script="Osma" typeface="Ebrima"/>
+        <a:font script="Phag" typeface="Phagspa"/>
+        <a:font script="Syrn" typeface="Estrangelo Edessa"/>
+        <a:font script="Syrj" typeface="Estrangelo Edessa"/>
+        <a:font script="Syre" typeface="Estrangelo Edessa"/>
+        <a:font script="Sora" typeface="Nirmala UI"/>
+        <a:font script="Tale" typeface="Microsoft Tai Le"/>
+        <a:font script="Talu" typeface="Microsoft New Tai Lue"/>
+        <a:font script="Tfng" typeface="Ebrima"/>
+      </a:majorFont>
+      <a:minorFont>
+        <a:latin typeface="Calibri" panose="020F0502020204030204"/>
+        <a:ea typeface=""/>
+        <a:cs typeface=""/>
+        <a:font script="Jpan" typeface="游ゴシック"/>
+        <a:font script="Hang" typeface="맑은 고딕"/>
+        <a:font script="Hans" typeface="等线"/>
+        <a:font script="Hant" typeface="新細明體"/>
+        <a:font script="Arab" typeface="Arial"/>
+        <a:font script="Hebr" typeface="Arial"/>
+        <a:font script="Thai" typeface="Cordia New"/>
+        <a:font script="Ethi" typeface="Nyala"/>
+        <a:font script="Beng" typeface="Vrinda"/>
+        <a:font script="Gujr" typeface="Shruti"/>
+        <a:font script="Khmr" typeface="DaunPenh"/>
+        <a:font script="Knda" typeface="Tunga"/>
+        <a:font script="Guru" typeface="Raavi"/>
+        <a:font script="Cans" typeface="Euphemia"/>
+        <a:font script="Cher" typeface="Plantagenet Cherokee"/>
+        <a:font script="Yiii" typeface="Microsoft Yi Baiti"/>
+        <a:font script="Tibt" typeface="Microsoft Himalaya"/>
+        <a:font script="Thaa" typeface="MV Boli"/>
+        <a:font script="Deva" typeface="Mangal"/>
+        <a:font script="Telu" typeface="Gautami"/>
+        <a:font script="Taml" typeface="Latha"/>
+        <a:font script="Syrc" typeface="Estrangelo Edessa"/>
+        <a:font script="Orya" typeface="Kalinga"/>
+        <a:font script="Mlym" typeface="Kartika"/>
+        <a:font script="Laoo" typeface="DokChampa"/>
+        <a:font script="Sinh" typeface="Iskoola Pota"/>
+        <a:font script="Mong" typeface="Mongolian Baiti"/>
+        <a:font script="Viet" typeface="Arial"/>
+        <a:font script="Uigh" typeface="Microsoft Uighur"/>
+        <a:font script="Geor" typeface="Sylfaen"/>
+        <a:font script="Armn" typeface="Arial"/>
+        <a:font script="Bugi" typeface="Leelawadee UI"/>
+        <a:font script="Bopo" typeface="Microsoft JhengHei"/>
+        <a:font script="Java" typeface="Javanese Text"/>
+        <a:font script="Lisu" typeface="Segoe UI"/>
+        <a:font script="Mymr" typeface="Myanmar Text"/>
+        <a:font script="Nkoo" typeface="Ebrima"/>
+        <a:font script="Olck" typeface="Nirmala UI"/>
+        <a:font script="Osma" typeface="Ebrima"/>
+        <a:font script="Phag" typeface="Phagspa"/>
+        <a:font script="Syrn" typeface="Estrangelo Edessa"/>
+        <a:font script="Syrj" typeface="Estrangelo Edessa"/>
+        <a:font script="Syre" typeface="Estrangelo Edessa"/>
+        <a:font script="Sora" typeface="Nirmala UI"/>
+        <a:font script="Tale" typeface="Microsoft Tai Le"/>
+        <a:font script="Talu" typeface="Microsoft New Tai Lue"/>
+        <a:font script="Tfng" typeface="Ebrima"/>
+      </a:minorFont>
+    </a:fontScheme>
+    <a:fmtScheme name="Office">
+      <a:fillStyleLst>
+        <a:solidFill>
+          <a:schemeClr val="phClr"/>
+        </a:solidFill>
+        <a:gradFill rotWithShape="1">
+          <a:gsLst>
+            <a:gs pos="0">
+              <a:schemeClr val="phClr">
+                <a:lumMod val="110000"/>
+                <a:satMod val="105000"/>
+                <a:tint val="67000"/>
+              </a:schemeClr>
+            </a:gs>
+            <a:gs pos="50000">
+              <a:schemeClr val="phClr">
+                <a:lumMod val="105000"/>
+                <a:satMod val="103000"/>
+                <a:tint val="73000"/>
+              </a:schemeClr>
+            </a:gs>
+            <a:gs pos="100000">
+              <a:schemeClr val="phClr">
+                <a:lumMod val="105000"/>
+                <a:satMod val="109000"/>
+                <a:tint val="81000"/>
+              </a:schemeClr>
+            </a:gs>
+          </a:gsLst>
+          <a:lin ang="5400000" scaled="0"/>
+        </a:gradFill>
+        <a:gradFill rotWithShape="1">
+          <a:gsLst>
+            <a:gs pos="0">
+              <a:schemeClr val="phClr">
+                <a:satMod val="103000"/>
+                <a:lumMod val="102000"/>
+                <a:tint val="94000"/>
+              </a:schemeClr>
+            </a:gs>
+            <a:gs pos="50000">
+              <a:schemeClr val="phClr">
+                <a:satMod val="110000"/>
+                <a:lumMod val="100000"/>
+                <a:shade val="100000"/>
+              </a:schemeClr>
+            </a:gs>
+            <a:gs pos="100000">
+              <a:schemeClr val="phClr">
+                <a:lumMod val="99000"/>
+                <a:satMod val="120000"/>
+                <a:shade val="78000"/>
+              </a:schemeClr>
+            </a:gs>
+          </a:gsLst>
+          <a:lin ang="5400000" scaled="0"/>
+        </a:gradFill>
+      </a:fillStyleLst>
+      <a:lnStyleLst>
+        <a:ln w="6350" cap="flat" cmpd="sng" algn="ctr">
+          <a:solidFill>
+            <a:schemeClr val="phClr"/>
+          </a:solidFill>
+          <a:prstDash val="solid"/>
+          <a:miter lim="800000"/>
+        </a:ln>
+        <a:ln w="12700" cap="flat" cmpd="sng" algn="ctr">
+          <a:solidFill>
+            <a:schemeClr val="phClr"/>
+          </a:solidFill>
+          <a:prstDash val="solid"/>
+          <a:miter lim="800000"/>
+        </a:ln>
+        <a:ln w="19050" cap="flat" cmpd="sng" algn="ctr">
+          <a:solidFill>
+            <a:schemeClr val="phClr"/>
+          </a:solidFill>
+          <a:prstDash val="solid"/>
+          <a:miter lim="800000"/>
+        </a:ln>
+      </a:lnStyleLst>
+      <a:effectStyleLst>
+        <a:effectStyle>
+          <a:effectLst/>
+        </a:effectStyle>
+        <a:effectStyle>
+          <a:effectLst/>
+        </a:effectStyle>
+        <a:effectStyle>
+          <a:effectLst>
+            <a:outerShdw blurRad="57150" dist="19050" dir="5400000" algn="ctr" rotWithShape="0">
+              <a:srgbClr val="000000">
+                <a:alpha val="63000"/>
+              </a:srgbClr>
+            </a:outerShdw>
+          </a:effectLst>
+        </a:effectStyle>
+      </a:effectStyleLst>
+      <a:bgFillStyleLst>
+        <a:solidFill>
+          <a:schemeClr val="phClr"/>
+        </a:solidFill>
+        <a:solidFill>
+          <a:schemeClr val="phClr">
+            <a:tint val="95000"/>
+            <a:satMod val="170000"/>
+          </a:schemeClr>
+        </a:solidFill>
+        <a:gradFill rotWithShape="1">
+          <a:gsLst>
+            <a:gs pos="0">
+              <a:schemeClr val="phClr">
+                <a:tint val="93000"/>
+                <a:satMod val="150000"/>
+                <a:shade val="98000"/>
+                <a:lumMod val="102000"/>
+              </a:schemeClr>
+            </a:gs>
+            <a:gs pos="50000">
+              <a:schemeClr val="phClr">
+                <a:tint val="98000"/>
+                <a:satMod val="130000"/>
+                <a:shade val="90000"/>
+                <a:lumMod val="103000"/>
+              </a:schemeClr>
+            </a:gs>
+            <a:gs pos="100000">
+              <a:schemeClr val="phClr">
+                <a:shade val="63000"/>
+                <a:satMod val="120000"/>
+              </a:schemeClr>
+            </a:gs>
+          </a:gsLst>
+          <a:lin ang="5400000" scaled="0"/>
+        </a:gradFill>
+      </a:bgFillStyleLst>
+    </a:fmtScheme>
+  </a:themeElements>
+  <a:objectDefaults/>
+  <a:extraClrSchemeLst/>
+  <a:extLst>
+    <a:ext uri="{05A4C25C-085E-4340-85A3-A5531E510DB2}">
+      <thm15:themeFamily xmlns:thm15="http://schemas.microsoft.com/office/thememl/2012/main" name="Office Theme" id="{62F939B6-93AF-4DB8-9C6B-D6C7DFDC589F}" vid="{4A3C46E8-61CC-4603-A589-7422A47A8E4A}"/>
+    </a:ext>
+  </a:extLst>
+</a:theme>
 </file>
--- a/hackOHIO-2020.pptx
+++ b/hackOHIO-2020.pptx
@@ -5,14 +5,30 @@
     <p:sldMasterId id="2147483648" r:id="rId1"/>
   </p:sldMasterIdLst>
   <p:notesMasterIdLst>
-    <p:notesMasterId r:id="rId7"/>
+    <p:notesMasterId r:id="rId23"/>
   </p:notesMasterIdLst>
   <p:sldIdLst>
     <p:sldId id="256" r:id="rId2"/>
-    <p:sldId id="257" r:id="rId3"/>
-    <p:sldId id="259" r:id="rId4"/>
-    <p:sldId id="258" r:id="rId5"/>
-    <p:sldId id="260" r:id="rId6"/>
+    <p:sldId id="272" r:id="rId3"/>
+    <p:sldId id="274" r:id="rId4"/>
+    <p:sldId id="267" r:id="rId5"/>
+    <p:sldId id="268" r:id="rId6"/>
+    <p:sldId id="269" r:id="rId7"/>
+    <p:sldId id="260" r:id="rId8"/>
+    <p:sldId id="261" r:id="rId9"/>
+    <p:sldId id="265" r:id="rId10"/>
+    <p:sldId id="266" r:id="rId11"/>
+    <p:sldId id="280" r:id="rId12"/>
+    <p:sldId id="264" r:id="rId13"/>
+    <p:sldId id="270" r:id="rId14"/>
+    <p:sldId id="271" r:id="rId15"/>
+    <p:sldId id="257" r:id="rId16"/>
+    <p:sldId id="275" r:id="rId17"/>
+    <p:sldId id="259" r:id="rId18"/>
+    <p:sldId id="258" r:id="rId19"/>
+    <p:sldId id="279" r:id="rId20"/>
+    <p:sldId id="277" r:id="rId21"/>
+    <p:sldId id="278" r:id="rId22"/>
   </p:sldIdLst>
   <p:sldSz cx="12192000" cy="6858000"/>
   <p:notesSz cx="6858000" cy="9144000"/>
@@ -119,36 +135,14 @@
 </p:presentation>
 </file>
 
-<file path=ppt/ink/ink1.xml><?xml version="1.0" encoding="utf-8"?>
-<inkml:ink xmlns:inkml="http://www.w3.org/2003/InkML">
-  <inkml:definitions>
-    <inkml:context xml:id="ctx0">
-      <inkml:inkSource xml:id="inkSrc0">
-        <inkml:traceFormat>
-          <inkml:channel name="X" type="integer" min="-2.14748E9" max="2.14748E9" units="cm"/>
-          <inkml:channel name="Y" type="integer" min="-2.14748E9" max="2.14748E9" units="cm"/>
-          <inkml:channel name="F" type="integer" max="32767" units="dev"/>
-          <inkml:channel name="OA" type="integer" max="360" units="deg"/>
-          <inkml:channel name="OE" type="integer" max="90" units="deg"/>
-        </inkml:traceFormat>
-        <inkml:channelProperties>
-          <inkml:channelProperty channel="X" name="resolution" value="1000" units="1/cm"/>
-          <inkml:channelProperty channel="Y" name="resolution" value="1000" units="1/cm"/>
-          <inkml:channelProperty channel="F" name="resolution" value="0" units="1/dev"/>
-          <inkml:channelProperty channel="OA" name="resolution" value="1000" units="1/deg"/>
-          <inkml:channelProperty channel="OE" name="resolution" value="1000" units="1/deg"/>
-        </inkml:channelProperties>
-      </inkml:inkSource>
-      <inkml:timestamp xml:id="ts0" timeString="2020-11-15T08:50:58.873"/>
-    </inkml:context>
-    <inkml:brush xml:id="br0">
-      <inkml:brushProperty name="width" value="0.05" units="cm"/>
-      <inkml:brushProperty name="height" value="0.05" units="cm"/>
-      <inkml:brushProperty name="color" value="#E71224"/>
-    </inkml:brush>
-  </inkml:definitions>
-  <inkml:trace contextRef="#ctx0" brushRef="#br0">3004 545 6912 0 0,'2'0'-34'0'0,"-1"0"0"0"0,1 0 0 0 0,0-1 0 0 0,-1 1 1 0 0,1 0-1 0 0,-1-1 0 0 0,1 1 0 0 0,-1-1 0 0 0,1 0 1 0 0,2-1-1 0 0,-2 1 498 0 0,0-1-1 0 0,0 0 1 0 0,1 1 0 0 0,-1-1 0 0 0,-1 0-1 0 0,1 0 1 0 0,0-1 0 0 0,0 1 0 0 0,-1 0 0 0 0,2-3-1 0 0,-1 2-41 0 0,-1 0 0 0 0,0 1-1 0 0,0-1 1 0 0,0 0 0 0 0,0 0-1 0 0,0 0 1 0 0,-1 0 0 0 0,1 0-1 0 0,-1 1 1 0 0,0-1 0 0 0,0 0-1 0 0,0 0 1 0 0,0 0 0 0 0,0 0-1 0 0,-1 0 1 0 0,1 0 0 0 0,-2-4-1 0 0,0 4-374 0 0,0 0-1 0 0,0 0 1 0 0,0 0-1 0 0,0 0 1 0 0,0 1-1 0 0,0-1 1 0 0,-1 1-1 0 0,1-1 1 0 0,-1 1-1 0 0,-5-4 1 0 0,-35-17 157 0 0,20 11-72 0 0,-11-5 330 0 0,-72-25 0 0 0,25 11-11 0 0,30 13-192 0 0,31 11-92 0 0,-31-14 0 0 0,-43-18 225 0 0,53 24-232 0 0,4 3 58 0 0,-52-12-1 0 0,11 5-44 0 0,-117-23 61 0 0,106 26-132 0 0,-415-55 266 0 0,308 56-433 0 0,137 14 104 0 0,-80 7-1 0 0,37 4 127 0 0,-150 22 26 0 0,241-30-205 0 0,-282 66 74 0 0,261-58-39 0 0,-17 3 89 0 0,-78 34 1 0 0,114-40-85 0 0,0 1-1 0 0,1 0 1 0 0,0 0-1 0 0,0 2 1 0 0,1-1-1 0 0,0 1 1 0 0,1 1-1 0 0,-10 12 1 0 0,13-13-25 0 0,2 0 1 0 0,-1 0-1 0 0,2 0 0 0 0,-1 1 1 0 0,1-1-1 0 0,-4 18 1 0 0,-3 9-2 0 0,0 2-13 0 0,1 1-1 0 0,2 0 1 0 0,-4 64-1 0 0,4-28 4 0 0,-5 103 21 0 0,13-160 99 0 0,1 0-1 0 0,1 0 1 0 0,1 1 0 0 0,1-1 0 0 0,10 32 0 0 0,-10-39-46 0 0,1 0 0 0 0,1 0 0 0 0,0-1 1 0 0,0 0-1 0 0,1 0 0 0 0,1-1 0 0 0,0 0 1 0 0,0 0-1 0 0,16 14 0 0 0,-4-8-20 0 0,0-1 1 0 0,0-1-1 0 0,32 16 0 0 0,70 26 153 0 0,-112-51-195 0 0,162 58-2 0 0,-105-41 0 0 0,78 21 37 0 0,-86-28 0 0 0,240 62 345 0 0,-236-61-290 0 0,82 9 0 0 0,63-4 28 0 0,-146-17-64 0 0,0-4 0 0 0,1-2 0 0 0,-1-3 0 0 0,0-2 0 0 0,0-3 0 0 0,-1-3 0 0 0,82-28 0 0 0,-48 8 129 0 0,-2-4-1 0 0,-2-4 1 0 0,128-78 0 0 0,-160 82-148 0 0,169-113 32 0 0,-58 12 2 0 0,-142 112-73 0 0,-2-2-1 0 0,-1 0 1 0 0,36-54 0 0 0,-55 73-31 0 0,-1 0-1 0 0,0 0 1 0 0,-1-1 0 0 0,0 1 0 0 0,3-14 0 0 0,-5 17-15 0 0,-1 1 1 0 0,0 0-1 0 0,-1-1 0 0 0,1 1 1 0 0,-1 0-1 0 0,0-1 1 0 0,-1 1-1 0 0,1-1 1 0 0,-1 1-1 0 0,0 0 1 0 0,-1 0-1 0 0,-1-6 0 0 0,0 4-111 0 0,0 0 0 0 0,0 1 0 0 0,0-1 0 0 0,-1 1 0 0 0,0 0-1 0 0,0 0 1 0 0,-1 0 0 0 0,0 0 0 0 0,0 1 0 0 0,0-1 0 0 0,-1 1-1 0 0,-6-4 1 0 0,-34-22-2465 0 0,17 12-3461 0 0,3 0-1225 0 0</inkml:trace>
-</inkml:ink>
+<file path=ppt/revisionInfo.xml><?xml version="1.0" encoding="utf-8"?>
+<p1510:revInfo xmlns:a="http://schemas.openxmlformats.org/drawingml/2006/main" xmlns:r="http://schemas.openxmlformats.org/officeDocument/2006/relationships" xmlns:p1510="http://schemas.microsoft.com/office/powerpoint/2015/10/main">
+  <p1510:revLst>
+    <p1510:client id="{766A4B76-61BA-4183-924F-8F97BD96BA1C}" v="883" dt="2020-11-15T17:31:41.373"/>
+    <p1510:client id="{E75D4EF7-6F0D-4EC1-88D5-9C9937BB9724}" v="3" dt="2020-11-15T10:17:00.591"/>
+    <p1510:client id="{EA91D298-BCAB-4A34-8CDF-62663C070131}" v="1399" dt="2020-11-15T12:04:49.470"/>
+  </p1510:revLst>
+</p1510:revInfo>
 </file>
 
 <file path=ppt/notesMasters/notesMaster1.xml><?xml version="1.0" encoding="utf-8"?>
@@ -544,9 +538,960 @@
           <a:bodyPr/>
           <a:lstStyle/>
           <a:p>
+            <a:endParaRPr lang="en-US" dirty="0"/>
+          </a:p>
+        </p:txBody>
+      </p:sp>
+      <p:sp>
+        <p:nvSpPr>
+          <p:cNvPr id="4" name="Slide Number Placeholder 3"/>
+          <p:cNvSpPr>
+            <a:spLocks noGrp="1"/>
+          </p:cNvSpPr>
+          <p:nvPr>
+            <p:ph type="sldNum" sz="quarter" idx="5"/>
+          </p:nvPr>
+        </p:nvSpPr>
+        <p:spPr/>
+        <p:txBody>
+          <a:bodyPr/>
+          <a:lstStyle/>
+          <a:p>
+            <a:fld id="{9CA32184-0E7E-4A2D-BA18-6F05E6645DED}" type="slidenum">
+              <a:rPr lang="en-US" smtClean="0"/>
+              <a:t>1</a:t>
+            </a:fld>
+            <a:endParaRPr lang="en-US"/>
+          </a:p>
+        </p:txBody>
+      </p:sp>
+    </p:spTree>
+    <p:extLst>
+      <p:ext uri="{BB962C8B-B14F-4D97-AF65-F5344CB8AC3E}">
+        <p14:creationId xmlns:p14="http://schemas.microsoft.com/office/powerpoint/2010/main" val="485844755"/>
+      </p:ext>
+    </p:extLst>
+  </p:cSld>
+  <p:clrMapOvr>
+    <a:masterClrMapping/>
+  </p:clrMapOvr>
+</p:notes>
+</file>
+
+<file path=ppt/notesSlides/notesSlide10.xml><?xml version="1.0" encoding="utf-8"?>
+<p:notes xmlns:a="http://schemas.openxmlformats.org/drawingml/2006/main" xmlns:r="http://schemas.openxmlformats.org/officeDocument/2006/relationships" xmlns:p="http://schemas.openxmlformats.org/presentationml/2006/main">
+  <p:cSld>
+    <p:spTree>
+      <p:nvGrpSpPr>
+        <p:cNvPr id="1" name=""/>
+        <p:cNvGrpSpPr/>
+        <p:nvPr/>
+      </p:nvGrpSpPr>
+      <p:grpSpPr>
+        <a:xfrm>
+          <a:off x="0" y="0"/>
+          <a:ext cx="0" cy="0"/>
+          <a:chOff x="0" y="0"/>
+          <a:chExt cx="0" cy="0"/>
+        </a:xfrm>
+      </p:grpSpPr>
+      <p:sp>
+        <p:nvSpPr>
+          <p:cNvPr id="2" name="Slide Image Placeholder 1"/>
+          <p:cNvSpPr>
+            <a:spLocks noGrp="1" noRot="1" noChangeAspect="1"/>
+          </p:cNvSpPr>
+          <p:nvPr>
+            <p:ph type="sldImg"/>
+          </p:nvPr>
+        </p:nvSpPr>
+        <p:spPr/>
+      </p:sp>
+      <p:sp>
+        <p:nvSpPr>
+          <p:cNvPr id="3" name="Notes Placeholder 2"/>
+          <p:cNvSpPr>
+            <a:spLocks noGrp="1"/>
+          </p:cNvSpPr>
+          <p:nvPr>
+            <p:ph type="body" idx="1"/>
+          </p:nvPr>
+        </p:nvSpPr>
+        <p:spPr/>
+        <p:txBody>
+          <a:bodyPr/>
+          <a:lstStyle/>
+          <a:p>
             <a:r>
               <a:rPr lang="en-US" dirty="0"/>
-              <a:t>Household income, Financial Assistance, Mortgages, Shares of Stock/Mutual Fund, Children under 18, Checking/Savings/Bonds Account, Regional Price Parity</a:t>
+              <a:t>Gavin</a:t>
+            </a:r>
+          </a:p>
+        </p:txBody>
+      </p:sp>
+      <p:sp>
+        <p:nvSpPr>
+          <p:cNvPr id="4" name="Slide Number Placeholder 3"/>
+          <p:cNvSpPr>
+            <a:spLocks noGrp="1"/>
+          </p:cNvSpPr>
+          <p:nvPr>
+            <p:ph type="sldNum" sz="quarter" idx="5"/>
+          </p:nvPr>
+        </p:nvSpPr>
+        <p:spPr/>
+        <p:txBody>
+          <a:bodyPr/>
+          <a:lstStyle/>
+          <a:p>
+            <a:fld id="{9CA32184-0E7E-4A2D-BA18-6F05E6645DED}" type="slidenum">
+              <a:rPr lang="en-US" smtClean="0"/>
+              <a:t>10</a:t>
+            </a:fld>
+            <a:endParaRPr lang="en-US"/>
+          </a:p>
+        </p:txBody>
+      </p:sp>
+    </p:spTree>
+    <p:extLst>
+      <p:ext uri="{BB962C8B-B14F-4D97-AF65-F5344CB8AC3E}">
+        <p14:creationId xmlns:p14="http://schemas.microsoft.com/office/powerpoint/2010/main" val="651322989"/>
+      </p:ext>
+    </p:extLst>
+  </p:cSld>
+  <p:clrMapOvr>
+    <a:masterClrMapping/>
+  </p:clrMapOvr>
+</p:notes>
+</file>
+
+<file path=ppt/notesSlides/notesSlide11.xml><?xml version="1.0" encoding="utf-8"?>
+<p:notes xmlns:a="http://schemas.openxmlformats.org/drawingml/2006/main" xmlns:r="http://schemas.openxmlformats.org/officeDocument/2006/relationships" xmlns:p="http://schemas.openxmlformats.org/presentationml/2006/main">
+  <p:cSld>
+    <p:spTree>
+      <p:nvGrpSpPr>
+        <p:cNvPr id="1" name=""/>
+        <p:cNvGrpSpPr/>
+        <p:nvPr/>
+      </p:nvGrpSpPr>
+      <p:grpSpPr>
+        <a:xfrm>
+          <a:off x="0" y="0"/>
+          <a:ext cx="0" cy="0"/>
+          <a:chOff x="0" y="0"/>
+          <a:chExt cx="0" cy="0"/>
+        </a:xfrm>
+      </p:grpSpPr>
+      <p:sp>
+        <p:nvSpPr>
+          <p:cNvPr id="2" name="Slide Image Placeholder 1"/>
+          <p:cNvSpPr>
+            <a:spLocks noGrp="1" noRot="1" noChangeAspect="1"/>
+          </p:cNvSpPr>
+          <p:nvPr>
+            <p:ph type="sldImg"/>
+          </p:nvPr>
+        </p:nvSpPr>
+        <p:spPr/>
+      </p:sp>
+      <p:sp>
+        <p:nvSpPr>
+          <p:cNvPr id="3" name="Notes Placeholder 2"/>
+          <p:cNvSpPr>
+            <a:spLocks noGrp="1"/>
+          </p:cNvSpPr>
+          <p:nvPr>
+            <p:ph type="body" idx="1"/>
+          </p:nvPr>
+        </p:nvSpPr>
+        <p:spPr/>
+        <p:txBody>
+          <a:bodyPr/>
+          <a:lstStyle/>
+          <a:p>
+            <a:r>
+              <a:rPr lang="en-US" dirty="0"/>
+              <a:t>Brendan</a:t>
+            </a:r>
+          </a:p>
+        </p:txBody>
+      </p:sp>
+      <p:sp>
+        <p:nvSpPr>
+          <p:cNvPr id="4" name="Slide Number Placeholder 3"/>
+          <p:cNvSpPr>
+            <a:spLocks noGrp="1"/>
+          </p:cNvSpPr>
+          <p:nvPr>
+            <p:ph type="sldNum" sz="quarter" idx="5"/>
+          </p:nvPr>
+        </p:nvSpPr>
+        <p:spPr/>
+        <p:txBody>
+          <a:bodyPr/>
+          <a:lstStyle/>
+          <a:p>
+            <a:fld id="{9CA32184-0E7E-4A2D-BA18-6F05E6645DED}" type="slidenum">
+              <a:rPr lang="en-US" smtClean="0"/>
+              <a:t>11</a:t>
+            </a:fld>
+            <a:endParaRPr lang="en-US"/>
+          </a:p>
+        </p:txBody>
+      </p:sp>
+    </p:spTree>
+    <p:extLst>
+      <p:ext uri="{BB962C8B-B14F-4D97-AF65-F5344CB8AC3E}">
+        <p14:creationId xmlns:p14="http://schemas.microsoft.com/office/powerpoint/2010/main" val="1755410624"/>
+      </p:ext>
+    </p:extLst>
+  </p:cSld>
+  <p:clrMapOvr>
+    <a:masterClrMapping/>
+  </p:clrMapOvr>
+</p:notes>
+</file>
+
+<file path=ppt/notesSlides/notesSlide12.xml><?xml version="1.0" encoding="utf-8"?>
+<p:notes xmlns:a="http://schemas.openxmlformats.org/drawingml/2006/main" xmlns:r="http://schemas.openxmlformats.org/officeDocument/2006/relationships" xmlns:p="http://schemas.openxmlformats.org/presentationml/2006/main">
+  <p:cSld>
+    <p:spTree>
+      <p:nvGrpSpPr>
+        <p:cNvPr id="1" name=""/>
+        <p:cNvGrpSpPr/>
+        <p:nvPr/>
+      </p:nvGrpSpPr>
+      <p:grpSpPr>
+        <a:xfrm>
+          <a:off x="0" y="0"/>
+          <a:ext cx="0" cy="0"/>
+          <a:chOff x="0" y="0"/>
+          <a:chExt cx="0" cy="0"/>
+        </a:xfrm>
+      </p:grpSpPr>
+      <p:sp>
+        <p:nvSpPr>
+          <p:cNvPr id="2" name="Slide Image Placeholder 1"/>
+          <p:cNvSpPr>
+            <a:spLocks noGrp="1" noRot="1" noChangeAspect="1"/>
+          </p:cNvSpPr>
+          <p:nvPr>
+            <p:ph type="sldImg"/>
+          </p:nvPr>
+        </p:nvSpPr>
+        <p:spPr/>
+      </p:sp>
+      <p:sp>
+        <p:nvSpPr>
+          <p:cNvPr id="3" name="Notes Placeholder 2"/>
+          <p:cNvSpPr>
+            <a:spLocks noGrp="1"/>
+          </p:cNvSpPr>
+          <p:nvPr>
+            <p:ph type="body" idx="1"/>
+          </p:nvPr>
+        </p:nvSpPr>
+        <p:spPr/>
+        <p:txBody>
+          <a:bodyPr/>
+          <a:lstStyle/>
+          <a:p>
+            <a:r>
+              <a:rPr lang="en-US" dirty="0"/>
+              <a:t>Shawn</a:t>
+            </a:r>
+          </a:p>
+        </p:txBody>
+      </p:sp>
+      <p:sp>
+        <p:nvSpPr>
+          <p:cNvPr id="4" name="Slide Number Placeholder 3"/>
+          <p:cNvSpPr>
+            <a:spLocks noGrp="1"/>
+          </p:cNvSpPr>
+          <p:nvPr>
+            <p:ph type="sldNum" sz="quarter" idx="5"/>
+          </p:nvPr>
+        </p:nvSpPr>
+        <p:spPr/>
+        <p:txBody>
+          <a:bodyPr/>
+          <a:lstStyle/>
+          <a:p>
+            <a:fld id="{9CA32184-0E7E-4A2D-BA18-6F05E6645DED}" type="slidenum">
+              <a:rPr lang="en-US" smtClean="0"/>
+              <a:t>12</a:t>
+            </a:fld>
+            <a:endParaRPr lang="en-US"/>
+          </a:p>
+        </p:txBody>
+      </p:sp>
+    </p:spTree>
+    <p:extLst>
+      <p:ext uri="{BB962C8B-B14F-4D97-AF65-F5344CB8AC3E}">
+        <p14:creationId xmlns:p14="http://schemas.microsoft.com/office/powerpoint/2010/main" val="3064429266"/>
+      </p:ext>
+    </p:extLst>
+  </p:cSld>
+  <p:clrMapOvr>
+    <a:masterClrMapping/>
+  </p:clrMapOvr>
+</p:notes>
+</file>
+
+<file path=ppt/notesSlides/notesSlide13.xml><?xml version="1.0" encoding="utf-8"?>
+<p:notes xmlns:a="http://schemas.openxmlformats.org/drawingml/2006/main" xmlns:r="http://schemas.openxmlformats.org/officeDocument/2006/relationships" xmlns:p="http://schemas.openxmlformats.org/presentationml/2006/main">
+  <p:cSld>
+    <p:spTree>
+      <p:nvGrpSpPr>
+        <p:cNvPr id="1" name=""/>
+        <p:cNvGrpSpPr/>
+        <p:nvPr/>
+      </p:nvGrpSpPr>
+      <p:grpSpPr>
+        <a:xfrm>
+          <a:off x="0" y="0"/>
+          <a:ext cx="0" cy="0"/>
+          <a:chOff x="0" y="0"/>
+          <a:chExt cx="0" cy="0"/>
+        </a:xfrm>
+      </p:grpSpPr>
+      <p:sp>
+        <p:nvSpPr>
+          <p:cNvPr id="2" name="Slide Image Placeholder 1"/>
+          <p:cNvSpPr>
+            <a:spLocks noGrp="1" noRot="1" noChangeAspect="1"/>
+          </p:cNvSpPr>
+          <p:nvPr>
+            <p:ph type="sldImg"/>
+          </p:nvPr>
+        </p:nvSpPr>
+        <p:spPr/>
+      </p:sp>
+      <p:sp>
+        <p:nvSpPr>
+          <p:cNvPr id="3" name="Notes Placeholder 2"/>
+          <p:cNvSpPr>
+            <a:spLocks noGrp="1"/>
+          </p:cNvSpPr>
+          <p:nvPr>
+            <p:ph type="body" idx="1"/>
+          </p:nvPr>
+        </p:nvSpPr>
+        <p:spPr/>
+        <p:txBody>
+          <a:bodyPr/>
+          <a:lstStyle/>
+          <a:p>
+            <a:r>
+              <a:rPr lang="en-US" dirty="0"/>
+              <a:t>Shawn</a:t>
+            </a:r>
+          </a:p>
+        </p:txBody>
+      </p:sp>
+      <p:sp>
+        <p:nvSpPr>
+          <p:cNvPr id="4" name="Slide Number Placeholder 3"/>
+          <p:cNvSpPr>
+            <a:spLocks noGrp="1"/>
+          </p:cNvSpPr>
+          <p:nvPr>
+            <p:ph type="sldNum" sz="quarter" idx="5"/>
+          </p:nvPr>
+        </p:nvSpPr>
+        <p:spPr/>
+        <p:txBody>
+          <a:bodyPr/>
+          <a:lstStyle/>
+          <a:p>
+            <a:fld id="{9CA32184-0E7E-4A2D-BA18-6F05E6645DED}" type="slidenum">
+              <a:rPr lang="en-US" smtClean="0"/>
+              <a:t>13</a:t>
+            </a:fld>
+            <a:endParaRPr lang="en-US"/>
+          </a:p>
+        </p:txBody>
+      </p:sp>
+    </p:spTree>
+    <p:extLst>
+      <p:ext uri="{BB962C8B-B14F-4D97-AF65-F5344CB8AC3E}">
+        <p14:creationId xmlns:p14="http://schemas.microsoft.com/office/powerpoint/2010/main" val="4143550346"/>
+      </p:ext>
+    </p:extLst>
+  </p:cSld>
+  <p:clrMapOvr>
+    <a:masterClrMapping/>
+  </p:clrMapOvr>
+</p:notes>
+</file>
+
+<file path=ppt/notesSlides/notesSlide14.xml><?xml version="1.0" encoding="utf-8"?>
+<p:notes xmlns:a="http://schemas.openxmlformats.org/drawingml/2006/main" xmlns:r="http://schemas.openxmlformats.org/officeDocument/2006/relationships" xmlns:p="http://schemas.openxmlformats.org/presentationml/2006/main">
+  <p:cSld>
+    <p:spTree>
+      <p:nvGrpSpPr>
+        <p:cNvPr id="1" name=""/>
+        <p:cNvGrpSpPr/>
+        <p:nvPr/>
+      </p:nvGrpSpPr>
+      <p:grpSpPr>
+        <a:xfrm>
+          <a:off x="0" y="0"/>
+          <a:ext cx="0" cy="0"/>
+          <a:chOff x="0" y="0"/>
+          <a:chExt cx="0" cy="0"/>
+        </a:xfrm>
+      </p:grpSpPr>
+      <p:sp>
+        <p:nvSpPr>
+          <p:cNvPr id="2" name="Slide Image Placeholder 1"/>
+          <p:cNvSpPr>
+            <a:spLocks noGrp="1" noRot="1" noChangeAspect="1"/>
+          </p:cNvSpPr>
+          <p:nvPr>
+            <p:ph type="sldImg"/>
+          </p:nvPr>
+        </p:nvSpPr>
+        <p:spPr/>
+      </p:sp>
+      <p:sp>
+        <p:nvSpPr>
+          <p:cNvPr id="3" name="Notes Placeholder 2"/>
+          <p:cNvSpPr>
+            <a:spLocks noGrp="1"/>
+          </p:cNvSpPr>
+          <p:nvPr>
+            <p:ph type="body" idx="1"/>
+          </p:nvPr>
+        </p:nvSpPr>
+        <p:spPr/>
+        <p:txBody>
+          <a:bodyPr/>
+          <a:lstStyle/>
+          <a:p>
+            <a:r>
+              <a:rPr lang="en-US" dirty="0"/>
+              <a:t>Shawn</a:t>
+            </a:r>
+          </a:p>
+        </p:txBody>
+      </p:sp>
+      <p:sp>
+        <p:nvSpPr>
+          <p:cNvPr id="4" name="Slide Number Placeholder 3"/>
+          <p:cNvSpPr>
+            <a:spLocks noGrp="1"/>
+          </p:cNvSpPr>
+          <p:nvPr>
+            <p:ph type="sldNum" sz="quarter" idx="5"/>
+          </p:nvPr>
+        </p:nvSpPr>
+        <p:spPr/>
+        <p:txBody>
+          <a:bodyPr/>
+          <a:lstStyle/>
+          <a:p>
+            <a:fld id="{9CA32184-0E7E-4A2D-BA18-6F05E6645DED}" type="slidenum">
+              <a:rPr lang="en-US" smtClean="0"/>
+              <a:t>14</a:t>
+            </a:fld>
+            <a:endParaRPr lang="en-US"/>
+          </a:p>
+        </p:txBody>
+      </p:sp>
+    </p:spTree>
+    <p:extLst>
+      <p:ext uri="{BB962C8B-B14F-4D97-AF65-F5344CB8AC3E}">
+        <p14:creationId xmlns:p14="http://schemas.microsoft.com/office/powerpoint/2010/main" val="3450496602"/>
+      </p:ext>
+    </p:extLst>
+  </p:cSld>
+  <p:clrMapOvr>
+    <a:masterClrMapping/>
+  </p:clrMapOvr>
+</p:notes>
+</file>
+
+<file path=ppt/notesSlides/notesSlide15.xml><?xml version="1.0" encoding="utf-8"?>
+<p:notes xmlns:a="http://schemas.openxmlformats.org/drawingml/2006/main" xmlns:r="http://schemas.openxmlformats.org/officeDocument/2006/relationships" xmlns:p="http://schemas.openxmlformats.org/presentationml/2006/main">
+  <p:cSld>
+    <p:spTree>
+      <p:nvGrpSpPr>
+        <p:cNvPr id="1" name=""/>
+        <p:cNvGrpSpPr/>
+        <p:nvPr/>
+      </p:nvGrpSpPr>
+      <p:grpSpPr>
+        <a:xfrm>
+          <a:off x="0" y="0"/>
+          <a:ext cx="0" cy="0"/>
+          <a:chOff x="0" y="0"/>
+          <a:chExt cx="0" cy="0"/>
+        </a:xfrm>
+      </p:grpSpPr>
+      <p:sp>
+        <p:nvSpPr>
+          <p:cNvPr id="2" name="Slide Image Placeholder 1"/>
+          <p:cNvSpPr>
+            <a:spLocks noGrp="1" noRot="1" noChangeAspect="1"/>
+          </p:cNvSpPr>
+          <p:nvPr>
+            <p:ph type="sldImg"/>
+          </p:nvPr>
+        </p:nvSpPr>
+        <p:spPr/>
+      </p:sp>
+      <p:sp>
+        <p:nvSpPr>
+          <p:cNvPr id="3" name="Notes Placeholder 2"/>
+          <p:cNvSpPr>
+            <a:spLocks noGrp="1"/>
+          </p:cNvSpPr>
+          <p:nvPr>
+            <p:ph type="body" idx="1"/>
+          </p:nvPr>
+        </p:nvSpPr>
+        <p:spPr/>
+        <p:txBody>
+          <a:bodyPr/>
+          <a:lstStyle/>
+          <a:p>
+            <a:r>
+              <a:rPr lang="en-US" dirty="0"/>
+              <a:t>Gary: Household income, Financial Assistance, Mortgages, Shares of Stock/Mutual Fund, Children under 18, Checking/Savings/Bonds Account, Regional Price Parity. Files of household, family, person…. We just used household data</a:t>
+            </a:r>
+          </a:p>
+        </p:txBody>
+      </p:sp>
+      <p:sp>
+        <p:nvSpPr>
+          <p:cNvPr id="4" name="Slide Number Placeholder 3"/>
+          <p:cNvSpPr>
+            <a:spLocks noGrp="1"/>
+          </p:cNvSpPr>
+          <p:nvPr>
+            <p:ph type="sldNum" sz="quarter" idx="5"/>
+          </p:nvPr>
+        </p:nvSpPr>
+        <p:spPr/>
+        <p:txBody>
+          <a:bodyPr/>
+          <a:lstStyle/>
+          <a:p>
+            <a:fld id="{9CA32184-0E7E-4A2D-BA18-6F05E6645DED}" type="slidenum">
+              <a:rPr lang="en-US" smtClean="0"/>
+              <a:t>15</a:t>
+            </a:fld>
+            <a:endParaRPr lang="en-US"/>
+          </a:p>
+        </p:txBody>
+      </p:sp>
+    </p:spTree>
+    <p:extLst>
+      <p:ext uri="{BB962C8B-B14F-4D97-AF65-F5344CB8AC3E}">
+        <p14:creationId xmlns:p14="http://schemas.microsoft.com/office/powerpoint/2010/main" val="2456180576"/>
+      </p:ext>
+    </p:extLst>
+  </p:cSld>
+  <p:clrMapOvr>
+    <a:masterClrMapping/>
+  </p:clrMapOvr>
+</p:notes>
+</file>
+
+<file path=ppt/notesSlides/notesSlide16.xml><?xml version="1.0" encoding="utf-8"?>
+<p:notes xmlns:a="http://schemas.openxmlformats.org/drawingml/2006/main" xmlns:r="http://schemas.openxmlformats.org/officeDocument/2006/relationships" xmlns:p="http://schemas.openxmlformats.org/presentationml/2006/main">
+  <p:cSld>
+    <p:spTree>
+      <p:nvGrpSpPr>
+        <p:cNvPr id="1" name=""/>
+        <p:cNvGrpSpPr/>
+        <p:nvPr/>
+      </p:nvGrpSpPr>
+      <p:grpSpPr>
+        <a:xfrm>
+          <a:off x="0" y="0"/>
+          <a:ext cx="0" cy="0"/>
+          <a:chOff x="0" y="0"/>
+          <a:chExt cx="0" cy="0"/>
+        </a:xfrm>
+      </p:grpSpPr>
+      <p:sp>
+        <p:nvSpPr>
+          <p:cNvPr id="2" name="Slide Image Placeholder 1"/>
+          <p:cNvSpPr>
+            <a:spLocks noGrp="1" noRot="1" noChangeAspect="1"/>
+          </p:cNvSpPr>
+          <p:nvPr>
+            <p:ph type="sldImg"/>
+          </p:nvPr>
+        </p:nvSpPr>
+        <p:spPr/>
+      </p:sp>
+      <p:sp>
+        <p:nvSpPr>
+          <p:cNvPr id="3" name="Notes Placeholder 2"/>
+          <p:cNvSpPr>
+            <a:spLocks noGrp="1"/>
+          </p:cNvSpPr>
+          <p:nvPr>
+            <p:ph type="body" idx="1"/>
+          </p:nvPr>
+        </p:nvSpPr>
+        <p:spPr/>
+        <p:txBody>
+          <a:bodyPr/>
+          <a:lstStyle/>
+          <a:p>
+            <a:r>
+              <a:rPr lang="en-US" dirty="0"/>
+              <a:t>Gary: </a:t>
+            </a:r>
+          </a:p>
+        </p:txBody>
+      </p:sp>
+      <p:sp>
+        <p:nvSpPr>
+          <p:cNvPr id="4" name="Slide Number Placeholder 3"/>
+          <p:cNvSpPr>
+            <a:spLocks noGrp="1"/>
+          </p:cNvSpPr>
+          <p:nvPr>
+            <p:ph type="sldNum" sz="quarter" idx="5"/>
+          </p:nvPr>
+        </p:nvSpPr>
+        <p:spPr/>
+        <p:txBody>
+          <a:bodyPr/>
+          <a:lstStyle/>
+          <a:p>
+            <a:fld id="{9CA32184-0E7E-4A2D-BA18-6F05E6645DED}" type="slidenum">
+              <a:rPr lang="en-US" smtClean="0"/>
+              <a:t>16</a:t>
+            </a:fld>
+            <a:endParaRPr lang="en-US"/>
+          </a:p>
+        </p:txBody>
+      </p:sp>
+    </p:spTree>
+    <p:extLst>
+      <p:ext uri="{BB962C8B-B14F-4D97-AF65-F5344CB8AC3E}">
+        <p14:creationId xmlns:p14="http://schemas.microsoft.com/office/powerpoint/2010/main" val="1680201541"/>
+      </p:ext>
+    </p:extLst>
+  </p:cSld>
+  <p:clrMapOvr>
+    <a:masterClrMapping/>
+  </p:clrMapOvr>
+</p:notes>
+</file>
+
+<file path=ppt/notesSlides/notesSlide17.xml><?xml version="1.0" encoding="utf-8"?>
+<p:notes xmlns:a="http://schemas.openxmlformats.org/drawingml/2006/main" xmlns:r="http://schemas.openxmlformats.org/officeDocument/2006/relationships" xmlns:p="http://schemas.openxmlformats.org/presentationml/2006/main">
+  <p:cSld>
+    <p:spTree>
+      <p:nvGrpSpPr>
+        <p:cNvPr id="1" name=""/>
+        <p:cNvGrpSpPr/>
+        <p:nvPr/>
+      </p:nvGrpSpPr>
+      <p:grpSpPr>
+        <a:xfrm>
+          <a:off x="0" y="0"/>
+          <a:ext cx="0" cy="0"/>
+          <a:chOff x="0" y="0"/>
+          <a:chExt cx="0" cy="0"/>
+        </a:xfrm>
+      </p:grpSpPr>
+      <p:sp>
+        <p:nvSpPr>
+          <p:cNvPr id="2" name="Slide Image Placeholder 1"/>
+          <p:cNvSpPr>
+            <a:spLocks noGrp="1" noRot="1" noChangeAspect="1"/>
+          </p:cNvSpPr>
+          <p:nvPr>
+            <p:ph type="sldImg"/>
+          </p:nvPr>
+        </p:nvSpPr>
+        <p:spPr/>
+      </p:sp>
+      <p:sp>
+        <p:nvSpPr>
+          <p:cNvPr id="3" name="Notes Placeholder 2"/>
+          <p:cNvSpPr>
+            <a:spLocks noGrp="1"/>
+          </p:cNvSpPr>
+          <p:nvPr>
+            <p:ph type="body" idx="1"/>
+          </p:nvPr>
+        </p:nvSpPr>
+        <p:spPr/>
+        <p:txBody>
+          <a:bodyPr/>
+          <a:lstStyle/>
+          <a:p>
+            <a:r>
+              <a:rPr lang="en-US" dirty="0"/>
+              <a:t>Gary</a:t>
+            </a:r>
+          </a:p>
+        </p:txBody>
+      </p:sp>
+      <p:sp>
+        <p:nvSpPr>
+          <p:cNvPr id="4" name="Slide Number Placeholder 3"/>
+          <p:cNvSpPr>
+            <a:spLocks noGrp="1"/>
+          </p:cNvSpPr>
+          <p:nvPr>
+            <p:ph type="sldNum" sz="quarter" idx="5"/>
+          </p:nvPr>
+        </p:nvSpPr>
+        <p:spPr/>
+        <p:txBody>
+          <a:bodyPr/>
+          <a:lstStyle/>
+          <a:p>
+            <a:fld id="{9CA32184-0E7E-4A2D-BA18-6F05E6645DED}" type="slidenum">
+              <a:rPr lang="en-US" smtClean="0"/>
+              <a:t>17</a:t>
+            </a:fld>
+            <a:endParaRPr lang="en-US"/>
+          </a:p>
+        </p:txBody>
+      </p:sp>
+    </p:spTree>
+    <p:extLst>
+      <p:ext uri="{BB962C8B-B14F-4D97-AF65-F5344CB8AC3E}">
+        <p14:creationId xmlns:p14="http://schemas.microsoft.com/office/powerpoint/2010/main" val="1962490328"/>
+      </p:ext>
+    </p:extLst>
+  </p:cSld>
+  <p:clrMapOvr>
+    <a:masterClrMapping/>
+  </p:clrMapOvr>
+</p:notes>
+</file>
+
+<file path=ppt/notesSlides/notesSlide18.xml><?xml version="1.0" encoding="utf-8"?>
+<p:notes xmlns:a="http://schemas.openxmlformats.org/drawingml/2006/main" xmlns:r="http://schemas.openxmlformats.org/officeDocument/2006/relationships" xmlns:p="http://schemas.openxmlformats.org/presentationml/2006/main">
+  <p:cSld>
+    <p:spTree>
+      <p:nvGrpSpPr>
+        <p:cNvPr id="1" name=""/>
+        <p:cNvGrpSpPr/>
+        <p:nvPr/>
+      </p:nvGrpSpPr>
+      <p:grpSpPr>
+        <a:xfrm>
+          <a:off x="0" y="0"/>
+          <a:ext cx="0" cy="0"/>
+          <a:chOff x="0" y="0"/>
+          <a:chExt cx="0" cy="0"/>
+        </a:xfrm>
+      </p:grpSpPr>
+      <p:sp>
+        <p:nvSpPr>
+          <p:cNvPr id="2" name="Slide Image Placeholder 1"/>
+          <p:cNvSpPr>
+            <a:spLocks noGrp="1" noRot="1" noChangeAspect="1"/>
+          </p:cNvSpPr>
+          <p:nvPr>
+            <p:ph type="sldImg"/>
+          </p:nvPr>
+        </p:nvSpPr>
+        <p:spPr/>
+      </p:sp>
+      <p:sp>
+        <p:nvSpPr>
+          <p:cNvPr id="3" name="Notes Placeholder 2"/>
+          <p:cNvSpPr>
+            <a:spLocks noGrp="1"/>
+          </p:cNvSpPr>
+          <p:nvPr>
+            <p:ph type="body" idx="1"/>
+          </p:nvPr>
+        </p:nvSpPr>
+        <p:spPr/>
+        <p:txBody>
+          <a:bodyPr/>
+          <a:lstStyle/>
+          <a:p>
+            <a:r>
+              <a:rPr lang="en-US" dirty="0"/>
+              <a:t>Gary </a:t>
+            </a:r>
+          </a:p>
+        </p:txBody>
+      </p:sp>
+      <p:sp>
+        <p:nvSpPr>
+          <p:cNvPr id="4" name="Slide Number Placeholder 3"/>
+          <p:cNvSpPr>
+            <a:spLocks noGrp="1"/>
+          </p:cNvSpPr>
+          <p:nvPr>
+            <p:ph type="sldNum" sz="quarter" idx="5"/>
+          </p:nvPr>
+        </p:nvSpPr>
+        <p:spPr/>
+        <p:txBody>
+          <a:bodyPr/>
+          <a:lstStyle/>
+          <a:p>
+            <a:fld id="{9CA32184-0E7E-4A2D-BA18-6F05E6645DED}" type="slidenum">
+              <a:rPr lang="en-US" smtClean="0"/>
+              <a:t>18</a:t>
+            </a:fld>
+            <a:endParaRPr lang="en-US"/>
+          </a:p>
+        </p:txBody>
+      </p:sp>
+    </p:spTree>
+    <p:extLst>
+      <p:ext uri="{BB962C8B-B14F-4D97-AF65-F5344CB8AC3E}">
+        <p14:creationId xmlns:p14="http://schemas.microsoft.com/office/powerpoint/2010/main" val="1856783618"/>
+      </p:ext>
+    </p:extLst>
+  </p:cSld>
+  <p:clrMapOvr>
+    <a:masterClrMapping/>
+  </p:clrMapOvr>
+</p:notes>
+</file>
+
+<file path=ppt/notesSlides/notesSlide19.xml><?xml version="1.0" encoding="utf-8"?>
+<p:notes xmlns:a="http://schemas.openxmlformats.org/drawingml/2006/main" xmlns:r="http://schemas.openxmlformats.org/officeDocument/2006/relationships" xmlns:p="http://schemas.openxmlformats.org/presentationml/2006/main">
+  <p:cSld>
+    <p:spTree>
+      <p:nvGrpSpPr>
+        <p:cNvPr id="1" name=""/>
+        <p:cNvGrpSpPr/>
+        <p:nvPr/>
+      </p:nvGrpSpPr>
+      <p:grpSpPr>
+        <a:xfrm>
+          <a:off x="0" y="0"/>
+          <a:ext cx="0" cy="0"/>
+          <a:chOff x="0" y="0"/>
+          <a:chExt cx="0" cy="0"/>
+        </a:xfrm>
+      </p:grpSpPr>
+      <p:sp>
+        <p:nvSpPr>
+          <p:cNvPr id="2" name="Slide Image Placeholder 1"/>
+          <p:cNvSpPr>
+            <a:spLocks noGrp="1" noRot="1" noChangeAspect="1"/>
+          </p:cNvSpPr>
+          <p:nvPr>
+            <p:ph type="sldImg"/>
+          </p:nvPr>
+        </p:nvSpPr>
+        <p:spPr/>
+      </p:sp>
+      <p:sp>
+        <p:nvSpPr>
+          <p:cNvPr id="3" name="Notes Placeholder 2"/>
+          <p:cNvSpPr>
+            <a:spLocks noGrp="1"/>
+          </p:cNvSpPr>
+          <p:nvPr>
+            <p:ph type="body" idx="1"/>
+          </p:nvPr>
+        </p:nvSpPr>
+        <p:spPr/>
+        <p:txBody>
+          <a:bodyPr/>
+          <a:lstStyle/>
+          <a:p>
+            <a:endParaRPr lang="en-US" dirty="0"/>
+          </a:p>
+        </p:txBody>
+      </p:sp>
+      <p:sp>
+        <p:nvSpPr>
+          <p:cNvPr id="4" name="Slide Number Placeholder 3"/>
+          <p:cNvSpPr>
+            <a:spLocks noGrp="1"/>
+          </p:cNvSpPr>
+          <p:nvPr>
+            <p:ph type="sldNum" sz="quarter" idx="5"/>
+          </p:nvPr>
+        </p:nvSpPr>
+        <p:spPr/>
+        <p:txBody>
+          <a:bodyPr/>
+          <a:lstStyle/>
+          <a:p>
+            <a:fld id="{9CA32184-0E7E-4A2D-BA18-6F05E6645DED}" type="slidenum">
+              <a:rPr lang="en-US" smtClean="0"/>
+              <a:t>19</a:t>
+            </a:fld>
+            <a:endParaRPr lang="en-US"/>
+          </a:p>
+        </p:txBody>
+      </p:sp>
+    </p:spTree>
+    <p:extLst>
+      <p:ext uri="{BB962C8B-B14F-4D97-AF65-F5344CB8AC3E}">
+        <p14:creationId xmlns:p14="http://schemas.microsoft.com/office/powerpoint/2010/main" val="168886878"/>
+      </p:ext>
+    </p:extLst>
+  </p:cSld>
+  <p:clrMapOvr>
+    <a:masterClrMapping/>
+  </p:clrMapOvr>
+</p:notes>
+</file>
+
+<file path=ppt/notesSlides/notesSlide2.xml><?xml version="1.0" encoding="utf-8"?>
+<p:notes xmlns:a="http://schemas.openxmlformats.org/drawingml/2006/main" xmlns:r="http://schemas.openxmlformats.org/officeDocument/2006/relationships" xmlns:p="http://schemas.openxmlformats.org/presentationml/2006/main">
+  <p:cSld>
+    <p:spTree>
+      <p:nvGrpSpPr>
+        <p:cNvPr id="1" name=""/>
+        <p:cNvGrpSpPr/>
+        <p:nvPr/>
+      </p:nvGrpSpPr>
+      <p:grpSpPr>
+        <a:xfrm>
+          <a:off x="0" y="0"/>
+          <a:ext cx="0" cy="0"/>
+          <a:chOff x="0" y="0"/>
+          <a:chExt cx="0" cy="0"/>
+        </a:xfrm>
+      </p:grpSpPr>
+      <p:sp>
+        <p:nvSpPr>
+          <p:cNvPr id="2" name="Slide Image Placeholder 1"/>
+          <p:cNvSpPr>
+            <a:spLocks noGrp="1" noRot="1" noChangeAspect="1"/>
+          </p:cNvSpPr>
+          <p:nvPr>
+            <p:ph type="sldImg"/>
+          </p:nvPr>
+        </p:nvSpPr>
+        <p:spPr/>
+      </p:sp>
+      <p:sp>
+        <p:nvSpPr>
+          <p:cNvPr id="3" name="Notes Placeholder 2"/>
+          <p:cNvSpPr>
+            <a:spLocks noGrp="1"/>
+          </p:cNvSpPr>
+          <p:nvPr>
+            <p:ph type="body" idx="1"/>
+          </p:nvPr>
+        </p:nvSpPr>
+        <p:spPr/>
+        <p:txBody>
+          <a:bodyPr/>
+          <a:lstStyle/>
+          <a:p>
+            <a:r>
+              <a:rPr lang="en-US" dirty="0"/>
+              <a:t>Brendan: Unbanked means no checking/savings account. </a:t>
             </a:r>
           </a:p>
         </p:txBody>
@@ -577,7 +1522,703 @@
     </p:spTree>
     <p:extLst>
       <p:ext uri="{BB962C8B-B14F-4D97-AF65-F5344CB8AC3E}">
-        <p14:creationId xmlns:p14="http://schemas.microsoft.com/office/powerpoint/2010/main" val="2456180576"/>
+        <p14:creationId xmlns:p14="http://schemas.microsoft.com/office/powerpoint/2010/main" val="55085931"/>
+      </p:ext>
+    </p:extLst>
+  </p:cSld>
+  <p:clrMapOvr>
+    <a:masterClrMapping/>
+  </p:clrMapOvr>
+</p:notes>
+</file>
+
+<file path=ppt/notesSlides/notesSlide20.xml><?xml version="1.0" encoding="utf-8"?>
+<p:notes xmlns:a="http://schemas.openxmlformats.org/drawingml/2006/main" xmlns:r="http://schemas.openxmlformats.org/officeDocument/2006/relationships" xmlns:p="http://schemas.openxmlformats.org/presentationml/2006/main">
+  <p:cSld>
+    <p:spTree>
+      <p:nvGrpSpPr>
+        <p:cNvPr id="1" name=""/>
+        <p:cNvGrpSpPr/>
+        <p:nvPr/>
+      </p:nvGrpSpPr>
+      <p:grpSpPr>
+        <a:xfrm>
+          <a:off x="0" y="0"/>
+          <a:ext cx="0" cy="0"/>
+          <a:chOff x="0" y="0"/>
+          <a:chExt cx="0" cy="0"/>
+        </a:xfrm>
+      </p:grpSpPr>
+      <p:sp>
+        <p:nvSpPr>
+          <p:cNvPr id="2" name="Slide Image Placeholder 1"/>
+          <p:cNvSpPr>
+            <a:spLocks noGrp="1" noRot="1" noChangeAspect="1"/>
+          </p:cNvSpPr>
+          <p:nvPr>
+            <p:ph type="sldImg"/>
+          </p:nvPr>
+        </p:nvSpPr>
+        <p:spPr/>
+      </p:sp>
+      <p:sp>
+        <p:nvSpPr>
+          <p:cNvPr id="3" name="Notes Placeholder 2"/>
+          <p:cNvSpPr>
+            <a:spLocks noGrp="1"/>
+          </p:cNvSpPr>
+          <p:nvPr>
+            <p:ph type="body" idx="1"/>
+          </p:nvPr>
+        </p:nvSpPr>
+        <p:spPr/>
+        <p:txBody>
+          <a:bodyPr/>
+          <a:lstStyle/>
+          <a:p>
+            <a:r>
+              <a:rPr lang="en-US" dirty="0"/>
+              <a:t>Brendan</a:t>
+            </a:r>
+          </a:p>
+        </p:txBody>
+      </p:sp>
+      <p:sp>
+        <p:nvSpPr>
+          <p:cNvPr id="4" name="Slide Number Placeholder 3"/>
+          <p:cNvSpPr>
+            <a:spLocks noGrp="1"/>
+          </p:cNvSpPr>
+          <p:nvPr>
+            <p:ph type="sldNum" sz="quarter" idx="5"/>
+          </p:nvPr>
+        </p:nvSpPr>
+        <p:spPr/>
+        <p:txBody>
+          <a:bodyPr/>
+          <a:lstStyle/>
+          <a:p>
+            <a:fld id="{9CA32184-0E7E-4A2D-BA18-6F05E6645DED}" type="slidenum">
+              <a:rPr lang="en-US" smtClean="0"/>
+              <a:t>21</a:t>
+            </a:fld>
+            <a:endParaRPr lang="en-US"/>
+          </a:p>
+        </p:txBody>
+      </p:sp>
+    </p:spTree>
+    <p:extLst>
+      <p:ext uri="{BB962C8B-B14F-4D97-AF65-F5344CB8AC3E}">
+        <p14:creationId xmlns:p14="http://schemas.microsoft.com/office/powerpoint/2010/main" val="3597952449"/>
+      </p:ext>
+    </p:extLst>
+  </p:cSld>
+  <p:clrMapOvr>
+    <a:masterClrMapping/>
+  </p:clrMapOvr>
+</p:notes>
+</file>
+
+<file path=ppt/notesSlides/notesSlide3.xml><?xml version="1.0" encoding="utf-8"?>
+<p:notes xmlns:a="http://schemas.openxmlformats.org/drawingml/2006/main" xmlns:r="http://schemas.openxmlformats.org/officeDocument/2006/relationships" xmlns:p="http://schemas.openxmlformats.org/presentationml/2006/main">
+  <p:cSld>
+    <p:spTree>
+      <p:nvGrpSpPr>
+        <p:cNvPr id="1" name=""/>
+        <p:cNvGrpSpPr/>
+        <p:nvPr/>
+      </p:nvGrpSpPr>
+      <p:grpSpPr>
+        <a:xfrm>
+          <a:off x="0" y="0"/>
+          <a:ext cx="0" cy="0"/>
+          <a:chOff x="0" y="0"/>
+          <a:chExt cx="0" cy="0"/>
+        </a:xfrm>
+      </p:grpSpPr>
+      <p:sp>
+        <p:nvSpPr>
+          <p:cNvPr id="2" name="Slide Image Placeholder 1"/>
+          <p:cNvSpPr>
+            <a:spLocks noGrp="1" noRot="1" noChangeAspect="1"/>
+          </p:cNvSpPr>
+          <p:nvPr>
+            <p:ph type="sldImg"/>
+          </p:nvPr>
+        </p:nvSpPr>
+        <p:spPr/>
+      </p:sp>
+      <p:sp>
+        <p:nvSpPr>
+          <p:cNvPr id="3" name="Notes Placeholder 2"/>
+          <p:cNvSpPr>
+            <a:spLocks noGrp="1"/>
+          </p:cNvSpPr>
+          <p:nvPr>
+            <p:ph type="body" idx="1"/>
+          </p:nvPr>
+        </p:nvSpPr>
+        <p:spPr/>
+        <p:txBody>
+          <a:bodyPr/>
+          <a:lstStyle/>
+          <a:p>
+            <a:r>
+              <a:rPr lang="en-US" dirty="0"/>
+              <a:t>Brendan: On a global scale, roughly 38% of adults are unbanked and this varies across different regions. Since most unbanked adults have a primary education or less, we want to create simple-to-use app</a:t>
+            </a:r>
+          </a:p>
+        </p:txBody>
+      </p:sp>
+      <p:sp>
+        <p:nvSpPr>
+          <p:cNvPr id="4" name="Slide Number Placeholder 3"/>
+          <p:cNvSpPr>
+            <a:spLocks noGrp="1"/>
+          </p:cNvSpPr>
+          <p:nvPr>
+            <p:ph type="sldNum" sz="quarter" idx="5"/>
+          </p:nvPr>
+        </p:nvSpPr>
+        <p:spPr/>
+        <p:txBody>
+          <a:bodyPr/>
+          <a:lstStyle/>
+          <a:p>
+            <a:fld id="{9CA32184-0E7E-4A2D-BA18-6F05E6645DED}" type="slidenum">
+              <a:rPr lang="en-US" smtClean="0"/>
+              <a:t>3</a:t>
+            </a:fld>
+            <a:endParaRPr lang="en-US"/>
+          </a:p>
+        </p:txBody>
+      </p:sp>
+    </p:spTree>
+    <p:extLst>
+      <p:ext uri="{BB962C8B-B14F-4D97-AF65-F5344CB8AC3E}">
+        <p14:creationId xmlns:p14="http://schemas.microsoft.com/office/powerpoint/2010/main" val="1051621195"/>
+      </p:ext>
+    </p:extLst>
+  </p:cSld>
+  <p:clrMapOvr>
+    <a:masterClrMapping/>
+  </p:clrMapOvr>
+</p:notes>
+</file>
+
+<file path=ppt/notesSlides/notesSlide4.xml><?xml version="1.0" encoding="utf-8"?>
+<p:notes xmlns:a="http://schemas.openxmlformats.org/drawingml/2006/main" xmlns:r="http://schemas.openxmlformats.org/officeDocument/2006/relationships" xmlns:p="http://schemas.openxmlformats.org/presentationml/2006/main">
+  <p:cSld>
+    <p:spTree>
+      <p:nvGrpSpPr>
+        <p:cNvPr id="1" name=""/>
+        <p:cNvGrpSpPr/>
+        <p:nvPr/>
+      </p:nvGrpSpPr>
+      <p:grpSpPr>
+        <a:xfrm>
+          <a:off x="0" y="0"/>
+          <a:ext cx="0" cy="0"/>
+          <a:chOff x="0" y="0"/>
+          <a:chExt cx="0" cy="0"/>
+        </a:xfrm>
+      </p:grpSpPr>
+      <p:sp>
+        <p:nvSpPr>
+          <p:cNvPr id="2" name="Slide Image Placeholder 1"/>
+          <p:cNvSpPr>
+            <a:spLocks noGrp="1" noRot="1" noChangeAspect="1"/>
+          </p:cNvSpPr>
+          <p:nvPr>
+            <p:ph type="sldImg"/>
+          </p:nvPr>
+        </p:nvSpPr>
+        <p:spPr/>
+      </p:sp>
+      <p:sp>
+        <p:nvSpPr>
+          <p:cNvPr id="3" name="Notes Placeholder 2"/>
+          <p:cNvSpPr>
+            <a:spLocks noGrp="1"/>
+          </p:cNvSpPr>
+          <p:nvPr>
+            <p:ph type="body" idx="1"/>
+          </p:nvPr>
+        </p:nvSpPr>
+        <p:spPr/>
+        <p:txBody>
+          <a:bodyPr/>
+          <a:lstStyle/>
+          <a:p>
+            <a:r>
+              <a:rPr lang="en-US" dirty="0"/>
+              <a:t>Brendan: We discussed the COVID impact on local businesses and we know that here is a correlation between unemployment and the percent of unbanked people. So, we wanted to address this concern. However, we found that we can broaden our scope on a global scale. Our project is an example of a growing field called financial technology or fin tech</a:t>
+            </a:r>
+          </a:p>
+        </p:txBody>
+      </p:sp>
+      <p:sp>
+        <p:nvSpPr>
+          <p:cNvPr id="4" name="Slide Number Placeholder 3"/>
+          <p:cNvSpPr>
+            <a:spLocks noGrp="1"/>
+          </p:cNvSpPr>
+          <p:nvPr>
+            <p:ph type="sldNum" sz="quarter" idx="5"/>
+          </p:nvPr>
+        </p:nvSpPr>
+        <p:spPr/>
+        <p:txBody>
+          <a:bodyPr/>
+          <a:lstStyle/>
+          <a:p>
+            <a:fld id="{9CA32184-0E7E-4A2D-BA18-6F05E6645DED}" type="slidenum">
+              <a:rPr lang="en-US" smtClean="0"/>
+              <a:t>4</a:t>
+            </a:fld>
+            <a:endParaRPr lang="en-US"/>
+          </a:p>
+        </p:txBody>
+      </p:sp>
+    </p:spTree>
+    <p:extLst>
+      <p:ext uri="{BB962C8B-B14F-4D97-AF65-F5344CB8AC3E}">
+        <p14:creationId xmlns:p14="http://schemas.microsoft.com/office/powerpoint/2010/main" val="2102533665"/>
+      </p:ext>
+    </p:extLst>
+  </p:cSld>
+  <p:clrMapOvr>
+    <a:masterClrMapping/>
+  </p:clrMapOvr>
+</p:notes>
+</file>
+
+<file path=ppt/notesSlides/notesSlide5.xml><?xml version="1.0" encoding="utf-8"?>
+<p:notes xmlns:a="http://schemas.openxmlformats.org/drawingml/2006/main" xmlns:r="http://schemas.openxmlformats.org/officeDocument/2006/relationships" xmlns:p="http://schemas.openxmlformats.org/presentationml/2006/main">
+  <p:cSld>
+    <p:spTree>
+      <p:nvGrpSpPr>
+        <p:cNvPr id="1" name=""/>
+        <p:cNvGrpSpPr/>
+        <p:nvPr/>
+      </p:nvGrpSpPr>
+      <p:grpSpPr>
+        <a:xfrm>
+          <a:off x="0" y="0"/>
+          <a:ext cx="0" cy="0"/>
+          <a:chOff x="0" y="0"/>
+          <a:chExt cx="0" cy="0"/>
+        </a:xfrm>
+      </p:grpSpPr>
+      <p:sp>
+        <p:nvSpPr>
+          <p:cNvPr id="2" name="Slide Image Placeholder 1"/>
+          <p:cNvSpPr>
+            <a:spLocks noGrp="1" noRot="1" noChangeAspect="1"/>
+          </p:cNvSpPr>
+          <p:nvPr>
+            <p:ph type="sldImg"/>
+          </p:nvPr>
+        </p:nvSpPr>
+        <p:spPr/>
+      </p:sp>
+      <p:sp>
+        <p:nvSpPr>
+          <p:cNvPr id="3" name="Notes Placeholder 2"/>
+          <p:cNvSpPr>
+            <a:spLocks noGrp="1"/>
+          </p:cNvSpPr>
+          <p:nvPr>
+            <p:ph type="body" idx="1"/>
+          </p:nvPr>
+        </p:nvSpPr>
+        <p:spPr/>
+        <p:txBody>
+          <a:bodyPr/>
+          <a:lstStyle/>
+          <a:p>
+            <a:r>
+              <a:rPr lang="en-US" dirty="0"/>
+              <a:t>Brendan:</a:t>
+            </a:r>
+          </a:p>
+        </p:txBody>
+      </p:sp>
+      <p:sp>
+        <p:nvSpPr>
+          <p:cNvPr id="4" name="Slide Number Placeholder 3"/>
+          <p:cNvSpPr>
+            <a:spLocks noGrp="1"/>
+          </p:cNvSpPr>
+          <p:nvPr>
+            <p:ph type="sldNum" sz="quarter" idx="5"/>
+          </p:nvPr>
+        </p:nvSpPr>
+        <p:spPr/>
+        <p:txBody>
+          <a:bodyPr/>
+          <a:lstStyle/>
+          <a:p>
+            <a:fld id="{9CA32184-0E7E-4A2D-BA18-6F05E6645DED}" type="slidenum">
+              <a:rPr lang="en-US" smtClean="0"/>
+              <a:t>5</a:t>
+            </a:fld>
+            <a:endParaRPr lang="en-US"/>
+          </a:p>
+        </p:txBody>
+      </p:sp>
+    </p:spTree>
+    <p:extLst>
+      <p:ext uri="{BB962C8B-B14F-4D97-AF65-F5344CB8AC3E}">
+        <p14:creationId xmlns:p14="http://schemas.microsoft.com/office/powerpoint/2010/main" val="910497579"/>
+      </p:ext>
+    </p:extLst>
+  </p:cSld>
+  <p:clrMapOvr>
+    <a:masterClrMapping/>
+  </p:clrMapOvr>
+</p:notes>
+</file>
+
+<file path=ppt/notesSlides/notesSlide6.xml><?xml version="1.0" encoding="utf-8"?>
+<p:notes xmlns:a="http://schemas.openxmlformats.org/drawingml/2006/main" xmlns:r="http://schemas.openxmlformats.org/officeDocument/2006/relationships" xmlns:p="http://schemas.openxmlformats.org/presentationml/2006/main">
+  <p:cSld>
+    <p:spTree>
+      <p:nvGrpSpPr>
+        <p:cNvPr id="1" name=""/>
+        <p:cNvGrpSpPr/>
+        <p:nvPr/>
+      </p:nvGrpSpPr>
+      <p:grpSpPr>
+        <a:xfrm>
+          <a:off x="0" y="0"/>
+          <a:ext cx="0" cy="0"/>
+          <a:chOff x="0" y="0"/>
+          <a:chExt cx="0" cy="0"/>
+        </a:xfrm>
+      </p:grpSpPr>
+      <p:sp>
+        <p:nvSpPr>
+          <p:cNvPr id="2" name="Slide Image Placeholder 1"/>
+          <p:cNvSpPr>
+            <a:spLocks noGrp="1" noRot="1" noChangeAspect="1"/>
+          </p:cNvSpPr>
+          <p:nvPr>
+            <p:ph type="sldImg"/>
+          </p:nvPr>
+        </p:nvSpPr>
+        <p:spPr/>
+      </p:sp>
+      <p:sp>
+        <p:nvSpPr>
+          <p:cNvPr id="3" name="Notes Placeholder 2"/>
+          <p:cNvSpPr>
+            <a:spLocks noGrp="1"/>
+          </p:cNvSpPr>
+          <p:nvPr>
+            <p:ph type="body" idx="1"/>
+          </p:nvPr>
+        </p:nvSpPr>
+        <p:spPr/>
+        <p:txBody>
+          <a:bodyPr/>
+          <a:lstStyle/>
+          <a:p>
+            <a:r>
+              <a:rPr lang="en-US" dirty="0"/>
+              <a:t>Shawn</a:t>
+            </a:r>
+          </a:p>
+        </p:txBody>
+      </p:sp>
+      <p:sp>
+        <p:nvSpPr>
+          <p:cNvPr id="4" name="Slide Number Placeholder 3"/>
+          <p:cNvSpPr>
+            <a:spLocks noGrp="1"/>
+          </p:cNvSpPr>
+          <p:nvPr>
+            <p:ph type="sldNum" sz="quarter" idx="5"/>
+          </p:nvPr>
+        </p:nvSpPr>
+        <p:spPr/>
+        <p:txBody>
+          <a:bodyPr/>
+          <a:lstStyle/>
+          <a:p>
+            <a:fld id="{9CA32184-0E7E-4A2D-BA18-6F05E6645DED}" type="slidenum">
+              <a:rPr lang="en-US" smtClean="0"/>
+              <a:t>6</a:t>
+            </a:fld>
+            <a:endParaRPr lang="en-US"/>
+          </a:p>
+        </p:txBody>
+      </p:sp>
+    </p:spTree>
+    <p:extLst>
+      <p:ext uri="{BB962C8B-B14F-4D97-AF65-F5344CB8AC3E}">
+        <p14:creationId xmlns:p14="http://schemas.microsoft.com/office/powerpoint/2010/main" val="2383040555"/>
+      </p:ext>
+    </p:extLst>
+  </p:cSld>
+  <p:clrMapOvr>
+    <a:masterClrMapping/>
+  </p:clrMapOvr>
+</p:notes>
+</file>
+
+<file path=ppt/notesSlides/notesSlide7.xml><?xml version="1.0" encoding="utf-8"?>
+<p:notes xmlns:a="http://schemas.openxmlformats.org/drawingml/2006/main" xmlns:r="http://schemas.openxmlformats.org/officeDocument/2006/relationships" xmlns:p="http://schemas.openxmlformats.org/presentationml/2006/main">
+  <p:cSld>
+    <p:spTree>
+      <p:nvGrpSpPr>
+        <p:cNvPr id="1" name=""/>
+        <p:cNvGrpSpPr/>
+        <p:nvPr/>
+      </p:nvGrpSpPr>
+      <p:grpSpPr>
+        <a:xfrm>
+          <a:off x="0" y="0"/>
+          <a:ext cx="0" cy="0"/>
+          <a:chOff x="0" y="0"/>
+          <a:chExt cx="0" cy="0"/>
+        </a:xfrm>
+      </p:grpSpPr>
+      <p:sp>
+        <p:nvSpPr>
+          <p:cNvPr id="2" name="Slide Image Placeholder 1"/>
+          <p:cNvSpPr>
+            <a:spLocks noGrp="1" noRot="1" noChangeAspect="1"/>
+          </p:cNvSpPr>
+          <p:nvPr>
+            <p:ph type="sldImg"/>
+          </p:nvPr>
+        </p:nvSpPr>
+        <p:spPr/>
+      </p:sp>
+      <p:sp>
+        <p:nvSpPr>
+          <p:cNvPr id="3" name="Notes Placeholder 2"/>
+          <p:cNvSpPr>
+            <a:spLocks noGrp="1"/>
+          </p:cNvSpPr>
+          <p:nvPr>
+            <p:ph type="body" idx="1"/>
+          </p:nvPr>
+        </p:nvSpPr>
+        <p:spPr/>
+        <p:txBody>
+          <a:bodyPr/>
+          <a:lstStyle/>
+          <a:p>
+            <a:r>
+              <a:rPr lang="en-US" dirty="0"/>
+              <a:t>Shawn</a:t>
+            </a:r>
+          </a:p>
+        </p:txBody>
+      </p:sp>
+      <p:sp>
+        <p:nvSpPr>
+          <p:cNvPr id="4" name="Slide Number Placeholder 3"/>
+          <p:cNvSpPr>
+            <a:spLocks noGrp="1"/>
+          </p:cNvSpPr>
+          <p:nvPr>
+            <p:ph type="sldNum" sz="quarter" idx="5"/>
+          </p:nvPr>
+        </p:nvSpPr>
+        <p:spPr/>
+        <p:txBody>
+          <a:bodyPr/>
+          <a:lstStyle/>
+          <a:p>
+            <a:fld id="{9CA32184-0E7E-4A2D-BA18-6F05E6645DED}" type="slidenum">
+              <a:rPr lang="en-US" smtClean="0"/>
+              <a:t>7</a:t>
+            </a:fld>
+            <a:endParaRPr lang="en-US"/>
+          </a:p>
+        </p:txBody>
+      </p:sp>
+    </p:spTree>
+    <p:extLst>
+      <p:ext uri="{BB962C8B-B14F-4D97-AF65-F5344CB8AC3E}">
+        <p14:creationId xmlns:p14="http://schemas.microsoft.com/office/powerpoint/2010/main" val="1062264644"/>
+      </p:ext>
+    </p:extLst>
+  </p:cSld>
+  <p:clrMapOvr>
+    <a:masterClrMapping/>
+  </p:clrMapOvr>
+</p:notes>
+</file>
+
+<file path=ppt/notesSlides/notesSlide8.xml><?xml version="1.0" encoding="utf-8"?>
+<p:notes xmlns:a="http://schemas.openxmlformats.org/drawingml/2006/main" xmlns:r="http://schemas.openxmlformats.org/officeDocument/2006/relationships" xmlns:p="http://schemas.openxmlformats.org/presentationml/2006/main">
+  <p:cSld>
+    <p:spTree>
+      <p:nvGrpSpPr>
+        <p:cNvPr id="1" name=""/>
+        <p:cNvGrpSpPr/>
+        <p:nvPr/>
+      </p:nvGrpSpPr>
+      <p:grpSpPr>
+        <a:xfrm>
+          <a:off x="0" y="0"/>
+          <a:ext cx="0" cy="0"/>
+          <a:chOff x="0" y="0"/>
+          <a:chExt cx="0" cy="0"/>
+        </a:xfrm>
+      </p:grpSpPr>
+      <p:sp>
+        <p:nvSpPr>
+          <p:cNvPr id="2" name="Slide Image Placeholder 1"/>
+          <p:cNvSpPr>
+            <a:spLocks noGrp="1" noRot="1" noChangeAspect="1"/>
+          </p:cNvSpPr>
+          <p:nvPr>
+            <p:ph type="sldImg"/>
+          </p:nvPr>
+        </p:nvSpPr>
+        <p:spPr/>
+      </p:sp>
+      <p:sp>
+        <p:nvSpPr>
+          <p:cNvPr id="3" name="Notes Placeholder 2"/>
+          <p:cNvSpPr>
+            <a:spLocks noGrp="1"/>
+          </p:cNvSpPr>
+          <p:nvPr>
+            <p:ph type="body" idx="1"/>
+          </p:nvPr>
+        </p:nvSpPr>
+        <p:spPr/>
+        <p:txBody>
+          <a:bodyPr/>
+          <a:lstStyle/>
+          <a:p>
+            <a:r>
+              <a:rPr lang="en-US" dirty="0"/>
+              <a:t>Gavin</a:t>
+            </a:r>
+          </a:p>
+        </p:txBody>
+      </p:sp>
+      <p:sp>
+        <p:nvSpPr>
+          <p:cNvPr id="4" name="Slide Number Placeholder 3"/>
+          <p:cNvSpPr>
+            <a:spLocks noGrp="1"/>
+          </p:cNvSpPr>
+          <p:nvPr>
+            <p:ph type="sldNum" sz="quarter" idx="5"/>
+          </p:nvPr>
+        </p:nvSpPr>
+        <p:spPr/>
+        <p:txBody>
+          <a:bodyPr/>
+          <a:lstStyle/>
+          <a:p>
+            <a:fld id="{9CA32184-0E7E-4A2D-BA18-6F05E6645DED}" type="slidenum">
+              <a:rPr lang="en-US" smtClean="0"/>
+              <a:t>8</a:t>
+            </a:fld>
+            <a:endParaRPr lang="en-US"/>
+          </a:p>
+        </p:txBody>
+      </p:sp>
+    </p:spTree>
+    <p:extLst>
+      <p:ext uri="{BB962C8B-B14F-4D97-AF65-F5344CB8AC3E}">
+        <p14:creationId xmlns:p14="http://schemas.microsoft.com/office/powerpoint/2010/main" val="4155165666"/>
+      </p:ext>
+    </p:extLst>
+  </p:cSld>
+  <p:clrMapOvr>
+    <a:masterClrMapping/>
+  </p:clrMapOvr>
+</p:notes>
+</file>
+
+<file path=ppt/notesSlides/notesSlide9.xml><?xml version="1.0" encoding="utf-8"?>
+<p:notes xmlns:a="http://schemas.openxmlformats.org/drawingml/2006/main" xmlns:r="http://schemas.openxmlformats.org/officeDocument/2006/relationships" xmlns:p="http://schemas.openxmlformats.org/presentationml/2006/main">
+  <p:cSld>
+    <p:spTree>
+      <p:nvGrpSpPr>
+        <p:cNvPr id="1" name=""/>
+        <p:cNvGrpSpPr/>
+        <p:nvPr/>
+      </p:nvGrpSpPr>
+      <p:grpSpPr>
+        <a:xfrm>
+          <a:off x="0" y="0"/>
+          <a:ext cx="0" cy="0"/>
+          <a:chOff x="0" y="0"/>
+          <a:chExt cx="0" cy="0"/>
+        </a:xfrm>
+      </p:grpSpPr>
+      <p:sp>
+        <p:nvSpPr>
+          <p:cNvPr id="2" name="Slide Image Placeholder 1"/>
+          <p:cNvSpPr>
+            <a:spLocks noGrp="1" noRot="1" noChangeAspect="1"/>
+          </p:cNvSpPr>
+          <p:nvPr>
+            <p:ph type="sldImg"/>
+          </p:nvPr>
+        </p:nvSpPr>
+        <p:spPr/>
+      </p:sp>
+      <p:sp>
+        <p:nvSpPr>
+          <p:cNvPr id="3" name="Notes Placeholder 2"/>
+          <p:cNvSpPr>
+            <a:spLocks noGrp="1"/>
+          </p:cNvSpPr>
+          <p:nvPr>
+            <p:ph type="body" idx="1"/>
+          </p:nvPr>
+        </p:nvSpPr>
+        <p:spPr/>
+        <p:txBody>
+          <a:bodyPr/>
+          <a:lstStyle/>
+          <a:p>
+            <a:r>
+              <a:rPr lang="en-US" dirty="0"/>
+              <a:t>Gavin</a:t>
+            </a:r>
+          </a:p>
+        </p:txBody>
+      </p:sp>
+      <p:sp>
+        <p:nvSpPr>
+          <p:cNvPr id="4" name="Slide Number Placeholder 3"/>
+          <p:cNvSpPr>
+            <a:spLocks noGrp="1"/>
+          </p:cNvSpPr>
+          <p:nvPr>
+            <p:ph type="sldNum" sz="quarter" idx="5"/>
+          </p:nvPr>
+        </p:nvSpPr>
+        <p:spPr/>
+        <p:txBody>
+          <a:bodyPr/>
+          <a:lstStyle/>
+          <a:p>
+            <a:fld id="{9CA32184-0E7E-4A2D-BA18-6F05E6645DED}" type="slidenum">
+              <a:rPr lang="en-US" smtClean="0"/>
+              <a:t>9</a:t>
+            </a:fld>
+            <a:endParaRPr lang="en-US"/>
+          </a:p>
+        </p:txBody>
+      </p:sp>
+    </p:spTree>
+    <p:extLst>
+      <p:ext uri="{BB962C8B-B14F-4D97-AF65-F5344CB8AC3E}">
+        <p14:creationId xmlns:p14="http://schemas.microsoft.com/office/powerpoint/2010/main" val="2134324774"/>
       </p:ext>
     </p:extLst>
   </p:cSld>
@@ -3816,11 +5457,11 @@
           <p:nvPr/>
         </p:nvPicPr>
         <p:blipFill rotWithShape="1">
-          <a:blip r:embed="rId2">
+          <a:blip r:embed="rId3">
             <a:extLst>
               <a:ext uri="{BEBA8EAE-BF5A-486C-A8C5-ECC9F3942E4B}">
                 <a14:imgProps xmlns:a14="http://schemas.microsoft.com/office/drawing/2010/main">
-                  <a14:imgLayer r:embed="rId3">
+                  <a14:imgLayer r:embed="rId4">
                     <a14:imgEffect>
                       <a14:sharpenSoften amount="25000"/>
                     </a14:imgEffect>
@@ -3866,8 +5507,8 @@
         </p:nvSpPr>
         <p:spPr>
           <a:xfrm>
-            <a:off x="5492152" y="1500646"/>
-            <a:ext cx="6147758" cy="2387600"/>
+            <a:off x="4976682" y="1422206"/>
+            <a:ext cx="6147758" cy="2510864"/>
           </a:xfrm>
         </p:spPr>
         <p:txBody>
@@ -3877,7 +5518,7 @@
           <a:lstStyle/>
           <a:p>
             <a:r>
-              <a:rPr lang="en-US" sz="8000" dirty="0">
+              <a:rPr lang="en-US" sz="8000">
                 <a:latin typeface="Montserrat Medium" panose="00000600000000000000" pitchFamily="2" charset="0"/>
               </a:rPr>
               <a:t>JSG Industries</a:t>
@@ -3919,7 +5560,7 @@
               </a:lnSpc>
             </a:pPr>
             <a:r>
-              <a:rPr lang="en-US" sz="3200" b="1" dirty="0">
+              <a:rPr lang="en-US" sz="3200" b="1">
                 <a:latin typeface="Montserrat Medium" panose="00000600000000000000" pitchFamily="2" charset="0"/>
               </a:rPr>
               <a:t>Shawn, Brendan, Gavin, Gary</a:t>
@@ -3942,13 +5583,13 @@
           <p:nvPr/>
         </p:nvPicPr>
         <p:blipFill>
-          <a:blip r:embed="rId4">
+          <a:blip r:embed="rId5">
             <a:extLst>
               <a:ext uri="{28A0092B-C50C-407E-A947-70E740481C1C}">
                 <a14:useLocalDpi xmlns:a14="http://schemas.microsoft.com/office/drawing/2010/main" val="0"/>
               </a:ext>
               <a:ext uri="{96DAC541-7B7A-43D3-8B79-37D633B846F1}">
-                <asvg:svgBlip xmlns:asvg="http://schemas.microsoft.com/office/drawing/2016/SVG/main" r:embed="rId5"/>
+                <asvg:svgBlip xmlns:asvg="http://schemas.microsoft.com/office/drawing/2016/SVG/main" r:embed="rId6"/>
               </a:ext>
             </a:extLst>
           </a:blip>
@@ -3979,6 +5620,1982 @@
 </p:sld>
 </file>
 
+<file path=ppt/slides/slide10.xml><?xml version="1.0" encoding="utf-8"?>
+<p:sld xmlns:a="http://schemas.openxmlformats.org/drawingml/2006/main" xmlns:r="http://schemas.openxmlformats.org/officeDocument/2006/relationships" xmlns:p="http://schemas.openxmlformats.org/presentationml/2006/main">
+  <p:cSld>
+    <p:spTree>
+      <p:nvGrpSpPr>
+        <p:cNvPr id="1" name=""/>
+        <p:cNvGrpSpPr/>
+        <p:nvPr/>
+      </p:nvGrpSpPr>
+      <p:grpSpPr>
+        <a:xfrm>
+          <a:off x="0" y="0"/>
+          <a:ext cx="0" cy="0"/>
+          <a:chOff x="0" y="0"/>
+          <a:chExt cx="0" cy="0"/>
+        </a:xfrm>
+      </p:grpSpPr>
+      <p:sp>
+        <p:nvSpPr>
+          <p:cNvPr id="2" name="Title 1">
+            <a:extLst>
+              <a:ext uri="{FF2B5EF4-FFF2-40B4-BE49-F238E27FC236}">
+                <a16:creationId xmlns:a16="http://schemas.microsoft.com/office/drawing/2014/main" id="{E0BA52BD-579A-4644-8E8E-7AF6846B8CCA}"/>
+              </a:ext>
+            </a:extLst>
+          </p:cNvPr>
+          <p:cNvSpPr>
+            <a:spLocks noGrp="1"/>
+          </p:cNvSpPr>
+          <p:nvPr>
+            <p:ph type="title"/>
+          </p:nvPr>
+        </p:nvSpPr>
+        <p:spPr/>
+        <p:txBody>
+          <a:bodyPr/>
+          <a:lstStyle/>
+          <a:p>
+            <a:r>
+              <a:rPr lang="en-US" sz="4400" dirty="0">
+                <a:latin typeface="Montserrat Medium" panose="00000600000000000000" pitchFamily="2" charset="0"/>
+              </a:rPr>
+              <a:t>Frontend</a:t>
+            </a:r>
+            <a:endParaRPr lang="en-US" dirty="0"/>
+          </a:p>
+        </p:txBody>
+      </p:sp>
+      <p:sp>
+        <p:nvSpPr>
+          <p:cNvPr id="3" name="Content Placeholder 2">
+            <a:extLst>
+              <a:ext uri="{FF2B5EF4-FFF2-40B4-BE49-F238E27FC236}">
+                <a16:creationId xmlns:a16="http://schemas.microsoft.com/office/drawing/2014/main" id="{219E1EB7-C477-4028-B4DB-3C4B92BBBA2F}"/>
+              </a:ext>
+            </a:extLst>
+          </p:cNvPr>
+          <p:cNvSpPr>
+            <a:spLocks noGrp="1"/>
+          </p:cNvSpPr>
+          <p:nvPr>
+            <p:ph idx="1"/>
+          </p:nvPr>
+        </p:nvSpPr>
+        <p:spPr/>
+        <p:txBody>
+          <a:bodyPr/>
+          <a:lstStyle/>
+          <a:p>
+            <a:pPr marL="0" indent="0">
+              <a:buNone/>
+            </a:pPr>
+            <a:r>
+              <a:rPr lang="en-US" sz="3000" dirty="0">
+                <a:latin typeface="Montserrat Medium" panose="00000600000000000000" pitchFamily="2" charset="0"/>
+              </a:rPr>
+              <a:t>~OUTPUT~</a:t>
+            </a:r>
+          </a:p>
+          <a:p>
+            <a:pPr marL="457200" lvl="1" indent="0">
+              <a:lnSpc>
+                <a:spcPct val="110000"/>
+              </a:lnSpc>
+              <a:spcBef>
+                <a:spcPts val="1000"/>
+              </a:spcBef>
+              <a:buNone/>
+            </a:pPr>
+            <a:r>
+              <a:rPr lang="en-US" b="1" dirty="0">
+                <a:latin typeface="Montserrat Medium" panose="00000600000000000000" pitchFamily="2" charset="0"/>
+              </a:rPr>
+              <a:t>Resources </a:t>
+            </a:r>
+          </a:p>
+          <a:p>
+            <a:pPr marL="457200" lvl="1" indent="0">
+              <a:lnSpc>
+                <a:spcPct val="110000"/>
+              </a:lnSpc>
+              <a:spcBef>
+                <a:spcPts val="1000"/>
+              </a:spcBef>
+              <a:buNone/>
+            </a:pPr>
+            <a:r>
+              <a:rPr lang="en-US" b="1" dirty="0">
+                <a:latin typeface="Montserrat Medium" panose="00000600000000000000" pitchFamily="2" charset="0"/>
+              </a:rPr>
+              <a:t>React Features  </a:t>
+            </a:r>
+          </a:p>
+          <a:p>
+            <a:pPr lvl="2">
+              <a:lnSpc>
+                <a:spcPct val="110000"/>
+              </a:lnSpc>
+              <a:spcBef>
+                <a:spcPts val="1000"/>
+              </a:spcBef>
+            </a:pPr>
+            <a:r>
+              <a:rPr lang="en-US" sz="2400" b="1" dirty="0">
+                <a:latin typeface="Montserrat Medium" panose="00000600000000000000" pitchFamily="2" charset="0"/>
+              </a:rPr>
+              <a:t>Radar </a:t>
+            </a:r>
+          </a:p>
+          <a:p>
+            <a:pPr marL="457200" lvl="1" indent="0">
+              <a:lnSpc>
+                <a:spcPct val="110000"/>
+              </a:lnSpc>
+              <a:spcBef>
+                <a:spcPts val="1000"/>
+              </a:spcBef>
+              <a:buNone/>
+            </a:pPr>
+            <a:r>
+              <a:rPr lang="en-US" b="1" dirty="0">
+                <a:latin typeface="Montserrat Medium" panose="00000600000000000000" pitchFamily="2" charset="0"/>
+              </a:rPr>
+              <a:t>Styling/UI</a:t>
+            </a:r>
+          </a:p>
+          <a:p>
+            <a:pPr marL="457200" lvl="1" indent="0">
+              <a:buNone/>
+            </a:pPr>
+            <a:endParaRPr lang="en-US" sz="2800" dirty="0"/>
+          </a:p>
+          <a:p>
+            <a:pPr lvl="1"/>
+            <a:endParaRPr lang="en-US" dirty="0"/>
+          </a:p>
+          <a:p>
+            <a:endParaRPr lang="en-US" dirty="0"/>
+          </a:p>
+        </p:txBody>
+      </p:sp>
+      <p:pic>
+        <p:nvPicPr>
+          <p:cNvPr id="4" name="Picture 3">
+            <a:extLst>
+              <a:ext uri="{FF2B5EF4-FFF2-40B4-BE49-F238E27FC236}">
+                <a16:creationId xmlns:a16="http://schemas.microsoft.com/office/drawing/2014/main" id="{D38A23C0-0AAE-42AB-B74B-B9F3CA50AE56}"/>
+              </a:ext>
+            </a:extLst>
+          </p:cNvPr>
+          <p:cNvPicPr>
+            <a:picLocks noChangeAspect="1"/>
+          </p:cNvPicPr>
+          <p:nvPr/>
+        </p:nvPicPr>
+        <p:blipFill>
+          <a:blip r:embed="rId3"/>
+          <a:stretch>
+            <a:fillRect/>
+          </a:stretch>
+        </p:blipFill>
+        <p:spPr>
+          <a:xfrm>
+            <a:off x="4920492" y="497840"/>
+            <a:ext cx="6660638" cy="5988368"/>
+          </a:xfrm>
+          <a:prstGeom prst="rect">
+            <a:avLst/>
+          </a:prstGeom>
+        </p:spPr>
+      </p:pic>
+    </p:spTree>
+    <p:extLst>
+      <p:ext uri="{BB962C8B-B14F-4D97-AF65-F5344CB8AC3E}">
+        <p14:creationId xmlns:p14="http://schemas.microsoft.com/office/powerpoint/2010/main" val="2310305743"/>
+      </p:ext>
+    </p:extLst>
+  </p:cSld>
+  <p:clrMapOvr>
+    <a:masterClrMapping/>
+  </p:clrMapOvr>
+</p:sld>
+</file>
+
+<file path=ppt/slides/slide11.xml><?xml version="1.0" encoding="utf-8"?>
+<p:sld xmlns:a="http://schemas.openxmlformats.org/drawingml/2006/main" xmlns:r="http://schemas.openxmlformats.org/officeDocument/2006/relationships" xmlns:p="http://schemas.openxmlformats.org/presentationml/2006/main">
+  <p:cSld>
+    <p:spTree>
+      <p:nvGrpSpPr>
+        <p:cNvPr id="1" name=""/>
+        <p:cNvGrpSpPr/>
+        <p:nvPr/>
+      </p:nvGrpSpPr>
+      <p:grpSpPr>
+        <a:xfrm>
+          <a:off x="0" y="0"/>
+          <a:ext cx="0" cy="0"/>
+          <a:chOff x="0" y="0"/>
+          <a:chExt cx="0" cy="0"/>
+        </a:xfrm>
+      </p:grpSpPr>
+      <p:sp>
+        <p:nvSpPr>
+          <p:cNvPr id="3" name="Content Placeholder 2">
+            <a:extLst>
+              <a:ext uri="{FF2B5EF4-FFF2-40B4-BE49-F238E27FC236}">
+                <a16:creationId xmlns:a16="http://schemas.microsoft.com/office/drawing/2014/main" id="{B1B0ED4F-624B-43F2-AF2C-7EF75E6E370B}"/>
+              </a:ext>
+            </a:extLst>
+          </p:cNvPr>
+          <p:cNvSpPr>
+            <a:spLocks noGrp="1"/>
+          </p:cNvSpPr>
+          <p:nvPr>
+            <p:ph idx="1"/>
+          </p:nvPr>
+        </p:nvSpPr>
+        <p:spPr>
+          <a:xfrm>
+            <a:off x="4987130" y="5653222"/>
+            <a:ext cx="5920819" cy="737850"/>
+          </a:xfrm>
+        </p:spPr>
+        <p:txBody>
+          <a:bodyPr>
+            <a:normAutofit/>
+          </a:bodyPr>
+          <a:lstStyle/>
+          <a:p>
+            <a:pPr marL="0" indent="0">
+              <a:lnSpc>
+                <a:spcPct val="110000"/>
+              </a:lnSpc>
+              <a:buNone/>
+            </a:pPr>
+            <a:r>
+              <a:rPr lang="en-US" b="1">
+                <a:latin typeface="Montserrat Medium" panose="00000600000000000000" pitchFamily="2" charset="0"/>
+              </a:rPr>
+              <a:t>	</a:t>
+            </a:r>
+          </a:p>
+          <a:p>
+            <a:pPr marL="0" indent="0">
+              <a:lnSpc>
+                <a:spcPct val="110000"/>
+              </a:lnSpc>
+              <a:buNone/>
+            </a:pPr>
+            <a:endParaRPr lang="en-US" b="1">
+              <a:latin typeface="Montserrat Medium" panose="00000600000000000000" pitchFamily="2" charset="0"/>
+            </a:endParaRPr>
+          </a:p>
+        </p:txBody>
+      </p:sp>
+      <p:pic>
+        <p:nvPicPr>
+          <p:cNvPr id="6" name="Picture 5">
+            <a:extLst>
+              <a:ext uri="{FF2B5EF4-FFF2-40B4-BE49-F238E27FC236}">
+                <a16:creationId xmlns:a16="http://schemas.microsoft.com/office/drawing/2014/main" id="{78BD141E-AA74-4704-87F2-5ED6B686A0CA}"/>
+              </a:ext>
+            </a:extLst>
+          </p:cNvPr>
+          <p:cNvPicPr>
+            <a:picLocks noChangeAspect="1"/>
+          </p:cNvPicPr>
+          <p:nvPr/>
+        </p:nvPicPr>
+        <p:blipFill rotWithShape="1">
+          <a:blip r:embed="rId3">
+            <a:extLst>
+              <a:ext uri="{BEBA8EAE-BF5A-486C-A8C5-ECC9F3942E4B}">
+                <a14:imgProps xmlns:a14="http://schemas.microsoft.com/office/drawing/2010/main">
+                  <a14:imgLayer r:embed="rId4">
+                    <a14:imgEffect>
+                      <a14:sharpenSoften amount="25000"/>
+                    </a14:imgEffect>
+                    <a14:imgEffect>
+                      <a14:brightnessContrast bright="20000"/>
+                    </a14:imgEffect>
+                  </a14:imgLayer>
+                </a14:imgProps>
+              </a:ext>
+              <a:ext uri="{28A0092B-C50C-407E-A947-70E740481C1C}">
+                <a14:useLocalDpi xmlns:a14="http://schemas.microsoft.com/office/drawing/2010/main" val="0"/>
+              </a:ext>
+            </a:extLst>
+          </a:blip>
+          <a:srcRect b="15236"/>
+          <a:stretch/>
+        </p:blipFill>
+        <p:spPr>
+          <a:xfrm>
+            <a:off x="0" y="0"/>
+            <a:ext cx="12192000" cy="6858000"/>
+          </a:xfrm>
+          <a:prstGeom prst="rect">
+            <a:avLst/>
+          </a:prstGeom>
+        </p:spPr>
+      </p:pic>
+      <p:sp>
+        <p:nvSpPr>
+          <p:cNvPr id="9" name="Title 1">
+            <a:extLst>
+              <a:ext uri="{FF2B5EF4-FFF2-40B4-BE49-F238E27FC236}">
+                <a16:creationId xmlns:a16="http://schemas.microsoft.com/office/drawing/2014/main" id="{A4058007-17D1-4B6D-92D9-0D4027A8E66A}"/>
+              </a:ext>
+            </a:extLst>
+          </p:cNvPr>
+          <p:cNvSpPr txBox="1">
+            <a:spLocks/>
+          </p:cNvSpPr>
+          <p:nvPr/>
+        </p:nvSpPr>
+        <p:spPr>
+          <a:xfrm>
+            <a:off x="1110181" y="2766219"/>
+            <a:ext cx="10515600" cy="1325563"/>
+          </a:xfrm>
+          <a:prstGeom prst="rect">
+            <a:avLst/>
+          </a:prstGeom>
+        </p:spPr>
+        <p:txBody>
+          <a:bodyPr vert="horz" lIns="91440" tIns="45720" rIns="91440" bIns="45720" rtlCol="0" anchor="ctr">
+            <a:normAutofit/>
+          </a:bodyPr>
+          <a:lstStyle>
+            <a:lvl1pPr algn="l" defTabSz="914400" rtl="0" eaLnBrk="1" latinLnBrk="0" hangingPunct="1">
+              <a:lnSpc>
+                <a:spcPct val="90000"/>
+              </a:lnSpc>
+              <a:spcBef>
+                <a:spcPct val="0"/>
+              </a:spcBef>
+              <a:buNone/>
+              <a:defRPr sz="4400" kern="1200">
+                <a:solidFill>
+                  <a:schemeClr val="tx1"/>
+                </a:solidFill>
+                <a:latin typeface="+mj-lt"/>
+                <a:ea typeface="+mj-ea"/>
+                <a:cs typeface="+mj-cs"/>
+              </a:defRPr>
+            </a:lvl1pPr>
+          </a:lstStyle>
+          <a:p>
+            <a:r>
+              <a:rPr lang="en-US" sz="6000" dirty="0">
+                <a:latin typeface="Bernard MT Condensed" panose="02050806060905020404" pitchFamily="18" charset="0"/>
+              </a:rPr>
+              <a:t>Demo!</a:t>
+            </a:r>
+          </a:p>
+        </p:txBody>
+      </p:sp>
+      <p:pic>
+        <p:nvPicPr>
+          <p:cNvPr id="4" name="Picture 3" descr="A picture containing shape&#10;&#10;Description automatically generated">
+            <a:extLst>
+              <a:ext uri="{FF2B5EF4-FFF2-40B4-BE49-F238E27FC236}">
+                <a16:creationId xmlns:a16="http://schemas.microsoft.com/office/drawing/2014/main" id="{96182F9F-6D20-4436-BAF0-5FDF23D3636F}"/>
+              </a:ext>
+            </a:extLst>
+          </p:cNvPr>
+          <p:cNvPicPr>
+            <a:picLocks noChangeAspect="1"/>
+          </p:cNvPicPr>
+          <p:nvPr/>
+        </p:nvPicPr>
+        <p:blipFill>
+          <a:blip r:embed="rId5">
+            <a:extLst>
+              <a:ext uri="{28A0092B-C50C-407E-A947-70E740481C1C}">
+                <a14:useLocalDpi xmlns:a14="http://schemas.microsoft.com/office/drawing/2010/main" val="0"/>
+              </a:ext>
+            </a:extLst>
+          </a:blip>
+          <a:stretch>
+            <a:fillRect/>
+          </a:stretch>
+        </p:blipFill>
+        <p:spPr>
+          <a:xfrm>
+            <a:off x="5925402" y="832937"/>
+            <a:ext cx="4982547" cy="3736910"/>
+          </a:xfrm>
+          <a:prstGeom prst="rect">
+            <a:avLst/>
+          </a:prstGeom>
+        </p:spPr>
+      </p:pic>
+      <p:sp>
+        <p:nvSpPr>
+          <p:cNvPr id="10" name="TextBox 9">
+            <a:extLst>
+              <a:ext uri="{FF2B5EF4-FFF2-40B4-BE49-F238E27FC236}">
+                <a16:creationId xmlns:a16="http://schemas.microsoft.com/office/drawing/2014/main" id="{AC0E3F50-F747-4349-93A3-EEDDEFB95505}"/>
+              </a:ext>
+            </a:extLst>
+          </p:cNvPr>
+          <p:cNvSpPr txBox="1"/>
+          <p:nvPr/>
+        </p:nvSpPr>
+        <p:spPr>
+          <a:xfrm>
+            <a:off x="6855125" y="4759658"/>
+            <a:ext cx="6096000" cy="830997"/>
+          </a:xfrm>
+          <a:prstGeom prst="rect">
+            <a:avLst/>
+          </a:prstGeom>
+          <a:noFill/>
+        </p:spPr>
+        <p:txBody>
+          <a:bodyPr wrap="square">
+            <a:spAutoFit/>
+          </a:bodyPr>
+          <a:lstStyle/>
+          <a:p>
+            <a:r>
+              <a:rPr lang="en-US" sz="4800" dirty="0">
+                <a:latin typeface="Montserrat Medium" panose="00000600000000000000" pitchFamily="2" charset="0"/>
+              </a:rPr>
+              <a:t>stonks.io</a:t>
+            </a:r>
+          </a:p>
+        </p:txBody>
+      </p:sp>
+    </p:spTree>
+    <p:extLst>
+      <p:ext uri="{BB962C8B-B14F-4D97-AF65-F5344CB8AC3E}">
+        <p14:creationId xmlns:p14="http://schemas.microsoft.com/office/powerpoint/2010/main" val="4288218200"/>
+      </p:ext>
+    </p:extLst>
+  </p:cSld>
+  <p:clrMapOvr>
+    <a:masterClrMapping/>
+  </p:clrMapOvr>
+</p:sld>
+</file>
+
+<file path=ppt/slides/slide12.xml><?xml version="1.0" encoding="utf-8"?>
+<p:sld xmlns:a="http://schemas.openxmlformats.org/drawingml/2006/main" xmlns:r="http://schemas.openxmlformats.org/officeDocument/2006/relationships" xmlns:p="http://schemas.openxmlformats.org/presentationml/2006/main">
+  <p:cSld>
+    <p:spTree>
+      <p:nvGrpSpPr>
+        <p:cNvPr id="1" name=""/>
+        <p:cNvGrpSpPr/>
+        <p:nvPr/>
+      </p:nvGrpSpPr>
+      <p:grpSpPr>
+        <a:xfrm>
+          <a:off x="0" y="0"/>
+          <a:ext cx="0" cy="0"/>
+          <a:chOff x="0" y="0"/>
+          <a:chExt cx="0" cy="0"/>
+        </a:xfrm>
+      </p:grpSpPr>
+      <p:sp>
+        <p:nvSpPr>
+          <p:cNvPr id="3" name="Content Placeholder 2">
+            <a:extLst>
+              <a:ext uri="{FF2B5EF4-FFF2-40B4-BE49-F238E27FC236}">
+                <a16:creationId xmlns:a16="http://schemas.microsoft.com/office/drawing/2014/main" id="{B1B0ED4F-624B-43F2-AF2C-7EF75E6E370B}"/>
+              </a:ext>
+            </a:extLst>
+          </p:cNvPr>
+          <p:cNvSpPr>
+            <a:spLocks noGrp="1"/>
+          </p:cNvSpPr>
+          <p:nvPr>
+            <p:ph idx="1"/>
+          </p:nvPr>
+        </p:nvSpPr>
+        <p:spPr>
+          <a:xfrm>
+            <a:off x="4987130" y="5653222"/>
+            <a:ext cx="5920819" cy="737850"/>
+          </a:xfrm>
+        </p:spPr>
+        <p:txBody>
+          <a:bodyPr>
+            <a:normAutofit/>
+          </a:bodyPr>
+          <a:lstStyle/>
+          <a:p>
+            <a:pPr marL="0" indent="0">
+              <a:lnSpc>
+                <a:spcPct val="110000"/>
+              </a:lnSpc>
+              <a:buNone/>
+            </a:pPr>
+            <a:r>
+              <a:rPr lang="en-US" b="1" dirty="0">
+                <a:latin typeface="Montserrat Medium" panose="00000600000000000000" pitchFamily="2" charset="0"/>
+              </a:rPr>
+              <a:t>	</a:t>
+            </a:r>
+          </a:p>
+          <a:p>
+            <a:pPr marL="0" indent="0">
+              <a:lnSpc>
+                <a:spcPct val="110000"/>
+              </a:lnSpc>
+              <a:buNone/>
+            </a:pPr>
+            <a:endParaRPr lang="en-US" b="1" dirty="0">
+              <a:latin typeface="Montserrat Medium" panose="00000600000000000000" pitchFamily="2" charset="0"/>
+            </a:endParaRPr>
+          </a:p>
+        </p:txBody>
+      </p:sp>
+      <p:pic>
+        <p:nvPicPr>
+          <p:cNvPr id="6" name="Picture 5">
+            <a:extLst>
+              <a:ext uri="{FF2B5EF4-FFF2-40B4-BE49-F238E27FC236}">
+                <a16:creationId xmlns:a16="http://schemas.microsoft.com/office/drawing/2014/main" id="{78BD141E-AA74-4704-87F2-5ED6B686A0CA}"/>
+              </a:ext>
+            </a:extLst>
+          </p:cNvPr>
+          <p:cNvPicPr>
+            <a:picLocks noChangeAspect="1"/>
+          </p:cNvPicPr>
+          <p:nvPr/>
+        </p:nvPicPr>
+        <p:blipFill rotWithShape="1">
+          <a:blip r:embed="rId3">
+            <a:extLst>
+              <a:ext uri="{BEBA8EAE-BF5A-486C-A8C5-ECC9F3942E4B}">
+                <a14:imgProps xmlns:a14="http://schemas.microsoft.com/office/drawing/2010/main">
+                  <a14:imgLayer r:embed="rId4">
+                    <a14:imgEffect>
+                      <a14:sharpenSoften amount="25000"/>
+                    </a14:imgEffect>
+                    <a14:imgEffect>
+                      <a14:brightnessContrast bright="20000"/>
+                    </a14:imgEffect>
+                  </a14:imgLayer>
+                </a14:imgProps>
+              </a:ext>
+              <a:ext uri="{28A0092B-C50C-407E-A947-70E740481C1C}">
+                <a14:useLocalDpi xmlns:a14="http://schemas.microsoft.com/office/drawing/2010/main" val="0"/>
+              </a:ext>
+            </a:extLst>
+          </a:blip>
+          <a:srcRect b="15236"/>
+          <a:stretch/>
+        </p:blipFill>
+        <p:spPr>
+          <a:xfrm>
+            <a:off x="0" y="1096"/>
+            <a:ext cx="12192000" cy="6858000"/>
+          </a:xfrm>
+          <a:prstGeom prst="rect">
+            <a:avLst/>
+          </a:prstGeom>
+        </p:spPr>
+      </p:pic>
+      <p:sp>
+        <p:nvSpPr>
+          <p:cNvPr id="9" name="Title 1">
+            <a:extLst>
+              <a:ext uri="{FF2B5EF4-FFF2-40B4-BE49-F238E27FC236}">
+                <a16:creationId xmlns:a16="http://schemas.microsoft.com/office/drawing/2014/main" id="{A4058007-17D1-4B6D-92D9-0D4027A8E66A}"/>
+              </a:ext>
+            </a:extLst>
+          </p:cNvPr>
+          <p:cNvSpPr txBox="1">
+            <a:spLocks/>
+          </p:cNvSpPr>
+          <p:nvPr/>
+        </p:nvSpPr>
+        <p:spPr>
+          <a:xfrm>
+            <a:off x="172826" y="2766218"/>
+            <a:ext cx="10515600" cy="1932036"/>
+          </a:xfrm>
+          <a:prstGeom prst="rect">
+            <a:avLst/>
+          </a:prstGeom>
+        </p:spPr>
+        <p:txBody>
+          <a:bodyPr vert="horz" lIns="91440" tIns="45720" rIns="91440" bIns="45720" rtlCol="0" anchor="ctr">
+            <a:normAutofit/>
+          </a:bodyPr>
+          <a:lstStyle>
+            <a:lvl1pPr algn="l" defTabSz="914400" rtl="0" eaLnBrk="1" latinLnBrk="0" hangingPunct="1">
+              <a:lnSpc>
+                <a:spcPct val="90000"/>
+              </a:lnSpc>
+              <a:spcBef>
+                <a:spcPct val="0"/>
+              </a:spcBef>
+              <a:buNone/>
+              <a:defRPr sz="4400" kern="1200">
+                <a:solidFill>
+                  <a:schemeClr val="tx1"/>
+                </a:solidFill>
+                <a:latin typeface="+mj-lt"/>
+                <a:ea typeface="+mj-ea"/>
+                <a:cs typeface="+mj-cs"/>
+              </a:defRPr>
+            </a:lvl1pPr>
+          </a:lstStyle>
+          <a:p>
+            <a:r>
+              <a:rPr lang="en-US" sz="6000" dirty="0">
+                <a:latin typeface="Bernard MT Condensed" panose="02050806060905020404" pitchFamily="18" charset="0"/>
+                <a:ea typeface="Adobe Myungjo Std M" panose="02020600000000000000" pitchFamily="18" charset="-128"/>
+              </a:rPr>
+              <a:t>	AI</a:t>
+            </a:r>
+            <a:r>
+              <a:rPr lang="en-US" sz="6000" dirty="0">
+                <a:latin typeface="Montserrat Medium" panose="00000600000000000000" pitchFamily="2" charset="0"/>
+              </a:rPr>
+              <a:t> </a:t>
+            </a:r>
+            <a:r>
+              <a:rPr lang="en-US" sz="6000" dirty="0">
+                <a:solidFill>
+                  <a:srgbClr val="C00000"/>
+                </a:solidFill>
+                <a:latin typeface="Bernard MT Condensed" panose="02050806060905020404" pitchFamily="18" charset="0"/>
+                <a:ea typeface="Adobe Myungjo Std M" panose="02020600000000000000" pitchFamily="18" charset="-128"/>
+              </a:rPr>
+              <a:t>&amp;</a:t>
+            </a:r>
+            <a:r>
+              <a:rPr lang="en-US" sz="6000" dirty="0">
+                <a:latin typeface="Montserrat Medium" panose="00000600000000000000" pitchFamily="2" charset="0"/>
+              </a:rPr>
+              <a:t>  </a:t>
+            </a:r>
+          </a:p>
+          <a:p>
+            <a:r>
+              <a:rPr lang="en-US" sz="6000" dirty="0">
+                <a:latin typeface="Montserrat Medium" panose="00000600000000000000" pitchFamily="2" charset="0"/>
+              </a:rPr>
+              <a:t>		</a:t>
+            </a:r>
+            <a:r>
+              <a:rPr lang="en-US" sz="6000" dirty="0">
+                <a:latin typeface="Bernard MT Condensed" panose="02050806060905020404" pitchFamily="18" charset="0"/>
+              </a:rPr>
+              <a:t>Backend</a:t>
+            </a:r>
+          </a:p>
+        </p:txBody>
+      </p:sp>
+      <p:pic>
+        <p:nvPicPr>
+          <p:cNvPr id="11" name="Graphic 10">
+            <a:extLst>
+              <a:ext uri="{FF2B5EF4-FFF2-40B4-BE49-F238E27FC236}">
+                <a16:creationId xmlns:a16="http://schemas.microsoft.com/office/drawing/2014/main" id="{3E047D50-0EA6-42DA-AC4B-22E3EC459C48}"/>
+              </a:ext>
+            </a:extLst>
+          </p:cNvPr>
+          <p:cNvPicPr>
+            <a:picLocks noChangeAspect="1"/>
+          </p:cNvPicPr>
+          <p:nvPr/>
+        </p:nvPicPr>
+        <p:blipFill>
+          <a:blip r:embed="rId5">
+            <a:extLst>
+              <a:ext uri="{28A0092B-C50C-407E-A947-70E740481C1C}">
+                <a14:useLocalDpi xmlns:a14="http://schemas.microsoft.com/office/drawing/2010/main" val="0"/>
+              </a:ext>
+              <a:ext uri="{96DAC541-7B7A-43D3-8B79-37D633B846F1}">
+                <asvg:svgBlip xmlns:asvg="http://schemas.microsoft.com/office/drawing/2016/SVG/main" r:embed="rId6"/>
+              </a:ext>
+            </a:extLst>
+          </a:blip>
+          <a:stretch>
+            <a:fillRect/>
+          </a:stretch>
+        </p:blipFill>
+        <p:spPr>
+          <a:xfrm>
+            <a:off x="7111300" y="1036013"/>
+            <a:ext cx="4074754" cy="4421645"/>
+          </a:xfrm>
+          <a:prstGeom prst="rect">
+            <a:avLst/>
+          </a:prstGeom>
+        </p:spPr>
+      </p:pic>
+    </p:spTree>
+    <p:extLst>
+      <p:ext uri="{BB962C8B-B14F-4D97-AF65-F5344CB8AC3E}">
+        <p14:creationId xmlns:p14="http://schemas.microsoft.com/office/powerpoint/2010/main" val="3333244314"/>
+      </p:ext>
+    </p:extLst>
+  </p:cSld>
+  <p:clrMapOvr>
+    <a:masterClrMapping/>
+  </p:clrMapOvr>
+</p:sld>
+</file>
+
+<file path=ppt/slides/slide13.xml><?xml version="1.0" encoding="utf-8"?>
+<p:sld xmlns:a="http://schemas.openxmlformats.org/drawingml/2006/main" xmlns:r="http://schemas.openxmlformats.org/officeDocument/2006/relationships" xmlns:p="http://schemas.openxmlformats.org/presentationml/2006/main">
+  <p:cSld>
+    <p:spTree>
+      <p:nvGrpSpPr>
+        <p:cNvPr id="1" name=""/>
+        <p:cNvGrpSpPr/>
+        <p:nvPr/>
+      </p:nvGrpSpPr>
+      <p:grpSpPr>
+        <a:xfrm>
+          <a:off x="0" y="0"/>
+          <a:ext cx="0" cy="0"/>
+          <a:chOff x="0" y="0"/>
+          <a:chExt cx="0" cy="0"/>
+        </a:xfrm>
+      </p:grpSpPr>
+      <p:sp>
+        <p:nvSpPr>
+          <p:cNvPr id="2" name="Title 1">
+            <a:extLst>
+              <a:ext uri="{FF2B5EF4-FFF2-40B4-BE49-F238E27FC236}">
+                <a16:creationId xmlns:a16="http://schemas.microsoft.com/office/drawing/2014/main" id="{C1B6E9E4-27A2-445E-BC90-FC0C4009DD5D}"/>
+              </a:ext>
+            </a:extLst>
+          </p:cNvPr>
+          <p:cNvSpPr>
+            <a:spLocks noGrp="1"/>
+          </p:cNvSpPr>
+          <p:nvPr>
+            <p:ph type="title"/>
+          </p:nvPr>
+        </p:nvSpPr>
+        <p:spPr>
+          <a:xfrm>
+            <a:off x="502920" y="283845"/>
+            <a:ext cx="10515600" cy="1325563"/>
+          </a:xfrm>
+        </p:spPr>
+        <p:txBody>
+          <a:bodyPr>
+            <a:normAutofit/>
+          </a:bodyPr>
+          <a:lstStyle/>
+          <a:p>
+            <a:r>
+              <a:rPr lang="en-US" sz="4800" dirty="0">
+                <a:latin typeface="Montserrat Medium" panose="00000600000000000000" pitchFamily="2" charset="0"/>
+              </a:rPr>
+              <a:t>Artificial Intelligence</a:t>
+            </a:r>
+          </a:p>
+        </p:txBody>
+      </p:sp>
+      <p:sp>
+        <p:nvSpPr>
+          <p:cNvPr id="4" name="TextBox 3">
+            <a:extLst>
+              <a:ext uri="{FF2B5EF4-FFF2-40B4-BE49-F238E27FC236}">
+                <a16:creationId xmlns:a16="http://schemas.microsoft.com/office/drawing/2014/main" id="{51D20D88-F633-4505-BBF5-6D554E2DCB7B}"/>
+              </a:ext>
+            </a:extLst>
+          </p:cNvPr>
+          <p:cNvSpPr txBox="1"/>
+          <p:nvPr/>
+        </p:nvSpPr>
+        <p:spPr>
+          <a:xfrm>
+            <a:off x="697403" y="1406208"/>
+            <a:ext cx="6893561" cy="5909310"/>
+          </a:xfrm>
+          <a:prstGeom prst="rect">
+            <a:avLst/>
+          </a:prstGeom>
+          <a:noFill/>
+        </p:spPr>
+        <p:txBody>
+          <a:bodyPr wrap="square" rtlCol="0">
+            <a:spAutoFit/>
+          </a:bodyPr>
+          <a:lstStyle/>
+          <a:p>
+            <a:pPr marL="457200" indent="-457200">
+              <a:lnSpc>
+                <a:spcPct val="150000"/>
+              </a:lnSpc>
+              <a:buFont typeface="Arial" panose="020B0604020202020204" pitchFamily="34" charset="0"/>
+              <a:buChar char="•"/>
+            </a:pPr>
+            <a:r>
+              <a:rPr lang="en-US" sz="2800" dirty="0">
+                <a:latin typeface="Montserrat Medium" panose="00000600000000000000" pitchFamily="2" charset="0"/>
+              </a:rPr>
+              <a:t>Trained using multinomial naïve bayes (MNB)</a:t>
+            </a:r>
+          </a:p>
+          <a:p>
+            <a:pPr marL="457200" indent="-457200">
+              <a:lnSpc>
+                <a:spcPct val="150000"/>
+              </a:lnSpc>
+              <a:buFont typeface="Arial" panose="020B0604020202020204" pitchFamily="34" charset="0"/>
+              <a:buChar char="•"/>
+            </a:pPr>
+            <a:r>
+              <a:rPr lang="en-US" sz="2800" dirty="0">
+                <a:latin typeface="Montserrat Medium" panose="00000600000000000000" pitchFamily="2" charset="0"/>
+              </a:rPr>
+              <a:t>Computes financial advice from  situation and goals</a:t>
+            </a:r>
+          </a:p>
+          <a:p>
+            <a:pPr marL="457200" indent="-457200">
+              <a:lnSpc>
+                <a:spcPct val="150000"/>
+              </a:lnSpc>
+              <a:buFont typeface="Arial" panose="020B0604020202020204" pitchFamily="34" charset="0"/>
+              <a:buChar char="•"/>
+            </a:pPr>
+            <a:r>
+              <a:rPr lang="en-US" sz="2800" dirty="0">
+                <a:latin typeface="Montserrat Medium" panose="00000600000000000000" pitchFamily="2" charset="0"/>
+              </a:rPr>
+              <a:t>Supervised machine learning model</a:t>
+            </a:r>
+          </a:p>
+          <a:p>
+            <a:pPr marL="457200" indent="-457200">
+              <a:lnSpc>
+                <a:spcPct val="150000"/>
+              </a:lnSpc>
+              <a:buFont typeface="Arial" panose="020B0604020202020204" pitchFamily="34" charset="0"/>
+              <a:buChar char="•"/>
+            </a:pPr>
+            <a:r>
+              <a:rPr lang="en-US" sz="2800" dirty="0">
+                <a:latin typeface="Montserrat Medium" panose="00000600000000000000" pitchFamily="2" charset="0"/>
+              </a:rPr>
+              <a:t>Enriched from market research and multiple data sources</a:t>
+            </a:r>
+          </a:p>
+          <a:p>
+            <a:pPr marL="457200" indent="-457200">
+              <a:buFont typeface="Arial" panose="020B0604020202020204" pitchFamily="34" charset="0"/>
+              <a:buChar char="•"/>
+            </a:pPr>
+            <a:endParaRPr lang="en-US" sz="2800" dirty="0">
+              <a:latin typeface="Montserrat Medium" panose="00000600000000000000"/>
+            </a:endParaRPr>
+          </a:p>
+          <a:p>
+            <a:endParaRPr lang="en-US" sz="2800" dirty="0">
+              <a:latin typeface="Montserrat Medium" panose="00000600000000000000"/>
+            </a:endParaRPr>
+          </a:p>
+          <a:p>
+            <a:pPr marL="457200" indent="-457200">
+              <a:buFont typeface="Arial" panose="020B0604020202020204" pitchFamily="34" charset="0"/>
+              <a:buChar char="•"/>
+            </a:pPr>
+            <a:endParaRPr lang="en-US" sz="2800" dirty="0">
+              <a:latin typeface="Montserrat Medium" panose="00000600000000000000"/>
+            </a:endParaRPr>
+          </a:p>
+        </p:txBody>
+      </p:sp>
+      <p:pic>
+        <p:nvPicPr>
+          <p:cNvPr id="6" name="Picture 5" descr="A picture containing text&#10;&#10;Description automatically generated">
+            <a:extLst>
+              <a:ext uri="{FF2B5EF4-FFF2-40B4-BE49-F238E27FC236}">
+                <a16:creationId xmlns:a16="http://schemas.microsoft.com/office/drawing/2014/main" id="{CD26C2BB-D12E-4A66-9CF2-ED20EE53BCD4}"/>
+              </a:ext>
+            </a:extLst>
+          </p:cNvPr>
+          <p:cNvPicPr>
+            <a:picLocks noChangeAspect="1"/>
+          </p:cNvPicPr>
+          <p:nvPr/>
+        </p:nvPicPr>
+        <p:blipFill>
+          <a:blip r:embed="rId3">
+            <a:extLst>
+              <a:ext uri="{28A0092B-C50C-407E-A947-70E740481C1C}">
+                <a14:useLocalDpi xmlns:a14="http://schemas.microsoft.com/office/drawing/2010/main" val="0"/>
+              </a:ext>
+            </a:extLst>
+          </a:blip>
+          <a:stretch>
+            <a:fillRect/>
+          </a:stretch>
+        </p:blipFill>
+        <p:spPr>
+          <a:xfrm>
+            <a:off x="7548465" y="863596"/>
+            <a:ext cx="3667747" cy="3170653"/>
+          </a:xfrm>
+          <a:prstGeom prst="rect">
+            <a:avLst/>
+          </a:prstGeom>
+        </p:spPr>
+      </p:pic>
+    </p:spTree>
+    <p:extLst>
+      <p:ext uri="{BB962C8B-B14F-4D97-AF65-F5344CB8AC3E}">
+        <p14:creationId xmlns:p14="http://schemas.microsoft.com/office/powerpoint/2010/main" val="99978515"/>
+      </p:ext>
+    </p:extLst>
+  </p:cSld>
+  <p:clrMapOvr>
+    <a:masterClrMapping/>
+  </p:clrMapOvr>
+</p:sld>
+</file>
+
+<file path=ppt/slides/slide14.xml><?xml version="1.0" encoding="utf-8"?>
+<p:sld xmlns:a="http://schemas.openxmlformats.org/drawingml/2006/main" xmlns:r="http://schemas.openxmlformats.org/officeDocument/2006/relationships" xmlns:p="http://schemas.openxmlformats.org/presentationml/2006/main">
+  <p:cSld>
+    <p:spTree>
+      <p:nvGrpSpPr>
+        <p:cNvPr id="1" name=""/>
+        <p:cNvGrpSpPr/>
+        <p:nvPr/>
+      </p:nvGrpSpPr>
+      <p:grpSpPr>
+        <a:xfrm>
+          <a:off x="0" y="0"/>
+          <a:ext cx="0" cy="0"/>
+          <a:chOff x="0" y="0"/>
+          <a:chExt cx="0" cy="0"/>
+        </a:xfrm>
+      </p:grpSpPr>
+      <p:sp>
+        <p:nvSpPr>
+          <p:cNvPr id="2" name="Title 1">
+            <a:extLst>
+              <a:ext uri="{FF2B5EF4-FFF2-40B4-BE49-F238E27FC236}">
+                <a16:creationId xmlns:a16="http://schemas.microsoft.com/office/drawing/2014/main" id="{D0A0B50C-58BF-440A-9C20-A4F4BA1617C0}"/>
+              </a:ext>
+            </a:extLst>
+          </p:cNvPr>
+          <p:cNvSpPr>
+            <a:spLocks noGrp="1"/>
+          </p:cNvSpPr>
+          <p:nvPr>
+            <p:ph type="title"/>
+          </p:nvPr>
+        </p:nvSpPr>
+        <p:spPr/>
+        <p:txBody>
+          <a:bodyPr>
+            <a:normAutofit/>
+          </a:bodyPr>
+          <a:lstStyle/>
+          <a:p>
+            <a:r>
+              <a:rPr lang="en-US" sz="4800" dirty="0">
+                <a:latin typeface="Montserrat Medium" panose="00000600000000000000" pitchFamily="2" charset="0"/>
+              </a:rPr>
+              <a:t>Deployment</a:t>
+            </a:r>
+          </a:p>
+        </p:txBody>
+      </p:sp>
+      <p:sp>
+        <p:nvSpPr>
+          <p:cNvPr id="3" name="Content Placeholder 2">
+            <a:extLst>
+              <a:ext uri="{FF2B5EF4-FFF2-40B4-BE49-F238E27FC236}">
+                <a16:creationId xmlns:a16="http://schemas.microsoft.com/office/drawing/2014/main" id="{2008D8D7-C9F8-4E85-8CC7-046D7ECCEB48}"/>
+              </a:ext>
+            </a:extLst>
+          </p:cNvPr>
+          <p:cNvSpPr>
+            <a:spLocks noGrp="1"/>
+          </p:cNvSpPr>
+          <p:nvPr>
+            <p:ph idx="1"/>
+          </p:nvPr>
+        </p:nvSpPr>
+        <p:spPr>
+          <a:xfrm>
+            <a:off x="838201" y="1825625"/>
+            <a:ext cx="5257800" cy="4351338"/>
+          </a:xfrm>
+        </p:spPr>
+        <p:txBody>
+          <a:bodyPr/>
+          <a:lstStyle/>
+          <a:p>
+            <a:pPr marL="457200" indent="-457200">
+              <a:lnSpc>
+                <a:spcPct val="150000"/>
+              </a:lnSpc>
+            </a:pPr>
+            <a:r>
+              <a:rPr lang="en-US" dirty="0">
+                <a:latin typeface="Montserrat Medium" panose="00000600000000000000" pitchFamily="2" charset="0"/>
+              </a:rPr>
+              <a:t>Heroku used for deployment of server</a:t>
+            </a:r>
+          </a:p>
+          <a:p>
+            <a:pPr marL="457200" indent="-457200">
+              <a:lnSpc>
+                <a:spcPct val="150000"/>
+              </a:lnSpc>
+            </a:pPr>
+            <a:r>
+              <a:rPr lang="en-US" dirty="0">
+                <a:latin typeface="Montserrat Medium" panose="00000600000000000000" pitchFamily="2" charset="0"/>
+              </a:rPr>
+              <a:t>Proprietary API used to interface between web application and AI</a:t>
+            </a:r>
+          </a:p>
+          <a:p>
+            <a:endParaRPr lang="en-US" dirty="0">
+              <a:latin typeface="Montserrat Medium" panose="00000600000000000000"/>
+            </a:endParaRPr>
+          </a:p>
+          <a:p>
+            <a:endParaRPr lang="en-US" dirty="0">
+              <a:latin typeface="Montserrat Medium" panose="00000600000000000000"/>
+            </a:endParaRPr>
+          </a:p>
+        </p:txBody>
+      </p:sp>
+      <p:pic>
+        <p:nvPicPr>
+          <p:cNvPr id="5" name="Picture 4">
+            <a:extLst>
+              <a:ext uri="{FF2B5EF4-FFF2-40B4-BE49-F238E27FC236}">
+                <a16:creationId xmlns:a16="http://schemas.microsoft.com/office/drawing/2014/main" id="{DF5420AF-8D96-4BF8-8814-675B7EB40C13}"/>
+              </a:ext>
+            </a:extLst>
+          </p:cNvPr>
+          <p:cNvPicPr>
+            <a:picLocks noChangeAspect="1"/>
+          </p:cNvPicPr>
+          <p:nvPr/>
+        </p:nvPicPr>
+        <p:blipFill>
+          <a:blip r:embed="rId3"/>
+          <a:stretch>
+            <a:fillRect/>
+          </a:stretch>
+        </p:blipFill>
+        <p:spPr>
+          <a:xfrm>
+            <a:off x="6234023" y="884281"/>
+            <a:ext cx="5382883" cy="5089438"/>
+          </a:xfrm>
+          <a:prstGeom prst="rect">
+            <a:avLst/>
+          </a:prstGeom>
+        </p:spPr>
+      </p:pic>
+    </p:spTree>
+    <p:extLst>
+      <p:ext uri="{BB962C8B-B14F-4D97-AF65-F5344CB8AC3E}">
+        <p14:creationId xmlns:p14="http://schemas.microsoft.com/office/powerpoint/2010/main" val="1046501180"/>
+      </p:ext>
+    </p:extLst>
+  </p:cSld>
+  <p:clrMapOvr>
+    <a:masterClrMapping/>
+  </p:clrMapOvr>
+</p:sld>
+</file>
+
+<file path=ppt/slides/slide15.xml><?xml version="1.0" encoding="utf-8"?>
+<p:sld xmlns:a="http://schemas.openxmlformats.org/drawingml/2006/main" xmlns:r="http://schemas.openxmlformats.org/officeDocument/2006/relationships" xmlns:p="http://schemas.openxmlformats.org/presentationml/2006/main">
+  <p:cSld>
+    <p:spTree>
+      <p:nvGrpSpPr>
+        <p:cNvPr id="1" name=""/>
+        <p:cNvGrpSpPr/>
+        <p:nvPr/>
+      </p:nvGrpSpPr>
+      <p:grpSpPr>
+        <a:xfrm>
+          <a:off x="0" y="0"/>
+          <a:ext cx="0" cy="0"/>
+          <a:chOff x="0" y="0"/>
+          <a:chExt cx="0" cy="0"/>
+        </a:xfrm>
+      </p:grpSpPr>
+      <p:pic>
+        <p:nvPicPr>
+          <p:cNvPr id="5" name="Picture 4">
+            <a:extLst>
+              <a:ext uri="{FF2B5EF4-FFF2-40B4-BE49-F238E27FC236}">
+                <a16:creationId xmlns:a16="http://schemas.microsoft.com/office/drawing/2014/main" id="{46D2961F-0396-40BE-ACE8-6B44CB528533}"/>
+              </a:ext>
+            </a:extLst>
+          </p:cNvPr>
+          <p:cNvPicPr>
+            <a:picLocks noChangeAspect="1"/>
+          </p:cNvPicPr>
+          <p:nvPr/>
+        </p:nvPicPr>
+        <p:blipFill rotWithShape="1">
+          <a:blip r:embed="rId3"/>
+          <a:srcRect b="35094"/>
+          <a:stretch/>
+        </p:blipFill>
+        <p:spPr>
+          <a:xfrm>
+            <a:off x="540588" y="3739551"/>
+            <a:ext cx="6257027" cy="2345536"/>
+          </a:xfrm>
+          <a:prstGeom prst="rect">
+            <a:avLst/>
+          </a:prstGeom>
+        </p:spPr>
+      </p:pic>
+      <p:pic>
+        <p:nvPicPr>
+          <p:cNvPr id="7" name="Picture 6">
+            <a:extLst>
+              <a:ext uri="{FF2B5EF4-FFF2-40B4-BE49-F238E27FC236}">
+                <a16:creationId xmlns:a16="http://schemas.microsoft.com/office/drawing/2014/main" id="{F93D4B2D-1091-4346-AE13-25C30DD47CA0}"/>
+              </a:ext>
+            </a:extLst>
+          </p:cNvPr>
+          <p:cNvPicPr>
+            <a:picLocks noChangeAspect="1"/>
+          </p:cNvPicPr>
+          <p:nvPr/>
+        </p:nvPicPr>
+        <p:blipFill>
+          <a:blip r:embed="rId4"/>
+          <a:stretch>
+            <a:fillRect/>
+          </a:stretch>
+        </p:blipFill>
+        <p:spPr>
+          <a:xfrm>
+            <a:off x="540588" y="585505"/>
+            <a:ext cx="6257027" cy="3156586"/>
+          </a:xfrm>
+          <a:prstGeom prst="rect">
+            <a:avLst/>
+          </a:prstGeom>
+        </p:spPr>
+      </p:pic>
+      <p:pic>
+        <p:nvPicPr>
+          <p:cNvPr id="9" name="Picture 8">
+            <a:extLst>
+              <a:ext uri="{FF2B5EF4-FFF2-40B4-BE49-F238E27FC236}">
+                <a16:creationId xmlns:a16="http://schemas.microsoft.com/office/drawing/2014/main" id="{A2EAC904-B01B-42C6-80C5-4D4AE9B831D3}"/>
+              </a:ext>
+            </a:extLst>
+          </p:cNvPr>
+          <p:cNvPicPr>
+            <a:picLocks noChangeAspect="1"/>
+          </p:cNvPicPr>
+          <p:nvPr/>
+        </p:nvPicPr>
+        <p:blipFill>
+          <a:blip r:embed="rId5"/>
+          <a:stretch>
+            <a:fillRect/>
+          </a:stretch>
+        </p:blipFill>
+        <p:spPr>
+          <a:xfrm>
+            <a:off x="7061022" y="480203"/>
+            <a:ext cx="4590390" cy="5552536"/>
+          </a:xfrm>
+          <a:prstGeom prst="rect">
+            <a:avLst/>
+          </a:prstGeom>
+        </p:spPr>
+      </p:pic>
+    </p:spTree>
+    <p:extLst>
+      <p:ext uri="{BB962C8B-B14F-4D97-AF65-F5344CB8AC3E}">
+        <p14:creationId xmlns:p14="http://schemas.microsoft.com/office/powerpoint/2010/main" val="3969886604"/>
+      </p:ext>
+    </p:extLst>
+  </p:cSld>
+  <p:clrMapOvr>
+    <a:masterClrMapping/>
+  </p:clrMapOvr>
+</p:sld>
+</file>
+
+<file path=ppt/slides/slide16.xml><?xml version="1.0" encoding="utf-8"?>
+<p:sld xmlns:a="http://schemas.openxmlformats.org/drawingml/2006/main" xmlns:r="http://schemas.openxmlformats.org/officeDocument/2006/relationships" xmlns:p="http://schemas.openxmlformats.org/presentationml/2006/main">
+  <p:cSld>
+    <p:spTree>
+      <p:nvGrpSpPr>
+        <p:cNvPr id="1" name=""/>
+        <p:cNvGrpSpPr/>
+        <p:nvPr/>
+      </p:nvGrpSpPr>
+      <p:grpSpPr>
+        <a:xfrm>
+          <a:off x="0" y="0"/>
+          <a:ext cx="0" cy="0"/>
+          <a:chOff x="0" y="0"/>
+          <a:chExt cx="0" cy="0"/>
+        </a:xfrm>
+      </p:grpSpPr>
+      <p:sp>
+        <p:nvSpPr>
+          <p:cNvPr id="4" name="Content Placeholder 2">
+            <a:extLst>
+              <a:ext uri="{FF2B5EF4-FFF2-40B4-BE49-F238E27FC236}">
+                <a16:creationId xmlns:a16="http://schemas.microsoft.com/office/drawing/2014/main" id="{C570AB4A-9378-4F4F-9FDA-F0F7F18B6F64}"/>
+              </a:ext>
+            </a:extLst>
+          </p:cNvPr>
+          <p:cNvSpPr txBox="1">
+            <a:spLocks/>
+          </p:cNvSpPr>
+          <p:nvPr/>
+        </p:nvSpPr>
+        <p:spPr>
+          <a:xfrm>
+            <a:off x="990598" y="2004385"/>
+            <a:ext cx="10885099" cy="3619856"/>
+          </a:xfrm>
+          <a:prstGeom prst="rect">
+            <a:avLst/>
+          </a:prstGeom>
+        </p:spPr>
+        <p:txBody>
+          <a:bodyPr vert="horz" lIns="91440" tIns="45720" rIns="91440" bIns="45720" rtlCol="0">
+            <a:normAutofit/>
+          </a:bodyPr>
+          <a:lstStyle>
+            <a:lvl1pPr marL="228600" indent="-228600" algn="l" defTabSz="914400" rtl="0" eaLnBrk="1" latinLnBrk="0" hangingPunct="1">
+              <a:lnSpc>
+                <a:spcPct val="90000"/>
+              </a:lnSpc>
+              <a:spcBef>
+                <a:spcPts val="1000"/>
+              </a:spcBef>
+              <a:buFont typeface="Arial" panose="020B0604020202020204" pitchFamily="34" charset="0"/>
+              <a:buChar char="•"/>
+              <a:defRPr sz="2800" kern="1200">
+                <a:solidFill>
+                  <a:schemeClr val="tx1"/>
+                </a:solidFill>
+                <a:latin typeface="+mn-lt"/>
+                <a:ea typeface="+mn-ea"/>
+                <a:cs typeface="+mn-cs"/>
+              </a:defRPr>
+            </a:lvl1pPr>
+            <a:lvl2pPr marL="685800" indent="-228600" algn="l" defTabSz="914400" rtl="0" eaLnBrk="1" latinLnBrk="0" hangingPunct="1">
+              <a:lnSpc>
+                <a:spcPct val="90000"/>
+              </a:lnSpc>
+              <a:spcBef>
+                <a:spcPts val="500"/>
+              </a:spcBef>
+              <a:buFont typeface="Arial" panose="020B0604020202020204" pitchFamily="34" charset="0"/>
+              <a:buChar char="•"/>
+              <a:defRPr sz="2400" kern="1200">
+                <a:solidFill>
+                  <a:schemeClr val="tx1"/>
+                </a:solidFill>
+                <a:latin typeface="+mn-lt"/>
+                <a:ea typeface="+mn-ea"/>
+                <a:cs typeface="+mn-cs"/>
+              </a:defRPr>
+            </a:lvl2pPr>
+            <a:lvl3pPr marL="1143000" indent="-228600" algn="l" defTabSz="914400" rtl="0" eaLnBrk="1" latinLnBrk="0" hangingPunct="1">
+              <a:lnSpc>
+                <a:spcPct val="90000"/>
+              </a:lnSpc>
+              <a:spcBef>
+                <a:spcPts val="500"/>
+              </a:spcBef>
+              <a:buFont typeface="Arial" panose="020B0604020202020204" pitchFamily="34" charset="0"/>
+              <a:buChar char="•"/>
+              <a:defRPr sz="2000" kern="1200">
+                <a:solidFill>
+                  <a:schemeClr val="tx1"/>
+                </a:solidFill>
+                <a:latin typeface="+mn-lt"/>
+                <a:ea typeface="+mn-ea"/>
+                <a:cs typeface="+mn-cs"/>
+              </a:defRPr>
+            </a:lvl3pPr>
+            <a:lvl4pPr marL="1600200" indent="-228600" algn="l" defTabSz="914400" rtl="0" eaLnBrk="1" latinLnBrk="0" hangingPunct="1">
+              <a:lnSpc>
+                <a:spcPct val="90000"/>
+              </a:lnSpc>
+              <a:spcBef>
+                <a:spcPts val="500"/>
+              </a:spcBef>
+              <a:buFont typeface="Arial" panose="020B0604020202020204" pitchFamily="34" charset="0"/>
+              <a:buChar char="•"/>
+              <a:defRPr sz="1800" kern="1200">
+                <a:solidFill>
+                  <a:schemeClr val="tx1"/>
+                </a:solidFill>
+                <a:latin typeface="+mn-lt"/>
+                <a:ea typeface="+mn-ea"/>
+                <a:cs typeface="+mn-cs"/>
+              </a:defRPr>
+            </a:lvl4pPr>
+            <a:lvl5pPr marL="2057400" indent="-228600" algn="l" defTabSz="914400" rtl="0" eaLnBrk="1" latinLnBrk="0" hangingPunct="1">
+              <a:lnSpc>
+                <a:spcPct val="90000"/>
+              </a:lnSpc>
+              <a:spcBef>
+                <a:spcPts val="500"/>
+              </a:spcBef>
+              <a:buFont typeface="Arial" panose="020B0604020202020204" pitchFamily="34" charset="0"/>
+              <a:buChar char="•"/>
+              <a:defRPr sz="1800" kern="1200">
+                <a:solidFill>
+                  <a:schemeClr val="tx1"/>
+                </a:solidFill>
+                <a:latin typeface="+mn-lt"/>
+                <a:ea typeface="+mn-ea"/>
+                <a:cs typeface="+mn-cs"/>
+              </a:defRPr>
+            </a:lvl5pPr>
+            <a:lvl6pPr marL="2514600" indent="-228600" algn="l" defTabSz="914400" rtl="0" eaLnBrk="1" latinLnBrk="0" hangingPunct="1">
+              <a:lnSpc>
+                <a:spcPct val="90000"/>
+              </a:lnSpc>
+              <a:spcBef>
+                <a:spcPts val="500"/>
+              </a:spcBef>
+              <a:buFont typeface="Arial" panose="020B0604020202020204" pitchFamily="34" charset="0"/>
+              <a:buChar char="•"/>
+              <a:defRPr sz="1800" kern="1200">
+                <a:solidFill>
+                  <a:schemeClr val="tx1"/>
+                </a:solidFill>
+                <a:latin typeface="+mn-lt"/>
+                <a:ea typeface="+mn-ea"/>
+                <a:cs typeface="+mn-cs"/>
+              </a:defRPr>
+            </a:lvl6pPr>
+            <a:lvl7pPr marL="2971800" indent="-228600" algn="l" defTabSz="914400" rtl="0" eaLnBrk="1" latinLnBrk="0" hangingPunct="1">
+              <a:lnSpc>
+                <a:spcPct val="90000"/>
+              </a:lnSpc>
+              <a:spcBef>
+                <a:spcPts val="500"/>
+              </a:spcBef>
+              <a:buFont typeface="Arial" panose="020B0604020202020204" pitchFamily="34" charset="0"/>
+              <a:buChar char="•"/>
+              <a:defRPr sz="1800" kern="1200">
+                <a:solidFill>
+                  <a:schemeClr val="tx1"/>
+                </a:solidFill>
+                <a:latin typeface="+mn-lt"/>
+                <a:ea typeface="+mn-ea"/>
+                <a:cs typeface="+mn-cs"/>
+              </a:defRPr>
+            </a:lvl7pPr>
+            <a:lvl8pPr marL="3429000" indent="-228600" algn="l" defTabSz="914400" rtl="0" eaLnBrk="1" latinLnBrk="0" hangingPunct="1">
+              <a:lnSpc>
+                <a:spcPct val="90000"/>
+              </a:lnSpc>
+              <a:spcBef>
+                <a:spcPts val="500"/>
+              </a:spcBef>
+              <a:buFont typeface="Arial" panose="020B0604020202020204" pitchFamily="34" charset="0"/>
+              <a:buChar char="•"/>
+              <a:defRPr sz="1800" kern="1200">
+                <a:solidFill>
+                  <a:schemeClr val="tx1"/>
+                </a:solidFill>
+                <a:latin typeface="+mn-lt"/>
+                <a:ea typeface="+mn-ea"/>
+                <a:cs typeface="+mn-cs"/>
+              </a:defRPr>
+            </a:lvl8pPr>
+            <a:lvl9pPr marL="3886200" indent="-228600" algn="l" defTabSz="914400" rtl="0" eaLnBrk="1" latinLnBrk="0" hangingPunct="1">
+              <a:lnSpc>
+                <a:spcPct val="90000"/>
+              </a:lnSpc>
+              <a:spcBef>
+                <a:spcPts val="500"/>
+              </a:spcBef>
+              <a:buFont typeface="Arial" panose="020B0604020202020204" pitchFamily="34" charset="0"/>
+              <a:buChar char="•"/>
+              <a:defRPr sz="1800" kern="1200">
+                <a:solidFill>
+                  <a:schemeClr val="tx1"/>
+                </a:solidFill>
+                <a:latin typeface="+mn-lt"/>
+                <a:ea typeface="+mn-ea"/>
+                <a:cs typeface="+mn-cs"/>
+              </a:defRPr>
+            </a:lvl9pPr>
+          </a:lstStyle>
+          <a:p>
+            <a:r>
+              <a:rPr lang="en-US" dirty="0"/>
+              <a:t>HHINC 		household income</a:t>
+            </a:r>
+          </a:p>
+          <a:p>
+            <a:r>
+              <a:rPr lang="en-US" dirty="0"/>
+              <a:t>FINC_FIN 		financial assistance (y/n)</a:t>
+            </a:r>
+          </a:p>
+          <a:p>
+            <a:r>
+              <a:rPr lang="en-US" dirty="0"/>
+              <a:t>HPRES_MORT 	presence of home mortgage (y/n)	</a:t>
+            </a:r>
+          </a:p>
+          <a:p>
+            <a:r>
+              <a:rPr lang="en-US" dirty="0"/>
+              <a:t>HDIV_YN 		owning shares of stock or mutual fund (y/n)</a:t>
+            </a:r>
+          </a:p>
+          <a:p>
+            <a:r>
+              <a:rPr lang="en-US" dirty="0"/>
+              <a:t>FOWNU18 	# of children under 18 within household</a:t>
+            </a:r>
+          </a:p>
+          <a:p>
+            <a:r>
+              <a:rPr lang="en-US" dirty="0"/>
+              <a:t>HINT_YN 		any money stored in checking or savings account (y/n)</a:t>
+            </a:r>
+          </a:p>
+          <a:p>
+            <a:r>
+              <a:rPr lang="en-US" dirty="0"/>
+              <a:t>RPP 			regional price parity</a:t>
+            </a:r>
+          </a:p>
+        </p:txBody>
+      </p:sp>
+      <p:sp>
+        <p:nvSpPr>
+          <p:cNvPr id="5" name="Title 1">
+            <a:extLst>
+              <a:ext uri="{FF2B5EF4-FFF2-40B4-BE49-F238E27FC236}">
+                <a16:creationId xmlns:a16="http://schemas.microsoft.com/office/drawing/2014/main" id="{19AFA8E1-88E1-4627-9E64-891C44D27776}"/>
+              </a:ext>
+            </a:extLst>
+          </p:cNvPr>
+          <p:cNvSpPr txBox="1">
+            <a:spLocks/>
+          </p:cNvSpPr>
+          <p:nvPr/>
+        </p:nvSpPr>
+        <p:spPr>
+          <a:xfrm>
+            <a:off x="990600" y="517525"/>
+            <a:ext cx="10515600" cy="1325563"/>
+          </a:xfrm>
+          <a:prstGeom prst="rect">
+            <a:avLst/>
+          </a:prstGeom>
+        </p:spPr>
+        <p:txBody>
+          <a:bodyPr vert="horz" lIns="91440" tIns="45720" rIns="91440" bIns="45720" rtlCol="0" anchor="ctr">
+            <a:normAutofit/>
+          </a:bodyPr>
+          <a:lstStyle>
+            <a:lvl1pPr algn="l" defTabSz="914400" rtl="0" eaLnBrk="1" latinLnBrk="0" hangingPunct="1">
+              <a:lnSpc>
+                <a:spcPct val="90000"/>
+              </a:lnSpc>
+              <a:spcBef>
+                <a:spcPct val="0"/>
+              </a:spcBef>
+              <a:buNone/>
+              <a:defRPr sz="4400" kern="1200">
+                <a:solidFill>
+                  <a:schemeClr val="tx1"/>
+                </a:solidFill>
+                <a:latin typeface="+mj-lt"/>
+                <a:ea typeface="+mj-ea"/>
+                <a:cs typeface="+mj-cs"/>
+              </a:defRPr>
+            </a:lvl1pPr>
+          </a:lstStyle>
+          <a:p>
+            <a:r>
+              <a:rPr lang="en-US" sz="4800" dirty="0">
+                <a:latin typeface="Montserrat Medium" panose="00000600000000000000" pitchFamily="2" charset="0"/>
+              </a:rPr>
+              <a:t>Parameters</a:t>
+            </a:r>
+          </a:p>
+        </p:txBody>
+      </p:sp>
+    </p:spTree>
+    <p:extLst>
+      <p:ext uri="{BB962C8B-B14F-4D97-AF65-F5344CB8AC3E}">
+        <p14:creationId xmlns:p14="http://schemas.microsoft.com/office/powerpoint/2010/main" val="2857543848"/>
+      </p:ext>
+    </p:extLst>
+  </p:cSld>
+  <p:clrMapOvr>
+    <a:masterClrMapping/>
+  </p:clrMapOvr>
+</p:sld>
+</file>
+
+<file path=ppt/slides/slide17.xml><?xml version="1.0" encoding="utf-8"?>
+<p:sld xmlns:a="http://schemas.openxmlformats.org/drawingml/2006/main" xmlns:r="http://schemas.openxmlformats.org/officeDocument/2006/relationships" xmlns:p="http://schemas.openxmlformats.org/presentationml/2006/main">
+  <p:cSld>
+    <p:spTree>
+      <p:nvGrpSpPr>
+        <p:cNvPr id="1" name=""/>
+        <p:cNvGrpSpPr/>
+        <p:nvPr/>
+      </p:nvGrpSpPr>
+      <p:grpSpPr>
+        <a:xfrm>
+          <a:off x="0" y="0"/>
+          <a:ext cx="0" cy="0"/>
+          <a:chOff x="0" y="0"/>
+          <a:chExt cx="0" cy="0"/>
+        </a:xfrm>
+      </p:grpSpPr>
+      <p:pic>
+        <p:nvPicPr>
+          <p:cNvPr id="3" name="Picture 2" descr="Table, calendar&#10;&#10;Description automatically generated">
+            <a:extLst>
+              <a:ext uri="{FF2B5EF4-FFF2-40B4-BE49-F238E27FC236}">
+                <a16:creationId xmlns:a16="http://schemas.microsoft.com/office/drawing/2014/main" id="{FE64757B-CB58-4C46-93F1-DBAE787F6CFC}"/>
+              </a:ext>
+            </a:extLst>
+          </p:cNvPr>
+          <p:cNvPicPr>
+            <a:picLocks noChangeAspect="1"/>
+          </p:cNvPicPr>
+          <p:nvPr/>
+        </p:nvPicPr>
+        <p:blipFill>
+          <a:blip r:embed="rId3">
+            <a:extLst>
+              <a:ext uri="{28A0092B-C50C-407E-A947-70E740481C1C}">
+                <a14:useLocalDpi xmlns:a14="http://schemas.microsoft.com/office/drawing/2010/main" val="0"/>
+              </a:ext>
+            </a:extLst>
+          </a:blip>
+          <a:stretch>
+            <a:fillRect/>
+          </a:stretch>
+        </p:blipFill>
+        <p:spPr>
+          <a:xfrm>
+            <a:off x="1325329" y="1321591"/>
+            <a:ext cx="9541342" cy="5030326"/>
+          </a:xfrm>
+          <a:prstGeom prst="rect">
+            <a:avLst/>
+          </a:prstGeom>
+        </p:spPr>
+      </p:pic>
+      <p:sp>
+        <p:nvSpPr>
+          <p:cNvPr id="4" name="Title 1">
+            <a:extLst>
+              <a:ext uri="{FF2B5EF4-FFF2-40B4-BE49-F238E27FC236}">
+                <a16:creationId xmlns:a16="http://schemas.microsoft.com/office/drawing/2014/main" id="{9D73B3C5-7639-43E2-B251-D92DCB71D73E}"/>
+              </a:ext>
+            </a:extLst>
+          </p:cNvPr>
+          <p:cNvSpPr>
+            <a:spLocks noGrp="1"/>
+          </p:cNvSpPr>
+          <p:nvPr>
+            <p:ph type="title"/>
+          </p:nvPr>
+        </p:nvSpPr>
+        <p:spPr>
+          <a:xfrm>
+            <a:off x="467744" y="139801"/>
+            <a:ext cx="10515600" cy="1325563"/>
+          </a:xfrm>
+        </p:spPr>
+        <p:txBody>
+          <a:bodyPr/>
+          <a:lstStyle/>
+          <a:p>
+            <a:r>
+              <a:rPr lang="en-US" sz="4400" dirty="0">
+                <a:latin typeface="Montserrat Medium" panose="00000600000000000000" pitchFamily="2" charset="0"/>
+              </a:rPr>
+              <a:t>Expected Outcomes</a:t>
+            </a:r>
+            <a:endParaRPr lang="en-US" dirty="0"/>
+          </a:p>
+        </p:txBody>
+      </p:sp>
+    </p:spTree>
+    <p:extLst>
+      <p:ext uri="{BB962C8B-B14F-4D97-AF65-F5344CB8AC3E}">
+        <p14:creationId xmlns:p14="http://schemas.microsoft.com/office/powerpoint/2010/main" val="2794194252"/>
+      </p:ext>
+    </p:extLst>
+  </p:cSld>
+  <p:clrMapOvr>
+    <a:masterClrMapping/>
+  </p:clrMapOvr>
+</p:sld>
+</file>
+
+<file path=ppt/slides/slide18.xml><?xml version="1.0" encoding="utf-8"?>
+<p:sld xmlns:a="http://schemas.openxmlformats.org/drawingml/2006/main" xmlns:r="http://schemas.openxmlformats.org/officeDocument/2006/relationships" xmlns:p="http://schemas.openxmlformats.org/presentationml/2006/main">
+  <p:cSld>
+    <p:spTree>
+      <p:nvGrpSpPr>
+        <p:cNvPr id="1" name=""/>
+        <p:cNvGrpSpPr/>
+        <p:nvPr/>
+      </p:nvGrpSpPr>
+      <p:grpSpPr>
+        <a:xfrm>
+          <a:off x="0" y="0"/>
+          <a:ext cx="0" cy="0"/>
+          <a:chOff x="0" y="0"/>
+          <a:chExt cx="0" cy="0"/>
+        </a:xfrm>
+      </p:grpSpPr>
+      <p:pic>
+        <p:nvPicPr>
+          <p:cNvPr id="5" name="Picture 4">
+            <a:extLst>
+              <a:ext uri="{FF2B5EF4-FFF2-40B4-BE49-F238E27FC236}">
+                <a16:creationId xmlns:a16="http://schemas.microsoft.com/office/drawing/2014/main" id="{9C6D6E31-5BD6-4F43-A087-2A6569DD0E57}"/>
+              </a:ext>
+            </a:extLst>
+          </p:cNvPr>
+          <p:cNvPicPr>
+            <a:picLocks noChangeAspect="1"/>
+          </p:cNvPicPr>
+          <p:nvPr/>
+        </p:nvPicPr>
+        <p:blipFill rotWithShape="1">
+          <a:blip r:embed="rId3"/>
+          <a:srcRect b="57157"/>
+          <a:stretch/>
+        </p:blipFill>
+        <p:spPr>
+          <a:xfrm>
+            <a:off x="1780062" y="2473371"/>
+            <a:ext cx="7530906" cy="2062188"/>
+          </a:xfrm>
+          <a:prstGeom prst="rect">
+            <a:avLst/>
+          </a:prstGeom>
+        </p:spPr>
+      </p:pic>
+      <p:pic>
+        <p:nvPicPr>
+          <p:cNvPr id="7" name="Picture 6">
+            <a:extLst>
+              <a:ext uri="{FF2B5EF4-FFF2-40B4-BE49-F238E27FC236}">
+                <a16:creationId xmlns:a16="http://schemas.microsoft.com/office/drawing/2014/main" id="{FC8C29F9-24CB-4AED-99F2-1A1E11C6D93F}"/>
+              </a:ext>
+            </a:extLst>
+          </p:cNvPr>
+          <p:cNvPicPr>
+            <a:picLocks noChangeAspect="1"/>
+          </p:cNvPicPr>
+          <p:nvPr/>
+        </p:nvPicPr>
+        <p:blipFill>
+          <a:blip r:embed="rId4"/>
+          <a:stretch>
+            <a:fillRect/>
+          </a:stretch>
+        </p:blipFill>
+        <p:spPr>
+          <a:xfrm>
+            <a:off x="738443" y="4890020"/>
+            <a:ext cx="11162154" cy="1664632"/>
+          </a:xfrm>
+          <a:prstGeom prst="rect">
+            <a:avLst/>
+          </a:prstGeom>
+        </p:spPr>
+      </p:pic>
+      <p:sp>
+        <p:nvSpPr>
+          <p:cNvPr id="8" name="Title 1">
+            <a:extLst>
+              <a:ext uri="{FF2B5EF4-FFF2-40B4-BE49-F238E27FC236}">
+                <a16:creationId xmlns:a16="http://schemas.microsoft.com/office/drawing/2014/main" id="{6B755CA4-9F88-45FC-9CD4-464AA528BB41}"/>
+              </a:ext>
+            </a:extLst>
+          </p:cNvPr>
+          <p:cNvSpPr txBox="1">
+            <a:spLocks/>
+          </p:cNvSpPr>
+          <p:nvPr/>
+        </p:nvSpPr>
+        <p:spPr>
+          <a:xfrm>
+            <a:off x="514923" y="774180"/>
+            <a:ext cx="7908888" cy="2387600"/>
+          </a:xfrm>
+          <a:prstGeom prst="rect">
+            <a:avLst/>
+          </a:prstGeom>
+        </p:spPr>
+        <p:txBody>
+          <a:bodyPr vert="horz" lIns="91440" tIns="45720" rIns="91440" bIns="45720" rtlCol="0" anchor="ctr">
+            <a:normAutofit/>
+          </a:bodyPr>
+          <a:lstStyle>
+            <a:lvl1pPr algn="l" defTabSz="914400" rtl="0" eaLnBrk="1" latinLnBrk="0" hangingPunct="1">
+              <a:lnSpc>
+                <a:spcPct val="90000"/>
+              </a:lnSpc>
+              <a:spcBef>
+                <a:spcPct val="0"/>
+              </a:spcBef>
+              <a:buNone/>
+              <a:defRPr sz="4400" kern="1200">
+                <a:solidFill>
+                  <a:schemeClr val="tx1"/>
+                </a:solidFill>
+                <a:latin typeface="+mj-lt"/>
+                <a:ea typeface="+mj-ea"/>
+                <a:cs typeface="+mj-cs"/>
+              </a:defRPr>
+            </a:lvl1pPr>
+          </a:lstStyle>
+          <a:p>
+            <a:r>
+              <a:rPr lang="en-US" sz="3200" dirty="0">
+                <a:latin typeface="Montserrat Medium" panose="00000600000000000000" pitchFamily="2" charset="0"/>
+              </a:rPr>
+              <a:t>Total Data Used to Train AI: 91,052</a:t>
+            </a:r>
+          </a:p>
+        </p:txBody>
+      </p:sp>
+      <p:sp>
+        <p:nvSpPr>
+          <p:cNvPr id="6" name="Title 1">
+            <a:extLst>
+              <a:ext uri="{FF2B5EF4-FFF2-40B4-BE49-F238E27FC236}">
+                <a16:creationId xmlns:a16="http://schemas.microsoft.com/office/drawing/2014/main" id="{D4343CC3-49A3-4781-8593-52B6B8AAAC5F}"/>
+              </a:ext>
+            </a:extLst>
+          </p:cNvPr>
+          <p:cNvSpPr>
+            <a:spLocks noGrp="1"/>
+          </p:cNvSpPr>
+          <p:nvPr>
+            <p:ph type="title"/>
+          </p:nvPr>
+        </p:nvSpPr>
+        <p:spPr>
+          <a:xfrm>
+            <a:off x="514923" y="144497"/>
+            <a:ext cx="10515600" cy="1325563"/>
+          </a:xfrm>
+        </p:spPr>
+        <p:txBody>
+          <a:bodyPr/>
+          <a:lstStyle/>
+          <a:p>
+            <a:r>
+              <a:rPr lang="en-US" dirty="0">
+                <a:latin typeface="Montserrat Medium" panose="00000600000000000000" pitchFamily="2" charset="0"/>
+              </a:rPr>
+              <a:t>Data Training</a:t>
+            </a:r>
+            <a:endParaRPr lang="en-US" dirty="0"/>
+          </a:p>
+        </p:txBody>
+      </p:sp>
+    </p:spTree>
+    <p:extLst>
+      <p:ext uri="{BB962C8B-B14F-4D97-AF65-F5344CB8AC3E}">
+        <p14:creationId xmlns:p14="http://schemas.microsoft.com/office/powerpoint/2010/main" val="554503883"/>
+      </p:ext>
+    </p:extLst>
+  </p:cSld>
+  <p:clrMapOvr>
+    <a:masterClrMapping/>
+  </p:clrMapOvr>
+</p:sld>
+</file>
+
+<file path=ppt/slides/slide19.xml><?xml version="1.0" encoding="utf-8"?>
+<p:sld xmlns:a="http://schemas.openxmlformats.org/drawingml/2006/main" xmlns:r="http://schemas.openxmlformats.org/officeDocument/2006/relationships" xmlns:p="http://schemas.openxmlformats.org/presentationml/2006/main">
+  <p:cSld>
+    <p:spTree>
+      <p:nvGrpSpPr>
+        <p:cNvPr id="1" name=""/>
+        <p:cNvGrpSpPr/>
+        <p:nvPr/>
+      </p:nvGrpSpPr>
+      <p:grpSpPr>
+        <a:xfrm>
+          <a:off x="0" y="0"/>
+          <a:ext cx="0" cy="0"/>
+          <a:chOff x="0" y="0"/>
+          <a:chExt cx="0" cy="0"/>
+        </a:xfrm>
+      </p:grpSpPr>
+      <p:sp>
+        <p:nvSpPr>
+          <p:cNvPr id="2" name="Title 1">
+            <a:extLst>
+              <a:ext uri="{FF2B5EF4-FFF2-40B4-BE49-F238E27FC236}">
+                <a16:creationId xmlns:a16="http://schemas.microsoft.com/office/drawing/2014/main" id="{AF0A19B5-8E0C-42A8-A659-5266BB8DB69E}"/>
+              </a:ext>
+            </a:extLst>
+          </p:cNvPr>
+          <p:cNvSpPr>
+            <a:spLocks noGrp="1"/>
+          </p:cNvSpPr>
+          <p:nvPr>
+            <p:ph type="title"/>
+          </p:nvPr>
+        </p:nvSpPr>
+        <p:spPr/>
+        <p:txBody>
+          <a:bodyPr/>
+          <a:lstStyle/>
+          <a:p>
+            <a:r>
+              <a:rPr lang="en-US" dirty="0">
+                <a:latin typeface="Montserrat Medium" panose="00000600000000000000" pitchFamily="2" charset="0"/>
+              </a:rPr>
+              <a:t>Data Collection</a:t>
+            </a:r>
+            <a:endParaRPr lang="en-US" dirty="0"/>
+          </a:p>
+        </p:txBody>
+      </p:sp>
+      <p:sp>
+        <p:nvSpPr>
+          <p:cNvPr id="3" name="Content Placeholder 2">
+            <a:extLst>
+              <a:ext uri="{FF2B5EF4-FFF2-40B4-BE49-F238E27FC236}">
+                <a16:creationId xmlns:a16="http://schemas.microsoft.com/office/drawing/2014/main" id="{FEDDF6CB-2DE2-4CDE-AFE1-131A7E0C6E45}"/>
+              </a:ext>
+            </a:extLst>
+          </p:cNvPr>
+          <p:cNvSpPr>
+            <a:spLocks noGrp="1"/>
+          </p:cNvSpPr>
+          <p:nvPr>
+            <p:ph idx="1"/>
+          </p:nvPr>
+        </p:nvSpPr>
+        <p:spPr/>
+        <p:txBody>
+          <a:bodyPr>
+            <a:normAutofit lnSpcReduction="10000"/>
+          </a:bodyPr>
+          <a:lstStyle/>
+          <a:p>
+            <a:r>
+              <a:rPr lang="en-US" dirty="0">
+                <a:hlinkClick r:id="rId3"/>
+              </a:rPr>
+              <a:t>https://www.bea.gov/data/prices-inflation/regional-price-parities-state-and-metro-area</a:t>
+            </a:r>
+            <a:r>
+              <a:rPr lang="en-US" dirty="0"/>
+              <a:t> </a:t>
+            </a:r>
+          </a:p>
+          <a:p>
+            <a:r>
+              <a:rPr lang="en-US" dirty="0">
+                <a:hlinkClick r:id="rId4"/>
+              </a:rPr>
+              <a:t>https://www.census.gov/content/census/en/data/datasets/2020/demo/cps/cps-asec-2020.html</a:t>
+            </a:r>
+            <a:r>
+              <a:rPr lang="en-US" dirty="0"/>
+              <a:t> </a:t>
+            </a:r>
+            <a:endParaRPr lang="en-US" dirty="0">
+              <a:hlinkClick r:id="rId5"/>
+            </a:endParaRPr>
+          </a:p>
+          <a:p>
+            <a:r>
+              <a:rPr lang="en-US" dirty="0">
+                <a:hlinkClick r:id="rId5"/>
+              </a:rPr>
+              <a:t>https://www.fdic.gov/analysis/household-survey/index.html</a:t>
+            </a:r>
+          </a:p>
+          <a:p>
+            <a:r>
+              <a:rPr lang="en-US" dirty="0">
+                <a:hlinkClick r:id="rId5"/>
+              </a:rPr>
+              <a:t>https://www.fdic.gov/analysis/household-survey/2019execsum.pdf</a:t>
+            </a:r>
+            <a:r>
+              <a:rPr lang="en-US" dirty="0"/>
+              <a:t> </a:t>
+            </a:r>
+          </a:p>
+          <a:p>
+            <a:r>
+              <a:rPr lang="en-US" dirty="0">
+                <a:hlinkClick r:id="rId6"/>
+              </a:rPr>
+              <a:t>https://globalfindex.worldbank.org/sites/globalfindex/files/chapters/2017%20Findex%20full%20report_chapter2.pdf</a:t>
+            </a:r>
+            <a:r>
+              <a:rPr lang="en-US" dirty="0"/>
+              <a:t> </a:t>
+            </a:r>
+          </a:p>
+          <a:p>
+            <a:r>
+              <a:rPr lang="en-US" dirty="0">
+                <a:hlinkClick r:id="rId7"/>
+              </a:rPr>
+              <a:t>https://www.worldbank.org/content/dam/Worldbank/Research/GlobalFindex/PDF/N2Unbanked.pdf</a:t>
+            </a:r>
+            <a:r>
+              <a:rPr lang="en-US" dirty="0"/>
+              <a:t> </a:t>
+            </a:r>
+          </a:p>
+        </p:txBody>
+      </p:sp>
+    </p:spTree>
+    <p:extLst>
+      <p:ext uri="{BB962C8B-B14F-4D97-AF65-F5344CB8AC3E}">
+        <p14:creationId xmlns:p14="http://schemas.microsoft.com/office/powerpoint/2010/main" val="3404238125"/>
+      </p:ext>
+    </p:extLst>
+  </p:cSld>
+  <p:clrMapOvr>
+    <a:masterClrMapping/>
+  </p:clrMapOvr>
+</p:sld>
+</file>
+
 <file path=ppt/slides/slide2.xml><?xml version="1.0" encoding="utf-8"?>
 <p:sld xmlns:a="http://schemas.openxmlformats.org/drawingml/2006/main" xmlns:r="http://schemas.openxmlformats.org/officeDocument/2006/relationships" xmlns:p="http://schemas.openxmlformats.org/presentationml/2006/main">
   <p:cSld>
@@ -3996,81 +7613,367 @@
           <a:chExt cx="0" cy="0"/>
         </a:xfrm>
       </p:grpSpPr>
-      <p:sp>
-        <p:nvSpPr>
-          <p:cNvPr id="3" name="Content Placeholder 2">
-            <a:extLst>
-              <a:ext uri="{FF2B5EF4-FFF2-40B4-BE49-F238E27FC236}">
-                <a16:creationId xmlns:a16="http://schemas.microsoft.com/office/drawing/2014/main" id="{F10B4114-950D-499F-A629-94BAE0B1DF65}"/>
-              </a:ext>
-            </a:extLst>
-          </p:cNvPr>
-          <p:cNvSpPr>
-            <a:spLocks noGrp="1"/>
-          </p:cNvSpPr>
-          <p:nvPr>
-            <p:ph idx="1"/>
-          </p:nvPr>
+      <p:pic>
+        <p:nvPicPr>
+          <p:cNvPr id="1026" name="Picture 2">
+            <a:extLst>
+              <a:ext uri="{FF2B5EF4-FFF2-40B4-BE49-F238E27FC236}">
+                <a16:creationId xmlns:a16="http://schemas.microsoft.com/office/drawing/2014/main" id="{A3844DDE-A475-4E08-B07D-19BACDBAF18C}"/>
+              </a:ext>
+            </a:extLst>
+          </p:cNvPr>
+          <p:cNvPicPr>
+            <a:picLocks noChangeAspect="1" noChangeArrowheads="1"/>
+          </p:cNvPicPr>
+          <p:nvPr/>
+        </p:nvPicPr>
+        <p:blipFill>
+          <a:blip r:embed="rId3">
+            <a:extLst>
+              <a:ext uri="{28A0092B-C50C-407E-A947-70E740481C1C}">
+                <a14:useLocalDpi xmlns:a14="http://schemas.microsoft.com/office/drawing/2010/main" val="0"/>
+              </a:ext>
+            </a:extLst>
+          </a:blip>
+          <a:srcRect/>
+          <a:stretch>
+            <a:fillRect/>
+          </a:stretch>
+        </p:blipFill>
+        <p:spPr bwMode="auto">
+          <a:xfrm>
+            <a:off x="838200" y="2733641"/>
+            <a:ext cx="4230782" cy="1960262"/>
+          </a:xfrm>
+          <a:prstGeom prst="rect">
+            <a:avLst/>
+          </a:prstGeom>
+          <a:noFill/>
+          <a:extLst>
+            <a:ext uri="{909E8E84-426E-40DD-AFC4-6F175D3DCCD1}">
+              <a14:hiddenFill xmlns:a14="http://schemas.microsoft.com/office/drawing/2010/main">
+                <a:solidFill>
+                  <a:srgbClr val="FFFFFF"/>
+                </a:solidFill>
+              </a14:hiddenFill>
+            </a:ext>
+          </a:extLst>
+        </p:spPr>
+      </p:pic>
+      <p:sp>
+        <p:nvSpPr>
+          <p:cNvPr id="5" name="Content Placeholder 2">
+            <a:extLst>
+              <a:ext uri="{FF2B5EF4-FFF2-40B4-BE49-F238E27FC236}">
+                <a16:creationId xmlns:a16="http://schemas.microsoft.com/office/drawing/2014/main" id="{47A80D14-9921-4F83-8FC1-8CAC06BDB65C}"/>
+              </a:ext>
+            </a:extLst>
+          </p:cNvPr>
+          <p:cNvSpPr txBox="1">
+            <a:spLocks/>
+          </p:cNvSpPr>
+          <p:nvPr/>
         </p:nvSpPr>
         <p:spPr>
           <a:xfrm>
-            <a:off x="8650617" y="1619072"/>
-            <a:ext cx="3416300" cy="3619856"/>
+            <a:off x="5532408" y="1314291"/>
+            <a:ext cx="6314535" cy="4798961"/>
+          </a:xfrm>
+          <a:prstGeom prst="rect">
+            <a:avLst/>
+          </a:prstGeom>
+        </p:spPr>
+        <p:txBody>
+          <a:bodyPr vert="horz" lIns="91440" tIns="45720" rIns="91440" bIns="45720" rtlCol="0">
+            <a:normAutofit/>
+          </a:bodyPr>
+          <a:lstStyle>
+            <a:lvl1pPr marL="228600" indent="-228600" algn="l" defTabSz="914400" rtl="0" eaLnBrk="1" latinLnBrk="0" hangingPunct="1">
+              <a:lnSpc>
+                <a:spcPct val="90000"/>
+              </a:lnSpc>
+              <a:spcBef>
+                <a:spcPts val="1000"/>
+              </a:spcBef>
+              <a:buFont typeface="Arial" panose="020B0604020202020204" pitchFamily="34" charset="0"/>
+              <a:buChar char="•"/>
+              <a:defRPr sz="2800" kern="1200">
+                <a:solidFill>
+                  <a:schemeClr val="tx1"/>
+                </a:solidFill>
+                <a:latin typeface="+mn-lt"/>
+                <a:ea typeface="+mn-ea"/>
+                <a:cs typeface="+mn-cs"/>
+              </a:defRPr>
+            </a:lvl1pPr>
+            <a:lvl2pPr marL="685800" indent="-228600" algn="l" defTabSz="914400" rtl="0" eaLnBrk="1" latinLnBrk="0" hangingPunct="1">
+              <a:lnSpc>
+                <a:spcPct val="90000"/>
+              </a:lnSpc>
+              <a:spcBef>
+                <a:spcPts val="500"/>
+              </a:spcBef>
+              <a:buFont typeface="Arial" panose="020B0604020202020204" pitchFamily="34" charset="0"/>
+              <a:buChar char="•"/>
+              <a:defRPr sz="2400" kern="1200">
+                <a:solidFill>
+                  <a:schemeClr val="tx1"/>
+                </a:solidFill>
+                <a:latin typeface="+mn-lt"/>
+                <a:ea typeface="+mn-ea"/>
+                <a:cs typeface="+mn-cs"/>
+              </a:defRPr>
+            </a:lvl2pPr>
+            <a:lvl3pPr marL="1143000" indent="-228600" algn="l" defTabSz="914400" rtl="0" eaLnBrk="1" latinLnBrk="0" hangingPunct="1">
+              <a:lnSpc>
+                <a:spcPct val="90000"/>
+              </a:lnSpc>
+              <a:spcBef>
+                <a:spcPts val="500"/>
+              </a:spcBef>
+              <a:buFont typeface="Arial" panose="020B0604020202020204" pitchFamily="34" charset="0"/>
+              <a:buChar char="•"/>
+              <a:defRPr sz="2000" kern="1200">
+                <a:solidFill>
+                  <a:schemeClr val="tx1"/>
+                </a:solidFill>
+                <a:latin typeface="+mn-lt"/>
+                <a:ea typeface="+mn-ea"/>
+                <a:cs typeface="+mn-cs"/>
+              </a:defRPr>
+            </a:lvl3pPr>
+            <a:lvl4pPr marL="1600200" indent="-228600" algn="l" defTabSz="914400" rtl="0" eaLnBrk="1" latinLnBrk="0" hangingPunct="1">
+              <a:lnSpc>
+                <a:spcPct val="90000"/>
+              </a:lnSpc>
+              <a:spcBef>
+                <a:spcPts val="500"/>
+              </a:spcBef>
+              <a:buFont typeface="Arial" panose="020B0604020202020204" pitchFamily="34" charset="0"/>
+              <a:buChar char="•"/>
+              <a:defRPr sz="1800" kern="1200">
+                <a:solidFill>
+                  <a:schemeClr val="tx1"/>
+                </a:solidFill>
+                <a:latin typeface="+mn-lt"/>
+                <a:ea typeface="+mn-ea"/>
+                <a:cs typeface="+mn-cs"/>
+              </a:defRPr>
+            </a:lvl4pPr>
+            <a:lvl5pPr marL="2057400" indent="-228600" algn="l" defTabSz="914400" rtl="0" eaLnBrk="1" latinLnBrk="0" hangingPunct="1">
+              <a:lnSpc>
+                <a:spcPct val="90000"/>
+              </a:lnSpc>
+              <a:spcBef>
+                <a:spcPts val="500"/>
+              </a:spcBef>
+              <a:buFont typeface="Arial" panose="020B0604020202020204" pitchFamily="34" charset="0"/>
+              <a:buChar char="•"/>
+              <a:defRPr sz="1800" kern="1200">
+                <a:solidFill>
+                  <a:schemeClr val="tx1"/>
+                </a:solidFill>
+                <a:latin typeface="+mn-lt"/>
+                <a:ea typeface="+mn-ea"/>
+                <a:cs typeface="+mn-cs"/>
+              </a:defRPr>
+            </a:lvl5pPr>
+            <a:lvl6pPr marL="2514600" indent="-228600" algn="l" defTabSz="914400" rtl="0" eaLnBrk="1" latinLnBrk="0" hangingPunct="1">
+              <a:lnSpc>
+                <a:spcPct val="90000"/>
+              </a:lnSpc>
+              <a:spcBef>
+                <a:spcPts val="500"/>
+              </a:spcBef>
+              <a:buFont typeface="Arial" panose="020B0604020202020204" pitchFamily="34" charset="0"/>
+              <a:buChar char="•"/>
+              <a:defRPr sz="1800" kern="1200">
+                <a:solidFill>
+                  <a:schemeClr val="tx1"/>
+                </a:solidFill>
+                <a:latin typeface="+mn-lt"/>
+                <a:ea typeface="+mn-ea"/>
+                <a:cs typeface="+mn-cs"/>
+              </a:defRPr>
+            </a:lvl6pPr>
+            <a:lvl7pPr marL="2971800" indent="-228600" algn="l" defTabSz="914400" rtl="0" eaLnBrk="1" latinLnBrk="0" hangingPunct="1">
+              <a:lnSpc>
+                <a:spcPct val="90000"/>
+              </a:lnSpc>
+              <a:spcBef>
+                <a:spcPts val="500"/>
+              </a:spcBef>
+              <a:buFont typeface="Arial" panose="020B0604020202020204" pitchFamily="34" charset="0"/>
+              <a:buChar char="•"/>
+              <a:defRPr sz="1800" kern="1200">
+                <a:solidFill>
+                  <a:schemeClr val="tx1"/>
+                </a:solidFill>
+                <a:latin typeface="+mn-lt"/>
+                <a:ea typeface="+mn-ea"/>
+                <a:cs typeface="+mn-cs"/>
+              </a:defRPr>
+            </a:lvl7pPr>
+            <a:lvl8pPr marL="3429000" indent="-228600" algn="l" defTabSz="914400" rtl="0" eaLnBrk="1" latinLnBrk="0" hangingPunct="1">
+              <a:lnSpc>
+                <a:spcPct val="90000"/>
+              </a:lnSpc>
+              <a:spcBef>
+                <a:spcPts val="500"/>
+              </a:spcBef>
+              <a:buFont typeface="Arial" panose="020B0604020202020204" pitchFamily="34" charset="0"/>
+              <a:buChar char="•"/>
+              <a:defRPr sz="1800" kern="1200">
+                <a:solidFill>
+                  <a:schemeClr val="tx1"/>
+                </a:solidFill>
+                <a:latin typeface="+mn-lt"/>
+                <a:ea typeface="+mn-ea"/>
+                <a:cs typeface="+mn-cs"/>
+              </a:defRPr>
+            </a:lvl8pPr>
+            <a:lvl9pPr marL="3886200" indent="-228600" algn="l" defTabSz="914400" rtl="0" eaLnBrk="1" latinLnBrk="0" hangingPunct="1">
+              <a:lnSpc>
+                <a:spcPct val="90000"/>
+              </a:lnSpc>
+              <a:spcBef>
+                <a:spcPts val="500"/>
+              </a:spcBef>
+              <a:buFont typeface="Arial" panose="020B0604020202020204" pitchFamily="34" charset="0"/>
+              <a:buChar char="•"/>
+              <a:defRPr sz="1800" kern="1200">
+                <a:solidFill>
+                  <a:schemeClr val="tx1"/>
+                </a:solidFill>
+                <a:latin typeface="+mn-lt"/>
+                <a:ea typeface="+mn-ea"/>
+                <a:cs typeface="+mn-cs"/>
+              </a:defRPr>
+            </a:lvl9pPr>
+          </a:lstStyle>
+          <a:p>
+            <a:pPr marL="0" indent="0">
+              <a:lnSpc>
+                <a:spcPct val="130000"/>
+              </a:lnSpc>
+              <a:buFont typeface="Arial" panose="020B0604020202020204" pitchFamily="34" charset="0"/>
+              <a:buNone/>
+            </a:pPr>
+            <a:r>
+              <a:rPr lang="en-US" dirty="0">
+                <a:latin typeface="Montserrat Medium" panose="00000600000000000000" pitchFamily="2" charset="0"/>
+              </a:rPr>
+              <a:t>In a 2019 survey, roughly 5.4 percent of households in the US were unbanked</a:t>
+            </a:r>
+          </a:p>
+          <a:p>
+            <a:pPr marL="0" indent="0">
+              <a:lnSpc>
+                <a:spcPct val="130000"/>
+              </a:lnSpc>
+              <a:buFont typeface="Arial" panose="020B0604020202020204" pitchFamily="34" charset="0"/>
+              <a:buNone/>
+            </a:pPr>
+            <a:r>
+              <a:rPr lang="en-US" dirty="0">
+                <a:latin typeface="Montserrat Medium" panose="00000600000000000000" pitchFamily="2" charset="0"/>
+              </a:rPr>
+              <a:t>	- 56% of unbanked were not 	interested in getting an acct.</a:t>
+            </a:r>
+            <a:endParaRPr lang="en-US" sz="300" dirty="0">
+              <a:latin typeface="Montserrat Medium" panose="00000600000000000000" pitchFamily="2" charset="0"/>
+            </a:endParaRPr>
+          </a:p>
+          <a:p>
+            <a:pPr marL="0" indent="0">
+              <a:lnSpc>
+                <a:spcPct val="130000"/>
+              </a:lnSpc>
+              <a:buFont typeface="Arial" panose="020B0604020202020204" pitchFamily="34" charset="0"/>
+              <a:buNone/>
+            </a:pPr>
+            <a:r>
+              <a:rPr lang="en-US" dirty="0">
+                <a:latin typeface="Montserrat Medium" panose="00000600000000000000" pitchFamily="2" charset="0"/>
+              </a:rPr>
+              <a:t>	- 36% cite trust/privacy issues in dealing with banks</a:t>
+            </a:r>
+          </a:p>
+        </p:txBody>
+      </p:sp>
+      <p:sp>
+        <p:nvSpPr>
+          <p:cNvPr id="6" name="Title 1">
+            <a:extLst>
+              <a:ext uri="{FF2B5EF4-FFF2-40B4-BE49-F238E27FC236}">
+                <a16:creationId xmlns:a16="http://schemas.microsoft.com/office/drawing/2014/main" id="{AC88EF7A-FD87-4217-805D-E7BF22871021}"/>
+              </a:ext>
+            </a:extLst>
+          </p:cNvPr>
+          <p:cNvSpPr>
+            <a:spLocks noGrp="1"/>
+          </p:cNvSpPr>
+          <p:nvPr>
+            <p:ph type="title"/>
+          </p:nvPr>
+        </p:nvSpPr>
+        <p:spPr>
+          <a:xfrm>
+            <a:off x="838200" y="365125"/>
+            <a:ext cx="10515600" cy="1325563"/>
           </a:xfrm>
         </p:spPr>
         <p:txBody>
-          <a:bodyPr/>
-          <a:lstStyle/>
-          <a:p>
-            <a:r>
-              <a:rPr lang="en-US" dirty="0"/>
-              <a:t>HHINC</a:t>
-            </a:r>
-          </a:p>
-          <a:p>
-            <a:r>
-              <a:rPr lang="en-US" dirty="0"/>
-              <a:t>FINC_FIN	</a:t>
-            </a:r>
-          </a:p>
-          <a:p>
-            <a:r>
-              <a:rPr lang="en-US" dirty="0"/>
-              <a:t>HPRES_MORT	</a:t>
-            </a:r>
-          </a:p>
-          <a:p>
-            <a:r>
-              <a:rPr lang="en-US" dirty="0"/>
-              <a:t>HDIV_YN	</a:t>
-            </a:r>
-          </a:p>
-          <a:p>
-            <a:r>
-              <a:rPr lang="en-US" dirty="0"/>
-              <a:t>FOWNU18	</a:t>
-            </a:r>
-          </a:p>
-          <a:p>
-            <a:r>
-              <a:rPr lang="en-US" dirty="0"/>
-              <a:t>HINT_YN	</a:t>
-            </a:r>
-          </a:p>
-          <a:p>
-            <a:r>
-              <a:rPr lang="en-US" dirty="0"/>
-              <a:t>RPP</a:t>
-            </a:r>
-          </a:p>
-        </p:txBody>
-      </p:sp>
+          <a:bodyPr>
+            <a:normAutofit/>
+          </a:bodyPr>
+          <a:lstStyle/>
+          <a:p>
+            <a:r>
+              <a:rPr lang="en-US" sz="4800" dirty="0">
+                <a:latin typeface="Montserrat Medium" panose="00000600000000000000" pitchFamily="2" charset="0"/>
+              </a:rPr>
+              <a:t>Issue</a:t>
+            </a:r>
+          </a:p>
+        </p:txBody>
+      </p:sp>
+    </p:spTree>
+    <p:extLst>
+      <p:ext uri="{BB962C8B-B14F-4D97-AF65-F5344CB8AC3E}">
+        <p14:creationId xmlns:p14="http://schemas.microsoft.com/office/powerpoint/2010/main" val="1989366950"/>
+      </p:ext>
+    </p:extLst>
+  </p:cSld>
+  <p:clrMapOvr>
+    <a:masterClrMapping/>
+  </p:clrMapOvr>
+</p:sld>
+</file>
+
+<file path=ppt/slides/slide20.xml><?xml version="1.0" encoding="utf-8"?>
+<p:sld xmlns:a="http://schemas.openxmlformats.org/drawingml/2006/main" xmlns:r="http://schemas.openxmlformats.org/officeDocument/2006/relationships" xmlns:p="http://schemas.openxmlformats.org/presentationml/2006/main">
+  <p:cSld>
+    <p:spTree>
+      <p:nvGrpSpPr>
+        <p:cNvPr id="1" name=""/>
+        <p:cNvGrpSpPr/>
+        <p:nvPr/>
+      </p:nvGrpSpPr>
+      <p:grpSpPr>
+        <a:xfrm>
+          <a:off x="0" y="0"/>
+          <a:ext cx="0" cy="0"/>
+          <a:chOff x="0" y="0"/>
+          <a:chExt cx="0" cy="0"/>
+        </a:xfrm>
+      </p:grpSpPr>
       <p:pic>
         <p:nvPicPr>
-          <p:cNvPr id="5" name="Picture 4">
-            <a:extLst>
-              <a:ext uri="{FF2B5EF4-FFF2-40B4-BE49-F238E27FC236}">
-                <a16:creationId xmlns:a16="http://schemas.microsoft.com/office/drawing/2014/main" id="{46D2961F-0396-40BE-ACE8-6B44CB528533}"/>
+          <p:cNvPr id="7" name="Picture 6">
+            <a:extLst>
+              <a:ext uri="{FF2B5EF4-FFF2-40B4-BE49-F238E27FC236}">
+                <a16:creationId xmlns:a16="http://schemas.microsoft.com/office/drawing/2014/main" id="{8DC5D1CB-3E27-4C5B-84B6-BEB931091C70}"/>
               </a:ext>
             </a:extLst>
           </p:cNvPr>
@@ -4080,26 +7983,123 @@
           <p:nvPr/>
         </p:nvPicPr>
         <p:blipFill rotWithShape="1">
-          <a:blip r:embed="rId3"/>
-          <a:srcRect b="35094"/>
+          <a:blip r:embed="rId2">
+            <a:extLst>
+              <a:ext uri="{BEBA8EAE-BF5A-486C-A8C5-ECC9F3942E4B}">
+                <a14:imgProps xmlns:a14="http://schemas.microsoft.com/office/drawing/2010/main">
+                  <a14:imgLayer r:embed="rId3">
+                    <a14:imgEffect>
+                      <a14:sharpenSoften amount="25000"/>
+                    </a14:imgEffect>
+                    <a14:imgEffect>
+                      <a14:brightnessContrast bright="20000"/>
+                    </a14:imgEffect>
+                  </a14:imgLayer>
+                </a14:imgProps>
+              </a:ext>
+              <a:ext uri="{28A0092B-C50C-407E-A947-70E740481C1C}">
+                <a14:useLocalDpi xmlns:a14="http://schemas.microsoft.com/office/drawing/2010/main" val="0"/>
+              </a:ext>
+            </a:extLst>
+          </a:blip>
+          <a:srcRect b="15236"/>
           <a:stretch/>
         </p:blipFill>
         <p:spPr>
           <a:xfrm>
-            <a:off x="1000664" y="3916276"/>
-            <a:ext cx="7175328" cy="2689774"/>
+            <a:off x="0" y="1"/>
+            <a:ext cx="12192000" cy="6858000"/>
           </a:xfrm>
           <a:prstGeom prst="rect">
             <a:avLst/>
           </a:prstGeom>
         </p:spPr>
       </p:pic>
+      <p:sp>
+        <p:nvSpPr>
+          <p:cNvPr id="2" name="Title 1">
+            <a:extLst>
+              <a:ext uri="{FF2B5EF4-FFF2-40B4-BE49-F238E27FC236}">
+                <a16:creationId xmlns:a16="http://schemas.microsoft.com/office/drawing/2014/main" id="{F57604A9-60D7-4822-B3DB-3390C96AA54A}"/>
+              </a:ext>
+            </a:extLst>
+          </p:cNvPr>
+          <p:cNvSpPr>
+            <a:spLocks noGrp="1"/>
+          </p:cNvSpPr>
+          <p:nvPr>
+            <p:ph type="ctrTitle"/>
+          </p:nvPr>
+        </p:nvSpPr>
+        <p:spPr>
+          <a:xfrm>
+            <a:off x="4976682" y="1422206"/>
+            <a:ext cx="6147758" cy="2510864"/>
+          </a:xfrm>
+        </p:spPr>
+        <p:txBody>
+          <a:bodyPr>
+            <a:normAutofit/>
+          </a:bodyPr>
+          <a:lstStyle/>
+          <a:p>
+            <a:r>
+              <a:rPr lang="en-US" sz="8000">
+                <a:latin typeface="Montserrat Medium" panose="00000600000000000000" pitchFamily="2" charset="0"/>
+              </a:rPr>
+              <a:t>JSG Industries</a:t>
+            </a:r>
+          </a:p>
+        </p:txBody>
+      </p:sp>
+      <p:sp>
+        <p:nvSpPr>
+          <p:cNvPr id="3" name="Subtitle 2">
+            <a:extLst>
+              <a:ext uri="{FF2B5EF4-FFF2-40B4-BE49-F238E27FC236}">
+                <a16:creationId xmlns:a16="http://schemas.microsoft.com/office/drawing/2014/main" id="{84E6F939-ABFD-4D41-8A27-5DB497753A14}"/>
+              </a:ext>
+            </a:extLst>
+          </p:cNvPr>
+          <p:cNvSpPr>
+            <a:spLocks noGrp="1"/>
+          </p:cNvSpPr>
+          <p:nvPr>
+            <p:ph type="subTitle" idx="1"/>
+          </p:nvPr>
+        </p:nvSpPr>
+        <p:spPr>
+          <a:xfrm>
+            <a:off x="5492152" y="3888246"/>
+            <a:ext cx="5945697" cy="1655762"/>
+          </a:xfrm>
+        </p:spPr>
+        <p:txBody>
+          <a:bodyPr>
+            <a:normAutofit fontScale="92500"/>
+          </a:bodyPr>
+          <a:lstStyle/>
+          <a:p>
+            <a:pPr>
+              <a:lnSpc>
+                <a:spcPct val="200000"/>
+              </a:lnSpc>
+            </a:pPr>
+            <a:r>
+              <a:rPr lang="en-US" sz="3200" b="1">
+                <a:latin typeface="Montserrat Medium" panose="00000600000000000000" pitchFamily="2" charset="0"/>
+              </a:rPr>
+              <a:t>Shawn, Brendan, Gavin, Gary</a:t>
+            </a:r>
+          </a:p>
+        </p:txBody>
+      </p:sp>
       <p:pic>
         <p:nvPicPr>
-          <p:cNvPr id="7" name="Picture 6">
-            <a:extLst>
-              <a:ext uri="{FF2B5EF4-FFF2-40B4-BE49-F238E27FC236}">
-                <a16:creationId xmlns:a16="http://schemas.microsoft.com/office/drawing/2014/main" id="{F93D4B2D-1091-4346-AE13-25C30DD47CA0}"/>
+          <p:cNvPr id="5" name="Graphic 4">
+            <a:extLst>
+              <a:ext uri="{FF2B5EF4-FFF2-40B4-BE49-F238E27FC236}">
+                <a16:creationId xmlns:a16="http://schemas.microsoft.com/office/drawing/2014/main" id="{FDF4D3C4-A165-4176-90E3-BBBBC7AC0D7C}"/>
               </a:ext>
             </a:extLst>
           </p:cNvPr>
@@ -4109,76 +8109,341 @@
           <p:nvPr/>
         </p:nvPicPr>
         <p:blipFill>
-          <a:blip r:embed="rId4"/>
+          <a:blip r:embed="rId4">
+            <a:extLst>
+              <a:ext uri="{28A0092B-C50C-407E-A947-70E740481C1C}">
+                <a14:useLocalDpi xmlns:a14="http://schemas.microsoft.com/office/drawing/2010/main" val="0"/>
+              </a:ext>
+              <a:ext uri="{96DAC541-7B7A-43D3-8B79-37D633B846F1}">
+                <asvg:svgBlip xmlns:asvg="http://schemas.microsoft.com/office/drawing/2016/SVG/main" r:embed="rId5"/>
+              </a:ext>
+            </a:extLst>
+          </a:blip>
           <a:stretch>
             <a:fillRect/>
           </a:stretch>
         </p:blipFill>
         <p:spPr>
           <a:xfrm>
-            <a:off x="1000664" y="251950"/>
-            <a:ext cx="7175328" cy="3619856"/>
+            <a:off x="914400" y="1122363"/>
+            <a:ext cx="4074754" cy="4421645"/>
           </a:xfrm>
           <a:prstGeom prst="rect">
             <a:avLst/>
           </a:prstGeom>
         </p:spPr>
       </p:pic>
-      <mc:AlternateContent xmlns:mc="http://schemas.openxmlformats.org/markup-compatibility/2006">
-        <mc:Choice xmlns:p14="http://schemas.microsoft.com/office/powerpoint/2010/main" Requires="p14">
-          <p:contentPart p14:bwMode="auto" r:id="rId5">
-            <p14:nvContentPartPr>
-              <p14:cNvPr id="6" name="Ink 5">
-                <a:extLst>
-                  <a:ext uri="{FF2B5EF4-FFF2-40B4-BE49-F238E27FC236}">
-                    <a16:creationId xmlns:a16="http://schemas.microsoft.com/office/drawing/2014/main" id="{BA1DFF51-DADF-4ED6-86F9-FF7B6150D37C}"/>
-                  </a:ext>
-                </a:extLst>
-              </p14:cNvPr>
-              <p14:cNvContentPartPr/>
-              <p14:nvPr/>
-            </p14:nvContentPartPr>
-            <p14:xfrm>
-              <a:off x="943363" y="4106749"/>
-              <a:ext cx="1157832" cy="568568"/>
-            </p14:xfrm>
-          </p:contentPart>
-        </mc:Choice>
-        <mc:Fallback>
-          <p:pic>
-            <p:nvPicPr>
-              <p:cNvPr id="6" name="Ink 5">
-                <a:extLst>
-                  <a:ext uri="{FF2B5EF4-FFF2-40B4-BE49-F238E27FC236}">
-                    <a16:creationId xmlns:a16="http://schemas.microsoft.com/office/drawing/2014/main" id="{BA1DFF51-DADF-4ED6-86F9-FF7B6150D37C}"/>
-                  </a:ext>
-                </a:extLst>
-              </p:cNvPr>
-              <p:cNvPicPr/>
-              <p:nvPr/>
-            </p:nvPicPr>
-            <p:blipFill>
-              <a:blip r:embed="rId6"/>
-              <a:stretch>
-                <a:fillRect/>
-              </a:stretch>
-            </p:blipFill>
-            <p:spPr>
-              <a:xfrm>
-                <a:off x="934362" y="4098107"/>
-                <a:ext cx="1175473" cy="586212"/>
-              </a:xfrm>
-              <a:prstGeom prst="rect">
-                <a:avLst/>
-              </a:prstGeom>
-            </p:spPr>
-          </p:pic>
-        </mc:Fallback>
-      </mc:AlternateContent>
     </p:spTree>
     <p:extLst>
       <p:ext uri="{BB962C8B-B14F-4D97-AF65-F5344CB8AC3E}">
-        <p14:creationId xmlns:p14="http://schemas.microsoft.com/office/powerpoint/2010/main" val="3969886604"/>
+        <p14:creationId xmlns:p14="http://schemas.microsoft.com/office/powerpoint/2010/main" val="163264358"/>
+      </p:ext>
+    </p:extLst>
+  </p:cSld>
+  <p:clrMapOvr>
+    <a:masterClrMapping/>
+  </p:clrMapOvr>
+</p:sld>
+</file>
+
+<file path=ppt/slides/slide21.xml><?xml version="1.0" encoding="utf-8"?>
+<p:sld xmlns:a="http://schemas.openxmlformats.org/drawingml/2006/main" xmlns:r="http://schemas.openxmlformats.org/officeDocument/2006/relationships" xmlns:p="http://schemas.openxmlformats.org/presentationml/2006/main">
+  <p:cSld>
+    <p:spTree>
+      <p:nvGrpSpPr>
+        <p:cNvPr id="1" name=""/>
+        <p:cNvGrpSpPr/>
+        <p:nvPr/>
+      </p:nvGrpSpPr>
+      <p:grpSpPr>
+        <a:xfrm>
+          <a:off x="0" y="0"/>
+          <a:ext cx="0" cy="0"/>
+          <a:chOff x="0" y="0"/>
+          <a:chExt cx="0" cy="0"/>
+        </a:xfrm>
+      </p:grpSpPr>
+      <p:sp>
+        <p:nvSpPr>
+          <p:cNvPr id="3" name="Content Placeholder 2">
+            <a:extLst>
+              <a:ext uri="{FF2B5EF4-FFF2-40B4-BE49-F238E27FC236}">
+                <a16:creationId xmlns:a16="http://schemas.microsoft.com/office/drawing/2014/main" id="{B1B0ED4F-624B-43F2-AF2C-7EF75E6E370B}"/>
+              </a:ext>
+            </a:extLst>
+          </p:cNvPr>
+          <p:cNvSpPr>
+            <a:spLocks noGrp="1"/>
+          </p:cNvSpPr>
+          <p:nvPr>
+            <p:ph idx="1"/>
+          </p:nvPr>
+        </p:nvSpPr>
+        <p:spPr>
+          <a:xfrm>
+            <a:off x="4987130" y="5653222"/>
+            <a:ext cx="5920819" cy="737850"/>
+          </a:xfrm>
+        </p:spPr>
+        <p:txBody>
+          <a:bodyPr>
+            <a:normAutofit/>
+          </a:bodyPr>
+          <a:lstStyle/>
+          <a:p>
+            <a:pPr marL="0" indent="0">
+              <a:lnSpc>
+                <a:spcPct val="110000"/>
+              </a:lnSpc>
+              <a:buNone/>
+            </a:pPr>
+            <a:r>
+              <a:rPr lang="en-US" b="1">
+                <a:latin typeface="Montserrat Medium" panose="00000600000000000000" pitchFamily="2" charset="0"/>
+              </a:rPr>
+              <a:t>	</a:t>
+            </a:r>
+          </a:p>
+          <a:p>
+            <a:pPr marL="0" indent="0">
+              <a:lnSpc>
+                <a:spcPct val="110000"/>
+              </a:lnSpc>
+              <a:buNone/>
+            </a:pPr>
+            <a:endParaRPr lang="en-US" b="1">
+              <a:latin typeface="Montserrat Medium" panose="00000600000000000000" pitchFamily="2" charset="0"/>
+            </a:endParaRPr>
+          </a:p>
+        </p:txBody>
+      </p:sp>
+      <p:pic>
+        <p:nvPicPr>
+          <p:cNvPr id="6" name="Picture 5">
+            <a:extLst>
+              <a:ext uri="{FF2B5EF4-FFF2-40B4-BE49-F238E27FC236}">
+                <a16:creationId xmlns:a16="http://schemas.microsoft.com/office/drawing/2014/main" id="{78BD141E-AA74-4704-87F2-5ED6B686A0CA}"/>
+              </a:ext>
+            </a:extLst>
+          </p:cNvPr>
+          <p:cNvPicPr>
+            <a:picLocks noChangeAspect="1"/>
+          </p:cNvPicPr>
+          <p:nvPr/>
+        </p:nvPicPr>
+        <p:blipFill rotWithShape="1">
+          <a:blip r:embed="rId3">
+            <a:extLst>
+              <a:ext uri="{BEBA8EAE-BF5A-486C-A8C5-ECC9F3942E4B}">
+                <a14:imgProps xmlns:a14="http://schemas.microsoft.com/office/drawing/2010/main">
+                  <a14:imgLayer r:embed="rId4">
+                    <a14:imgEffect>
+                      <a14:sharpenSoften amount="25000"/>
+                    </a14:imgEffect>
+                    <a14:imgEffect>
+                      <a14:brightnessContrast bright="20000"/>
+                    </a14:imgEffect>
+                  </a14:imgLayer>
+                </a14:imgProps>
+              </a:ext>
+              <a:ext uri="{28A0092B-C50C-407E-A947-70E740481C1C}">
+                <a14:useLocalDpi xmlns:a14="http://schemas.microsoft.com/office/drawing/2010/main" val="0"/>
+              </a:ext>
+            </a:extLst>
+          </a:blip>
+          <a:srcRect b="15236"/>
+          <a:stretch/>
+        </p:blipFill>
+        <p:spPr>
+          <a:xfrm>
+            <a:off x="0" y="1096"/>
+            <a:ext cx="12192000" cy="6858000"/>
+          </a:xfrm>
+          <a:prstGeom prst="rect">
+            <a:avLst/>
+          </a:prstGeom>
+        </p:spPr>
+      </p:pic>
+      <p:sp>
+        <p:nvSpPr>
+          <p:cNvPr id="9" name="Title 1">
+            <a:extLst>
+              <a:ext uri="{FF2B5EF4-FFF2-40B4-BE49-F238E27FC236}">
+                <a16:creationId xmlns:a16="http://schemas.microsoft.com/office/drawing/2014/main" id="{A4058007-17D1-4B6D-92D9-0D4027A8E66A}"/>
+              </a:ext>
+            </a:extLst>
+          </p:cNvPr>
+          <p:cNvSpPr txBox="1">
+            <a:spLocks/>
+          </p:cNvSpPr>
+          <p:nvPr/>
+        </p:nvSpPr>
+        <p:spPr>
+          <a:xfrm>
+            <a:off x="1110181" y="2766219"/>
+            <a:ext cx="10515600" cy="1325563"/>
+          </a:xfrm>
+          <a:prstGeom prst="rect">
+            <a:avLst/>
+          </a:prstGeom>
+        </p:spPr>
+        <p:txBody>
+          <a:bodyPr vert="horz" lIns="91440" tIns="45720" rIns="91440" bIns="45720" rtlCol="0" anchor="ctr">
+            <a:normAutofit/>
+          </a:bodyPr>
+          <a:lstStyle>
+            <a:lvl1pPr algn="l" defTabSz="914400" rtl="0" eaLnBrk="1" latinLnBrk="0" hangingPunct="1">
+              <a:lnSpc>
+                <a:spcPct val="90000"/>
+              </a:lnSpc>
+              <a:spcBef>
+                <a:spcPct val="0"/>
+              </a:spcBef>
+              <a:buNone/>
+              <a:defRPr sz="4400" kern="1200">
+                <a:solidFill>
+                  <a:schemeClr val="tx1"/>
+                </a:solidFill>
+                <a:latin typeface="+mj-lt"/>
+                <a:ea typeface="+mj-ea"/>
+                <a:cs typeface="+mj-cs"/>
+              </a:defRPr>
+            </a:lvl1pPr>
+          </a:lstStyle>
+          <a:p>
+            <a:r>
+              <a:rPr lang="en-US" sz="6000" dirty="0">
+                <a:latin typeface="Bernard MT Condensed" panose="02050806060905020404" pitchFamily="18" charset="0"/>
+              </a:rPr>
+              <a:t>Demo!</a:t>
+            </a:r>
+          </a:p>
+        </p:txBody>
+      </p:sp>
+      <p:sp>
+        <p:nvSpPr>
+          <p:cNvPr id="7" name="TextBox 6">
+            <a:extLst>
+              <a:ext uri="{FF2B5EF4-FFF2-40B4-BE49-F238E27FC236}">
+                <a16:creationId xmlns:a16="http://schemas.microsoft.com/office/drawing/2014/main" id="{6F84C593-0E5F-4DD7-BF74-6AF7FCE10C8E}"/>
+              </a:ext>
+            </a:extLst>
+          </p:cNvPr>
+          <p:cNvSpPr txBox="1"/>
+          <p:nvPr/>
+        </p:nvSpPr>
+        <p:spPr>
+          <a:xfrm>
+            <a:off x="6564863" y="5566673"/>
+            <a:ext cx="6096000" cy="707886"/>
+          </a:xfrm>
+          <a:prstGeom prst="rect">
+            <a:avLst/>
+          </a:prstGeom>
+          <a:noFill/>
+        </p:spPr>
+        <p:txBody>
+          <a:bodyPr wrap="square">
+            <a:spAutoFit/>
+          </a:bodyPr>
+          <a:lstStyle/>
+          <a:p>
+            <a:r>
+              <a:rPr lang="en-US" sz="4000" dirty="0">
+                <a:latin typeface="Montserrat Medium" panose="00000600000000000000" pitchFamily="2" charset="0"/>
+              </a:rPr>
+              <a:t>go.osu.edu/stonks</a:t>
+            </a:r>
+          </a:p>
+        </p:txBody>
+      </p:sp>
+      <p:pic>
+        <p:nvPicPr>
+          <p:cNvPr id="6146" name="Picture 2">
+            <a:extLst>
+              <a:ext uri="{FF2B5EF4-FFF2-40B4-BE49-F238E27FC236}">
+                <a16:creationId xmlns:a16="http://schemas.microsoft.com/office/drawing/2014/main" id="{B3FB8FFC-F468-4938-ABCD-8047E65CFF12}"/>
+              </a:ext>
+            </a:extLst>
+          </p:cNvPr>
+          <p:cNvPicPr>
+            <a:picLocks noChangeAspect="1" noChangeArrowheads="1"/>
+          </p:cNvPicPr>
+          <p:nvPr/>
+        </p:nvPicPr>
+        <p:blipFill>
+          <a:blip r:embed="rId5">
+            <a:extLst>
+              <a:ext uri="{28A0092B-C50C-407E-A947-70E740481C1C}">
+                <a14:useLocalDpi xmlns:a14="http://schemas.microsoft.com/office/drawing/2010/main" val="0"/>
+              </a:ext>
+            </a:extLst>
+          </a:blip>
+          <a:srcRect/>
+          <a:stretch>
+            <a:fillRect/>
+          </a:stretch>
+        </p:blipFill>
+        <p:spPr bwMode="auto">
+          <a:xfrm>
+            <a:off x="6728227" y="838319"/>
+            <a:ext cx="4604170" cy="4604170"/>
+          </a:xfrm>
+          <a:prstGeom prst="rect">
+            <a:avLst/>
+          </a:prstGeom>
+          <a:noFill/>
+          <a:extLst>
+            <a:ext uri="{909E8E84-426E-40DD-AFC4-6F175D3DCCD1}">
+              <a14:hiddenFill xmlns:a14="http://schemas.microsoft.com/office/drawing/2010/main">
+                <a:solidFill>
+                  <a:srgbClr val="FFFFFF"/>
+                </a:solidFill>
+              </a14:hiddenFill>
+            </a:ext>
+          </a:extLst>
+        </p:spPr>
+      </p:pic>
+      <p:pic>
+        <p:nvPicPr>
+          <p:cNvPr id="4" name="Picture 3" descr="A picture containing shape&#10;&#10;Description automatically generated">
+            <a:extLst>
+              <a:ext uri="{FF2B5EF4-FFF2-40B4-BE49-F238E27FC236}">
+                <a16:creationId xmlns:a16="http://schemas.microsoft.com/office/drawing/2014/main" id="{96182F9F-6D20-4436-BAF0-5FDF23D3636F}"/>
+              </a:ext>
+            </a:extLst>
+          </p:cNvPr>
+          <p:cNvPicPr>
+            <a:picLocks noChangeAspect="1"/>
+          </p:cNvPicPr>
+          <p:nvPr/>
+        </p:nvPicPr>
+        <p:blipFill>
+          <a:blip r:embed="rId6">
+            <a:extLst>
+              <a:ext uri="{28A0092B-C50C-407E-A947-70E740481C1C}">
+                <a14:useLocalDpi xmlns:a14="http://schemas.microsoft.com/office/drawing/2010/main" val="0"/>
+              </a:ext>
+            </a:extLst>
+          </a:blip>
+          <a:stretch>
+            <a:fillRect/>
+          </a:stretch>
+        </p:blipFill>
+        <p:spPr>
+          <a:xfrm>
+            <a:off x="2634659" y="1448288"/>
+            <a:ext cx="4982547" cy="3736910"/>
+          </a:xfrm>
+          <a:prstGeom prst="rect">
+            <a:avLst/>
+          </a:prstGeom>
+        </p:spPr>
+      </p:pic>
+    </p:spTree>
+    <p:extLst>
+      <p:ext uri="{BB962C8B-B14F-4D97-AF65-F5344CB8AC3E}">
+        <p14:creationId xmlns:p14="http://schemas.microsoft.com/office/powerpoint/2010/main" val="1747736576"/>
       </p:ext>
     </p:extLst>
   </p:cSld>
@@ -4205,12 +8470,49 @@
           <a:chExt cx="0" cy="0"/>
         </a:xfrm>
       </p:grpSpPr>
+      <p:sp>
+        <p:nvSpPr>
+          <p:cNvPr id="2" name="Title 1">
+            <a:extLst>
+              <a:ext uri="{FF2B5EF4-FFF2-40B4-BE49-F238E27FC236}">
+                <a16:creationId xmlns:a16="http://schemas.microsoft.com/office/drawing/2014/main" id="{C8D17551-457B-4BD5-B78D-F6B27ACA1012}"/>
+              </a:ext>
+            </a:extLst>
+          </p:cNvPr>
+          <p:cNvSpPr>
+            <a:spLocks noGrp="1"/>
+          </p:cNvSpPr>
+          <p:nvPr>
+            <p:ph type="title"/>
+          </p:nvPr>
+        </p:nvSpPr>
+        <p:spPr>
+          <a:xfrm>
+            <a:off x="7830782" y="365125"/>
+            <a:ext cx="3924146" cy="1325563"/>
+          </a:xfrm>
+        </p:spPr>
+        <p:txBody>
+          <a:bodyPr/>
+          <a:lstStyle/>
+          <a:p>
+            <a:r>
+              <a:rPr lang="en-US" dirty="0">
+                <a:solidFill>
+                  <a:srgbClr val="FF0000"/>
+                </a:solidFill>
+              </a:rPr>
+              <a:t>~38% global pop</a:t>
+            </a:r>
+          </a:p>
+        </p:txBody>
+      </p:sp>
       <p:pic>
         <p:nvPicPr>
           <p:cNvPr id="5" name="Picture 4">
             <a:extLst>
               <a:ext uri="{FF2B5EF4-FFF2-40B4-BE49-F238E27FC236}">
-                <a16:creationId xmlns:a16="http://schemas.microsoft.com/office/drawing/2014/main" id="{5B7F27C4-FCB3-4DCF-A6C9-DCAF678EE4FA}"/>
+                <a16:creationId xmlns:a16="http://schemas.microsoft.com/office/drawing/2014/main" id="{ADB1B1A7-BE94-4A1C-90E9-F851432D9063}"/>
               </a:ext>
             </a:extLst>
           </p:cNvPr>
@@ -4220,15 +8522,45 @@
           <p:nvPr/>
         </p:nvPicPr>
         <p:blipFill>
-          <a:blip r:embed="rId2"/>
+          <a:blip r:embed="rId3"/>
           <a:stretch>
             <a:fillRect/>
           </a:stretch>
         </p:blipFill>
         <p:spPr>
           <a:xfrm>
-            <a:off x="195532" y="7759"/>
-            <a:ext cx="11800936" cy="6850241"/>
+            <a:off x="391930" y="832187"/>
+            <a:ext cx="7320085" cy="5193625"/>
+          </a:xfrm>
+          <a:prstGeom prst="rect">
+            <a:avLst/>
+          </a:prstGeom>
+        </p:spPr>
+      </p:pic>
+      <p:pic>
+        <p:nvPicPr>
+          <p:cNvPr id="7" name="Picture 6">
+            <a:extLst>
+              <a:ext uri="{FF2B5EF4-FFF2-40B4-BE49-F238E27FC236}">
+                <a16:creationId xmlns:a16="http://schemas.microsoft.com/office/drawing/2014/main" id="{0BE651A5-03EA-411F-92C7-9AFA465F7B58}"/>
+              </a:ext>
+            </a:extLst>
+          </p:cNvPr>
+          <p:cNvPicPr>
+            <a:picLocks noChangeAspect="1"/>
+          </p:cNvPicPr>
+          <p:nvPr/>
+        </p:nvPicPr>
+        <p:blipFill>
+          <a:blip r:embed="rId4"/>
+          <a:stretch>
+            <a:fillRect/>
+          </a:stretch>
+        </p:blipFill>
+        <p:spPr>
+          <a:xfrm>
+            <a:off x="7830783" y="2064812"/>
+            <a:ext cx="3969287" cy="3961000"/>
           </a:xfrm>
           <a:prstGeom prst="rect">
             <a:avLst/>
@@ -4238,7 +8570,7 @@
     </p:spTree>
     <p:extLst>
       <p:ext uri="{BB962C8B-B14F-4D97-AF65-F5344CB8AC3E}">
-        <p14:creationId xmlns:p14="http://schemas.microsoft.com/office/powerpoint/2010/main" val="2794194252"/>
+        <p14:creationId xmlns:p14="http://schemas.microsoft.com/office/powerpoint/2010/main" val="3304757621"/>
       </p:ext>
     </p:extLst>
   </p:cSld>
@@ -4265,133 +8597,136 @@
           <a:chExt cx="0" cy="0"/>
         </a:xfrm>
       </p:grpSpPr>
-      <p:pic>
-        <p:nvPicPr>
-          <p:cNvPr id="5" name="Picture 4">
-            <a:extLst>
-              <a:ext uri="{FF2B5EF4-FFF2-40B4-BE49-F238E27FC236}">
-                <a16:creationId xmlns:a16="http://schemas.microsoft.com/office/drawing/2014/main" id="{9C6D6E31-5BD6-4F43-A087-2A6569DD0E57}"/>
-              </a:ext>
-            </a:extLst>
-          </p:cNvPr>
-          <p:cNvPicPr>
-            <a:picLocks noChangeAspect="1"/>
-          </p:cNvPicPr>
-          <p:nvPr/>
-        </p:nvPicPr>
-        <p:blipFill rotWithShape="1">
-          <a:blip r:embed="rId2"/>
-          <a:srcRect b="57157"/>
-          <a:stretch/>
-        </p:blipFill>
-        <p:spPr>
-          <a:xfrm>
-            <a:off x="4146171" y="1126308"/>
-            <a:ext cx="7530906" cy="2062188"/>
-          </a:xfrm>
-          <a:prstGeom prst="rect">
-            <a:avLst/>
-          </a:prstGeom>
-        </p:spPr>
-      </p:pic>
-      <p:pic>
-        <p:nvPicPr>
-          <p:cNvPr id="7" name="Picture 6">
-            <a:extLst>
-              <a:ext uri="{FF2B5EF4-FFF2-40B4-BE49-F238E27FC236}">
-                <a16:creationId xmlns:a16="http://schemas.microsoft.com/office/drawing/2014/main" id="{FC8C29F9-24CB-4AED-99F2-1A1E11C6D93F}"/>
-              </a:ext>
-            </a:extLst>
-          </p:cNvPr>
-          <p:cNvPicPr>
-            <a:picLocks noChangeAspect="1"/>
-          </p:cNvPicPr>
-          <p:nvPr/>
-        </p:nvPicPr>
-        <p:blipFill>
-          <a:blip r:embed="rId3"/>
-          <a:stretch>
-            <a:fillRect/>
-          </a:stretch>
-        </p:blipFill>
-        <p:spPr>
-          <a:xfrm>
-            <a:off x="514923" y="4067060"/>
-            <a:ext cx="11162154" cy="1664632"/>
-          </a:xfrm>
-          <a:prstGeom prst="rect">
-            <a:avLst/>
-          </a:prstGeom>
-        </p:spPr>
-      </p:pic>
-      <p:sp>
-        <p:nvSpPr>
-          <p:cNvPr id="8" name="Title 1">
-            <a:extLst>
-              <a:ext uri="{FF2B5EF4-FFF2-40B4-BE49-F238E27FC236}">
-                <a16:creationId xmlns:a16="http://schemas.microsoft.com/office/drawing/2014/main" id="{6B755CA4-9F88-45FC-9CD4-464AA528BB41}"/>
-              </a:ext>
-            </a:extLst>
-          </p:cNvPr>
-          <p:cNvSpPr txBox="1">
-            <a:spLocks/>
-          </p:cNvSpPr>
-          <p:nvPr/>
-        </p:nvSpPr>
-        <p:spPr>
-          <a:xfrm>
-            <a:off x="615352" y="1041400"/>
-            <a:ext cx="6147758" cy="2387600"/>
-          </a:xfrm>
-          <a:prstGeom prst="rect">
-            <a:avLst/>
-          </a:prstGeom>
-        </p:spPr>
-        <p:txBody>
-          <a:bodyPr vert="horz" lIns="91440" tIns="45720" rIns="91440" bIns="45720" rtlCol="0" anchor="ctr">
+      <p:sp>
+        <p:nvSpPr>
+          <p:cNvPr id="2" name="Title 1">
+            <a:extLst>
+              <a:ext uri="{FF2B5EF4-FFF2-40B4-BE49-F238E27FC236}">
+                <a16:creationId xmlns:a16="http://schemas.microsoft.com/office/drawing/2014/main" id="{C564F3AE-45C9-48D6-85FD-8D06745D6C8B}"/>
+              </a:ext>
+            </a:extLst>
+          </p:cNvPr>
+          <p:cNvSpPr>
+            <a:spLocks noGrp="1"/>
+          </p:cNvSpPr>
+          <p:nvPr>
+            <p:ph type="title"/>
+          </p:nvPr>
+        </p:nvSpPr>
+        <p:spPr/>
+        <p:txBody>
+          <a:bodyPr>
             <a:normAutofit/>
           </a:bodyPr>
-          <a:lstStyle>
-            <a:lvl1pPr algn="l" defTabSz="914400" rtl="0" eaLnBrk="1" latinLnBrk="0" hangingPunct="1">
-              <a:lnSpc>
-                <a:spcPct val="90000"/>
-              </a:lnSpc>
-              <a:spcBef>
-                <a:spcPct val="0"/>
-              </a:spcBef>
-              <a:buNone/>
-              <a:defRPr sz="4400" kern="1200">
-                <a:solidFill>
-                  <a:schemeClr val="tx1"/>
-                </a:solidFill>
-                <a:latin typeface="+mj-lt"/>
-                <a:ea typeface="+mj-ea"/>
-                <a:cs typeface="+mj-cs"/>
-              </a:defRPr>
-            </a:lvl1pPr>
-          </a:lstStyle>
+          <a:lstStyle/>
           <a:p>
             <a:r>
               <a:rPr lang="en-US" sz="4800" dirty="0">
                 <a:latin typeface="Montserrat Medium" panose="00000600000000000000" pitchFamily="2" charset="0"/>
               </a:rPr>
-              <a:t>91052</a:t>
-            </a:r>
-          </a:p>
-          <a:p>
-            <a:r>
-              <a:rPr lang="en-US" sz="4800" dirty="0">
+              <a:t>Objective</a:t>
+            </a:r>
+          </a:p>
+        </p:txBody>
+      </p:sp>
+      <p:sp>
+        <p:nvSpPr>
+          <p:cNvPr id="3" name="Content Placeholder 2">
+            <a:extLst>
+              <a:ext uri="{FF2B5EF4-FFF2-40B4-BE49-F238E27FC236}">
+                <a16:creationId xmlns:a16="http://schemas.microsoft.com/office/drawing/2014/main" id="{B1B0ED4F-624B-43F2-AF2C-7EF75E6E370B}"/>
+              </a:ext>
+            </a:extLst>
+          </p:cNvPr>
+          <p:cNvSpPr>
+            <a:spLocks noGrp="1"/>
+          </p:cNvSpPr>
+          <p:nvPr>
+            <p:ph idx="1"/>
+          </p:nvPr>
+        </p:nvSpPr>
+        <p:spPr>
+          <a:xfrm>
+            <a:off x="853440" y="1825625"/>
+            <a:ext cx="10974238" cy="4667250"/>
+          </a:xfrm>
+        </p:spPr>
+        <p:txBody>
+          <a:bodyPr>
+            <a:normAutofit/>
+          </a:bodyPr>
+          <a:lstStyle/>
+          <a:p>
+            <a:pPr>
+              <a:lnSpc>
+                <a:spcPct val="110000"/>
+              </a:lnSpc>
+              <a:buClr>
+                <a:srgbClr val="85BD5F"/>
+              </a:buClr>
+              <a:buFont typeface="Wingdings" panose="05000000000000000000" pitchFamily="2" charset="2"/>
+              <a:buChar char="ü"/>
+            </a:pPr>
+            <a:r>
+              <a:rPr lang="en-US" dirty="0">
                 <a:latin typeface="Montserrat Medium" panose="00000600000000000000" pitchFamily="2" charset="0"/>
               </a:rPr>
-              <a:t>Data Pts.</a:t>
-            </a:r>
+              <a:t> Provide resources to incrementally improve financial knowledge </a:t>
+            </a:r>
+          </a:p>
+          <a:p>
+            <a:pPr>
+              <a:lnSpc>
+                <a:spcPct val="110000"/>
+              </a:lnSpc>
+              <a:buClr>
+                <a:srgbClr val="85BD5F"/>
+              </a:buClr>
+              <a:buFont typeface="Wingdings" panose="05000000000000000000" pitchFamily="2" charset="2"/>
+              <a:buChar char="ü"/>
+            </a:pPr>
+            <a:r>
+              <a:rPr lang="en-US" dirty="0">
+                <a:latin typeface="Montserrat Medium" panose="00000600000000000000" pitchFamily="2" charset="0"/>
+              </a:rPr>
+              <a:t> Connect with current and future opportunities in banking</a:t>
+            </a:r>
+          </a:p>
+          <a:p>
+            <a:pPr>
+              <a:lnSpc>
+                <a:spcPct val="110000"/>
+              </a:lnSpc>
+              <a:buClr>
+                <a:srgbClr val="85BD5F"/>
+              </a:buClr>
+              <a:buFont typeface="Wingdings" panose="05000000000000000000" pitchFamily="2" charset="2"/>
+              <a:buChar char="ü"/>
+            </a:pPr>
+            <a:r>
+              <a:rPr lang="en-US" dirty="0">
+                <a:latin typeface="Montserrat Medium" panose="00000600000000000000" pitchFamily="2" charset="0"/>
+              </a:rPr>
+              <a:t> Address the need for a simple, quick, and cheap-to-use platform to reduce the economic disparity for impoverished and minority communities	</a:t>
+            </a:r>
+          </a:p>
+          <a:p>
+            <a:pPr marL="0" indent="0">
+              <a:lnSpc>
+                <a:spcPct val="110000"/>
+              </a:lnSpc>
+              <a:buNone/>
+            </a:pPr>
+            <a:endParaRPr lang="en-US" dirty="0">
+              <a:latin typeface="Montserrat Medium" panose="00000600000000000000" pitchFamily="2" charset="0"/>
+            </a:endParaRPr>
           </a:p>
         </p:txBody>
       </p:sp>
     </p:spTree>
     <p:extLst>
       <p:ext uri="{BB962C8B-B14F-4D97-AF65-F5344CB8AC3E}">
-        <p14:creationId xmlns:p14="http://schemas.microsoft.com/office/powerpoint/2010/main" val="554503883"/>
+        <p14:creationId xmlns:p14="http://schemas.microsoft.com/office/powerpoint/2010/main" val="2295205064"/>
       </p:ext>
     </p:extLst>
   </p:cSld>
@@ -4445,7 +8780,7 @@
               <a:rPr lang="en-US" sz="4800" dirty="0">
                 <a:latin typeface="Montserrat Medium" panose="00000600000000000000" pitchFamily="2" charset="0"/>
               </a:rPr>
-              <a:t>Technology</a:t>
+              <a:t>Approach</a:t>
             </a:r>
           </a:p>
         </p:txBody>
@@ -4485,17 +8820,11 @@
               <a:buNone/>
             </a:pPr>
             <a:r>
-              <a:rPr lang="en-US" b="1" dirty="0">
-                <a:solidFill>
-                  <a:srgbClr val="85BD5F"/>
-                </a:solidFill>
+              <a:rPr lang="en-US" dirty="0">
                 <a:latin typeface="Montserrat Medium" panose="00000600000000000000" pitchFamily="2" charset="0"/>
               </a:rPr>
-              <a:t>stonks-io.herokuapp.com/</a:t>
-            </a:r>
-            <a:endParaRPr lang="en-US" b="1" dirty="0">
-              <a:latin typeface="Montserrat Medium" panose="00000600000000000000" pitchFamily="2" charset="0"/>
-            </a:endParaRPr>
+              <a:t>Create a platform to generate financial advice given the complex variety in economic/social status</a:t>
+            </a:r>
           </a:p>
           <a:p>
             <a:pPr marL="0" indent="0">
@@ -4504,6 +8833,570 @@
               </a:lnSpc>
               <a:buNone/>
             </a:pPr>
+            <a:endParaRPr lang="en-US" dirty="0">
+              <a:latin typeface="Montserrat Medium" panose="00000600000000000000" pitchFamily="2" charset="0"/>
+            </a:endParaRPr>
+          </a:p>
+          <a:p>
+            <a:pPr lvl="1">
+              <a:lnSpc>
+                <a:spcPct val="110000"/>
+              </a:lnSpc>
+              <a:buFontTx/>
+              <a:buChar char="-"/>
+            </a:pPr>
+            <a:r>
+              <a:rPr lang="en-US" sz="2800" dirty="0">
+                <a:latin typeface="Montserrat Medium" panose="00000600000000000000" pitchFamily="2" charset="0"/>
+              </a:rPr>
+              <a:t>Collect, label, and find relationships between parameters </a:t>
+            </a:r>
+          </a:p>
+          <a:p>
+            <a:pPr lvl="1">
+              <a:lnSpc>
+                <a:spcPct val="110000"/>
+              </a:lnSpc>
+              <a:buFontTx/>
+              <a:buChar char="-"/>
+            </a:pPr>
+            <a:r>
+              <a:rPr lang="en-US" sz="2800" dirty="0">
+                <a:latin typeface="Montserrat Medium" panose="00000600000000000000" pitchFamily="2" charset="0"/>
+              </a:rPr>
+              <a:t>Use a trained AI to evaluate the data and adjust the model to increase accuracy in custom input</a:t>
+            </a:r>
+          </a:p>
+          <a:p>
+            <a:pPr lvl="1">
+              <a:lnSpc>
+                <a:spcPct val="110000"/>
+              </a:lnSpc>
+              <a:buFontTx/>
+              <a:buChar char="-"/>
+            </a:pPr>
+            <a:r>
+              <a:rPr lang="en-US" sz="2800" dirty="0">
+                <a:latin typeface="Montserrat Medium" panose="00000600000000000000" pitchFamily="2" charset="0"/>
+              </a:rPr>
+              <a:t>Provide users with recommended actions</a:t>
+            </a:r>
+          </a:p>
+          <a:p>
+            <a:pPr lvl="1">
+              <a:lnSpc>
+                <a:spcPct val="110000"/>
+              </a:lnSpc>
+              <a:buFontTx/>
+              <a:buChar char="-"/>
+            </a:pPr>
+            <a:endParaRPr lang="en-US" sz="2800" dirty="0">
+              <a:latin typeface="Montserrat Medium" panose="00000600000000000000" pitchFamily="2" charset="0"/>
+            </a:endParaRPr>
+          </a:p>
+          <a:p>
+            <a:pPr marL="514350" indent="-514350">
+              <a:lnSpc>
+                <a:spcPct val="110000"/>
+              </a:lnSpc>
+              <a:buFont typeface="+mj-lt"/>
+              <a:buAutoNum type="arabicPeriod"/>
+            </a:pPr>
+            <a:endParaRPr lang="en-US" dirty="0">
+              <a:latin typeface="Montserrat Medium" panose="00000600000000000000" pitchFamily="2" charset="0"/>
+            </a:endParaRPr>
+          </a:p>
+        </p:txBody>
+      </p:sp>
+    </p:spTree>
+    <p:extLst>
+      <p:ext uri="{BB962C8B-B14F-4D97-AF65-F5344CB8AC3E}">
+        <p14:creationId xmlns:p14="http://schemas.microsoft.com/office/powerpoint/2010/main" val="1557160018"/>
+      </p:ext>
+    </p:extLst>
+  </p:cSld>
+  <p:clrMapOvr>
+    <a:masterClrMapping/>
+  </p:clrMapOvr>
+</p:sld>
+</file>
+
+<file path=ppt/slides/slide6.xml><?xml version="1.0" encoding="utf-8"?>
+<p:sld xmlns:a="http://schemas.openxmlformats.org/drawingml/2006/main" xmlns:r="http://schemas.openxmlformats.org/officeDocument/2006/relationships" xmlns:p="http://schemas.openxmlformats.org/presentationml/2006/main">
+  <p:cSld>
+    <p:spTree>
+      <p:nvGrpSpPr>
+        <p:cNvPr id="1" name=""/>
+        <p:cNvGrpSpPr/>
+        <p:nvPr/>
+      </p:nvGrpSpPr>
+      <p:grpSpPr>
+        <a:xfrm>
+          <a:off x="0" y="0"/>
+          <a:ext cx="0" cy="0"/>
+          <a:chOff x="0" y="0"/>
+          <a:chExt cx="0" cy="0"/>
+        </a:xfrm>
+      </p:grpSpPr>
+      <p:sp>
+        <p:nvSpPr>
+          <p:cNvPr id="2" name="Title 1">
+            <a:extLst>
+              <a:ext uri="{FF2B5EF4-FFF2-40B4-BE49-F238E27FC236}">
+                <a16:creationId xmlns:a16="http://schemas.microsoft.com/office/drawing/2014/main" id="{C564F3AE-45C9-48D6-85FD-8D06745D6C8B}"/>
+              </a:ext>
+            </a:extLst>
+          </p:cNvPr>
+          <p:cNvSpPr>
+            <a:spLocks noGrp="1"/>
+          </p:cNvSpPr>
+          <p:nvPr>
+            <p:ph type="title"/>
+          </p:nvPr>
+        </p:nvSpPr>
+        <p:spPr/>
+        <p:txBody>
+          <a:bodyPr>
+            <a:normAutofit/>
+          </a:bodyPr>
+          <a:lstStyle/>
+          <a:p>
+            <a:r>
+              <a:rPr lang="en-US" sz="4800" dirty="0">
+                <a:latin typeface="Montserrat Medium" panose="00000600000000000000" pitchFamily="2" charset="0"/>
+              </a:rPr>
+              <a:t>Logic Development</a:t>
+            </a:r>
+          </a:p>
+        </p:txBody>
+      </p:sp>
+      <p:sp>
+        <p:nvSpPr>
+          <p:cNvPr id="3" name="Content Placeholder 2">
+            <a:extLst>
+              <a:ext uri="{FF2B5EF4-FFF2-40B4-BE49-F238E27FC236}">
+                <a16:creationId xmlns:a16="http://schemas.microsoft.com/office/drawing/2014/main" id="{B1B0ED4F-624B-43F2-AF2C-7EF75E6E370B}"/>
+              </a:ext>
+            </a:extLst>
+          </p:cNvPr>
+          <p:cNvSpPr>
+            <a:spLocks noGrp="1"/>
+          </p:cNvSpPr>
+          <p:nvPr>
+            <p:ph idx="1"/>
+          </p:nvPr>
+        </p:nvSpPr>
+        <p:spPr>
+          <a:xfrm>
+            <a:off x="1251501" y="1831375"/>
+            <a:ext cx="11130280" cy="4849496"/>
+          </a:xfrm>
+        </p:spPr>
+        <p:txBody>
+          <a:bodyPr>
+            <a:normAutofit lnSpcReduction="10000"/>
+          </a:bodyPr>
+          <a:lstStyle/>
+          <a:p>
+            <a:pPr marL="0" indent="0">
+              <a:lnSpc>
+                <a:spcPct val="110000"/>
+              </a:lnSpc>
+              <a:buNone/>
+            </a:pPr>
+            <a:r>
+              <a:rPr lang="en-US" b="1" dirty="0">
+                <a:latin typeface="Montserrat Medium" panose="00000600000000000000" pitchFamily="2" charset="0"/>
+              </a:rPr>
+              <a:t>Frontend </a:t>
+            </a:r>
+          </a:p>
+          <a:p>
+            <a:pPr marL="0" indent="0">
+              <a:lnSpc>
+                <a:spcPct val="110000"/>
+              </a:lnSpc>
+              <a:buNone/>
+            </a:pPr>
+            <a:r>
+              <a:rPr lang="en-US" sz="2400" b="1" dirty="0">
+                <a:latin typeface="Montserrat Medium" panose="00000600000000000000" pitchFamily="2" charset="0"/>
+              </a:rPr>
+              <a:t>	Ask for Input </a:t>
+            </a:r>
+          </a:p>
+          <a:p>
+            <a:pPr marL="0" indent="0">
+              <a:lnSpc>
+                <a:spcPct val="110000"/>
+              </a:lnSpc>
+              <a:buNone/>
+            </a:pPr>
+            <a:r>
+              <a:rPr lang="en-US" sz="2400" b="1" dirty="0">
+                <a:latin typeface="Montserrat Medium" panose="00000600000000000000" pitchFamily="2" charset="0"/>
+              </a:rPr>
+              <a:t>	Store and Calculate Parameters for AI </a:t>
+            </a:r>
+          </a:p>
+          <a:p>
+            <a:pPr marL="0" indent="0">
+              <a:lnSpc>
+                <a:spcPct val="110000"/>
+              </a:lnSpc>
+              <a:buNone/>
+            </a:pPr>
+            <a:r>
+              <a:rPr lang="en-US" b="1" dirty="0">
+                <a:latin typeface="Montserrat Medium" panose="00000600000000000000" pitchFamily="2" charset="0"/>
+              </a:rPr>
+              <a:t>Backend </a:t>
+            </a:r>
+          </a:p>
+          <a:p>
+            <a:pPr marL="0" indent="0">
+              <a:lnSpc>
+                <a:spcPct val="110000"/>
+              </a:lnSpc>
+              <a:buNone/>
+            </a:pPr>
+            <a:r>
+              <a:rPr lang="en-US" sz="2400" b="1" dirty="0">
+                <a:latin typeface="Montserrat Medium" panose="00000600000000000000" pitchFamily="2" charset="0"/>
+              </a:rPr>
+              <a:t>	Train AI to interpret data </a:t>
+            </a:r>
+          </a:p>
+          <a:p>
+            <a:pPr marL="0" indent="0">
+              <a:lnSpc>
+                <a:spcPct val="110000"/>
+              </a:lnSpc>
+              <a:buNone/>
+            </a:pPr>
+            <a:r>
+              <a:rPr lang="en-US" sz="2400" b="1" dirty="0">
+                <a:latin typeface="Montserrat Medium" panose="00000600000000000000" pitchFamily="2" charset="0"/>
+              </a:rPr>
+              <a:t>	Pass the Parameters to the AI </a:t>
+            </a:r>
+          </a:p>
+          <a:p>
+            <a:pPr marL="0" indent="0">
+              <a:lnSpc>
+                <a:spcPct val="110000"/>
+              </a:lnSpc>
+              <a:buNone/>
+            </a:pPr>
+            <a:r>
+              <a:rPr lang="en-US" sz="2400" b="1" dirty="0">
+                <a:latin typeface="Montserrat Medium" panose="00000600000000000000" pitchFamily="2" charset="0"/>
+              </a:rPr>
+              <a:t>	AI determines best course of Action </a:t>
+            </a:r>
+          </a:p>
+          <a:p>
+            <a:pPr marL="0" indent="0">
+              <a:lnSpc>
+                <a:spcPct val="110000"/>
+              </a:lnSpc>
+              <a:buNone/>
+            </a:pPr>
+            <a:r>
+              <a:rPr lang="en-US" b="1" dirty="0">
+                <a:latin typeface="Montserrat Medium" panose="00000600000000000000" pitchFamily="2" charset="0"/>
+              </a:rPr>
+              <a:t>Frontend </a:t>
+            </a:r>
+          </a:p>
+          <a:p>
+            <a:pPr marL="0" indent="0">
+              <a:lnSpc>
+                <a:spcPct val="110000"/>
+              </a:lnSpc>
+              <a:buNone/>
+            </a:pPr>
+            <a:r>
+              <a:rPr lang="en-US" b="1" dirty="0">
+                <a:latin typeface="Montserrat Medium" panose="00000600000000000000" pitchFamily="2" charset="0"/>
+              </a:rPr>
+              <a:t>	</a:t>
+            </a:r>
+            <a:r>
+              <a:rPr lang="en-US" sz="2400" b="1" dirty="0">
+                <a:latin typeface="Montserrat Medium" panose="00000600000000000000" pitchFamily="2" charset="0"/>
+              </a:rPr>
+              <a:t>Output AI assessment</a:t>
+            </a:r>
+            <a:r>
+              <a:rPr lang="en-US" b="1" dirty="0">
+                <a:latin typeface="Montserrat Medium" panose="00000600000000000000" pitchFamily="2" charset="0"/>
+              </a:rPr>
+              <a:t>		</a:t>
+            </a:r>
+          </a:p>
+          <a:p>
+            <a:pPr marL="0" indent="0">
+              <a:lnSpc>
+                <a:spcPct val="110000"/>
+              </a:lnSpc>
+              <a:buNone/>
+            </a:pPr>
+            <a:endParaRPr lang="en-US" b="1" dirty="0">
+              <a:latin typeface="Montserrat Medium" panose="00000600000000000000" pitchFamily="2" charset="0"/>
+            </a:endParaRPr>
+          </a:p>
+        </p:txBody>
+      </p:sp>
+      <p:sp>
+        <p:nvSpPr>
+          <p:cNvPr id="4" name="Arrow: Curved Right 3">
+            <a:extLst>
+              <a:ext uri="{FF2B5EF4-FFF2-40B4-BE49-F238E27FC236}">
+                <a16:creationId xmlns:a16="http://schemas.microsoft.com/office/drawing/2014/main" id="{B8587BA6-F059-43B3-8F3B-7E8B1BF15E00}"/>
+              </a:ext>
+            </a:extLst>
+          </p:cNvPr>
+          <p:cNvSpPr/>
+          <p:nvPr/>
+        </p:nvSpPr>
+        <p:spPr>
+          <a:xfrm>
+            <a:off x="568577" y="2097087"/>
+            <a:ext cx="599440" cy="1509712"/>
+          </a:xfrm>
+          <a:prstGeom prst="curvedRightArrow">
+            <a:avLst/>
+          </a:prstGeom>
+          <a:solidFill>
+            <a:srgbClr val="FF0000"/>
+          </a:solidFill>
+        </p:spPr>
+        <p:style>
+          <a:lnRef idx="2">
+            <a:schemeClr val="accent1">
+              <a:shade val="50000"/>
+            </a:schemeClr>
+          </a:lnRef>
+          <a:fillRef idx="1">
+            <a:schemeClr val="accent1"/>
+          </a:fillRef>
+          <a:effectRef idx="0">
+            <a:schemeClr val="accent1"/>
+          </a:effectRef>
+          <a:fontRef idx="minor">
+            <a:schemeClr val="lt1"/>
+          </a:fontRef>
+        </p:style>
+        <p:txBody>
+          <a:bodyPr rtlCol="0" anchor="ctr"/>
+          <a:lstStyle/>
+          <a:p>
+            <a:pPr algn="ctr"/>
+            <a:endParaRPr lang="en-US">
+              <a:solidFill>
+                <a:schemeClr val="tx1"/>
+              </a:solidFill>
+            </a:endParaRPr>
+          </a:p>
+        </p:txBody>
+      </p:sp>
+      <p:sp>
+        <p:nvSpPr>
+          <p:cNvPr id="6" name="Arrow: Curved Right 5">
+            <a:extLst>
+              <a:ext uri="{FF2B5EF4-FFF2-40B4-BE49-F238E27FC236}">
+                <a16:creationId xmlns:a16="http://schemas.microsoft.com/office/drawing/2014/main" id="{CD9B846D-1195-4A22-828C-453C2DE9F8EA}"/>
+              </a:ext>
+            </a:extLst>
+          </p:cNvPr>
+          <p:cNvSpPr/>
+          <p:nvPr/>
+        </p:nvSpPr>
+        <p:spPr>
+          <a:xfrm>
+            <a:off x="583817" y="3824287"/>
+            <a:ext cx="599440" cy="1865312"/>
+          </a:xfrm>
+          <a:prstGeom prst="curvedRightArrow">
+            <a:avLst/>
+          </a:prstGeom>
+          <a:solidFill>
+            <a:srgbClr val="FF0000"/>
+          </a:solidFill>
+        </p:spPr>
+        <p:style>
+          <a:lnRef idx="2">
+            <a:schemeClr val="accent1">
+              <a:shade val="50000"/>
+            </a:schemeClr>
+          </a:lnRef>
+          <a:fillRef idx="1">
+            <a:schemeClr val="accent1"/>
+          </a:fillRef>
+          <a:effectRef idx="0">
+            <a:schemeClr val="accent1"/>
+          </a:effectRef>
+          <a:fontRef idx="minor">
+            <a:schemeClr val="lt1"/>
+          </a:fontRef>
+        </p:style>
+        <p:txBody>
+          <a:bodyPr rtlCol="0" anchor="ctr"/>
+          <a:lstStyle/>
+          <a:p>
+            <a:pPr algn="ctr"/>
+            <a:endParaRPr lang="en-US">
+              <a:solidFill>
+                <a:schemeClr val="tx1"/>
+              </a:solidFill>
+            </a:endParaRPr>
+          </a:p>
+        </p:txBody>
+      </p:sp>
+      <p:pic>
+        <p:nvPicPr>
+          <p:cNvPr id="8" name="Picture 2" descr="The differences between Data Science, Artificial Intelligence, Machine  Learning, and Deep Learning | by Naresh Thakur | AI In Plain English |  Medium">
+            <a:extLst>
+              <a:ext uri="{FF2B5EF4-FFF2-40B4-BE49-F238E27FC236}">
+                <a16:creationId xmlns:a16="http://schemas.microsoft.com/office/drawing/2014/main" id="{595236E3-9465-4A68-8D22-3DD17EE45F40}"/>
+              </a:ext>
+            </a:extLst>
+          </p:cNvPr>
+          <p:cNvPicPr>
+            <a:picLocks noChangeAspect="1" noChangeArrowheads="1"/>
+          </p:cNvPicPr>
+          <p:nvPr/>
+        </p:nvPicPr>
+        <p:blipFill>
+          <a:blip r:embed="rId3">
+            <a:extLst>
+              <a:ext uri="{28A0092B-C50C-407E-A947-70E740481C1C}">
+                <a14:useLocalDpi xmlns:a14="http://schemas.microsoft.com/office/drawing/2010/main" val="0"/>
+              </a:ext>
+            </a:extLst>
+          </a:blip>
+          <a:srcRect/>
+          <a:stretch>
+            <a:fillRect/>
+          </a:stretch>
+        </p:blipFill>
+        <p:spPr bwMode="auto">
+          <a:xfrm>
+            <a:off x="7955002" y="2197312"/>
+            <a:ext cx="3998238" cy="3253951"/>
+          </a:xfrm>
+          <a:prstGeom prst="rect">
+            <a:avLst/>
+          </a:prstGeom>
+          <a:noFill/>
+          <a:extLst>
+            <a:ext uri="{909E8E84-426E-40DD-AFC4-6F175D3DCCD1}">
+              <a14:hiddenFill xmlns:a14="http://schemas.microsoft.com/office/drawing/2010/main">
+                <a:solidFill>
+                  <a:srgbClr val="FFFFFF"/>
+                </a:solidFill>
+              </a14:hiddenFill>
+            </a:ext>
+          </a:extLst>
+        </p:spPr>
+      </p:pic>
+    </p:spTree>
+    <p:extLst>
+      <p:ext uri="{BB962C8B-B14F-4D97-AF65-F5344CB8AC3E}">
+        <p14:creationId xmlns:p14="http://schemas.microsoft.com/office/powerpoint/2010/main" val="3018620918"/>
+      </p:ext>
+    </p:extLst>
+  </p:cSld>
+  <p:clrMapOvr>
+    <a:masterClrMapping/>
+  </p:clrMapOvr>
+</p:sld>
+</file>
+
+<file path=ppt/slides/slide7.xml><?xml version="1.0" encoding="utf-8"?>
+<p:sld xmlns:a="http://schemas.openxmlformats.org/drawingml/2006/main" xmlns:r="http://schemas.openxmlformats.org/officeDocument/2006/relationships" xmlns:p="http://schemas.openxmlformats.org/presentationml/2006/main">
+  <p:cSld>
+    <p:spTree>
+      <p:nvGrpSpPr>
+        <p:cNvPr id="1" name=""/>
+        <p:cNvGrpSpPr/>
+        <p:nvPr/>
+      </p:nvGrpSpPr>
+      <p:grpSpPr>
+        <a:xfrm>
+          <a:off x="0" y="0"/>
+          <a:ext cx="0" cy="0"/>
+          <a:chOff x="0" y="0"/>
+          <a:chExt cx="0" cy="0"/>
+        </a:xfrm>
+      </p:grpSpPr>
+      <p:sp>
+        <p:nvSpPr>
+          <p:cNvPr id="2" name="Title 1">
+            <a:extLst>
+              <a:ext uri="{FF2B5EF4-FFF2-40B4-BE49-F238E27FC236}">
+                <a16:creationId xmlns:a16="http://schemas.microsoft.com/office/drawing/2014/main" id="{C564F3AE-45C9-48D6-85FD-8D06745D6C8B}"/>
+              </a:ext>
+            </a:extLst>
+          </p:cNvPr>
+          <p:cNvSpPr>
+            <a:spLocks noGrp="1"/>
+          </p:cNvSpPr>
+          <p:nvPr>
+            <p:ph type="title"/>
+          </p:nvPr>
+        </p:nvSpPr>
+        <p:spPr/>
+        <p:txBody>
+          <a:bodyPr>
+            <a:normAutofit/>
+          </a:bodyPr>
+          <a:lstStyle/>
+          <a:p>
+            <a:r>
+              <a:rPr lang="en-US" sz="4800">
+                <a:latin typeface="Montserrat Medium" panose="00000600000000000000" pitchFamily="2" charset="0"/>
+              </a:rPr>
+              <a:t>Technology</a:t>
+            </a:r>
+          </a:p>
+        </p:txBody>
+      </p:sp>
+      <p:sp>
+        <p:nvSpPr>
+          <p:cNvPr id="3" name="Content Placeholder 2">
+            <a:extLst>
+              <a:ext uri="{FF2B5EF4-FFF2-40B4-BE49-F238E27FC236}">
+                <a16:creationId xmlns:a16="http://schemas.microsoft.com/office/drawing/2014/main" id="{B1B0ED4F-624B-43F2-AF2C-7EF75E6E370B}"/>
+              </a:ext>
+            </a:extLst>
+          </p:cNvPr>
+          <p:cNvSpPr>
+            <a:spLocks noGrp="1"/>
+          </p:cNvSpPr>
+          <p:nvPr>
+            <p:ph idx="1"/>
+          </p:nvPr>
+        </p:nvSpPr>
+        <p:spPr>
+          <a:xfrm>
+            <a:off x="838200" y="1825625"/>
+            <a:ext cx="10974238" cy="4351338"/>
+          </a:xfrm>
+        </p:spPr>
+        <p:txBody>
+          <a:bodyPr>
+            <a:normAutofit/>
+          </a:bodyPr>
+          <a:lstStyle/>
+          <a:p>
+            <a:pPr marL="0" indent="0">
+              <a:lnSpc>
+                <a:spcPct val="110000"/>
+              </a:lnSpc>
+              <a:buNone/>
+            </a:pPr>
             <a:r>
               <a:rPr lang="en-US" b="1" dirty="0">
                 <a:latin typeface="Montserrat Medium" panose="00000600000000000000" pitchFamily="2" charset="0"/>
@@ -4649,10 +9542,542 @@
           </a:p>
         </p:txBody>
       </p:sp>
+      <p:pic>
+        <p:nvPicPr>
+          <p:cNvPr id="3074" name="Picture 2" descr="scikit-learn - Wikipedia">
+            <a:extLst>
+              <a:ext uri="{FF2B5EF4-FFF2-40B4-BE49-F238E27FC236}">
+                <a16:creationId xmlns:a16="http://schemas.microsoft.com/office/drawing/2014/main" id="{834BA27A-604F-44BA-AACB-E389E1E60BFB}"/>
+              </a:ext>
+            </a:extLst>
+          </p:cNvPr>
+          <p:cNvPicPr>
+            <a:picLocks noChangeAspect="1" noChangeArrowheads="1"/>
+          </p:cNvPicPr>
+          <p:nvPr/>
+        </p:nvPicPr>
+        <p:blipFill>
+          <a:blip r:embed="rId3">
+            <a:extLst>
+              <a:ext uri="{28A0092B-C50C-407E-A947-70E740481C1C}">
+                <a14:useLocalDpi xmlns:a14="http://schemas.microsoft.com/office/drawing/2010/main" val="0"/>
+              </a:ext>
+            </a:extLst>
+          </a:blip>
+          <a:srcRect/>
+          <a:stretch>
+            <a:fillRect/>
+          </a:stretch>
+        </p:blipFill>
+        <p:spPr bwMode="auto">
+          <a:xfrm>
+            <a:off x="7614249" y="553708"/>
+            <a:ext cx="3680605" cy="1981393"/>
+          </a:xfrm>
+          <a:prstGeom prst="rect">
+            <a:avLst/>
+          </a:prstGeom>
+          <a:noFill/>
+          <a:extLst>
+            <a:ext uri="{909E8E84-426E-40DD-AFC4-6F175D3DCCD1}">
+              <a14:hiddenFill xmlns:a14="http://schemas.microsoft.com/office/drawing/2010/main">
+                <a:solidFill>
+                  <a:srgbClr val="FFFFFF"/>
+                </a:solidFill>
+              </a14:hiddenFill>
+            </a:ext>
+          </a:extLst>
+        </p:spPr>
+      </p:pic>
     </p:spTree>
     <p:extLst>
       <p:ext uri="{BB962C8B-B14F-4D97-AF65-F5344CB8AC3E}">
         <p14:creationId xmlns:p14="http://schemas.microsoft.com/office/powerpoint/2010/main" val="1826352535"/>
+      </p:ext>
+    </p:extLst>
+  </p:cSld>
+  <p:clrMapOvr>
+    <a:masterClrMapping/>
+  </p:clrMapOvr>
+</p:sld>
+</file>
+
+<file path=ppt/slides/slide8.xml><?xml version="1.0" encoding="utf-8"?>
+<p:sld xmlns:a="http://schemas.openxmlformats.org/drawingml/2006/main" xmlns:r="http://schemas.openxmlformats.org/officeDocument/2006/relationships" xmlns:p="http://schemas.openxmlformats.org/presentationml/2006/main">
+  <p:cSld>
+    <p:spTree>
+      <p:nvGrpSpPr>
+        <p:cNvPr id="1" name=""/>
+        <p:cNvGrpSpPr/>
+        <p:nvPr/>
+      </p:nvGrpSpPr>
+      <p:grpSpPr>
+        <a:xfrm>
+          <a:off x="0" y="0"/>
+          <a:ext cx="0" cy="0"/>
+          <a:chOff x="0" y="0"/>
+          <a:chExt cx="0" cy="0"/>
+        </a:xfrm>
+      </p:grpSpPr>
+      <p:sp>
+        <p:nvSpPr>
+          <p:cNvPr id="3" name="Content Placeholder 2">
+            <a:extLst>
+              <a:ext uri="{FF2B5EF4-FFF2-40B4-BE49-F238E27FC236}">
+                <a16:creationId xmlns:a16="http://schemas.microsoft.com/office/drawing/2014/main" id="{B1B0ED4F-624B-43F2-AF2C-7EF75E6E370B}"/>
+              </a:ext>
+            </a:extLst>
+          </p:cNvPr>
+          <p:cNvSpPr>
+            <a:spLocks noGrp="1"/>
+          </p:cNvSpPr>
+          <p:nvPr>
+            <p:ph idx="1"/>
+          </p:nvPr>
+        </p:nvSpPr>
+        <p:spPr>
+          <a:xfrm>
+            <a:off x="4987130" y="5653222"/>
+            <a:ext cx="5920819" cy="737850"/>
+          </a:xfrm>
+        </p:spPr>
+        <p:txBody>
+          <a:bodyPr>
+            <a:normAutofit/>
+          </a:bodyPr>
+          <a:lstStyle/>
+          <a:p>
+            <a:pPr marL="0" indent="0">
+              <a:lnSpc>
+                <a:spcPct val="110000"/>
+              </a:lnSpc>
+              <a:buNone/>
+            </a:pPr>
+            <a:r>
+              <a:rPr lang="en-US" b="1">
+                <a:latin typeface="Montserrat Medium" panose="00000600000000000000" pitchFamily="2" charset="0"/>
+              </a:rPr>
+              <a:t>	</a:t>
+            </a:r>
+          </a:p>
+          <a:p>
+            <a:pPr marL="0" indent="0">
+              <a:lnSpc>
+                <a:spcPct val="110000"/>
+              </a:lnSpc>
+              <a:buNone/>
+            </a:pPr>
+            <a:endParaRPr lang="en-US" b="1">
+              <a:latin typeface="Montserrat Medium" panose="00000600000000000000" pitchFamily="2" charset="0"/>
+            </a:endParaRPr>
+          </a:p>
+        </p:txBody>
+      </p:sp>
+      <p:pic>
+        <p:nvPicPr>
+          <p:cNvPr id="6" name="Picture 5">
+            <a:extLst>
+              <a:ext uri="{FF2B5EF4-FFF2-40B4-BE49-F238E27FC236}">
+                <a16:creationId xmlns:a16="http://schemas.microsoft.com/office/drawing/2014/main" id="{78BD141E-AA74-4704-87F2-5ED6B686A0CA}"/>
+              </a:ext>
+            </a:extLst>
+          </p:cNvPr>
+          <p:cNvPicPr>
+            <a:picLocks noChangeAspect="1"/>
+          </p:cNvPicPr>
+          <p:nvPr/>
+        </p:nvPicPr>
+        <p:blipFill rotWithShape="1">
+          <a:blip r:embed="rId3">
+            <a:extLst>
+              <a:ext uri="{BEBA8EAE-BF5A-486C-A8C5-ECC9F3942E4B}">
+                <a14:imgProps xmlns:a14="http://schemas.microsoft.com/office/drawing/2010/main">
+                  <a14:imgLayer r:embed="rId4">
+                    <a14:imgEffect>
+                      <a14:sharpenSoften amount="25000"/>
+                    </a14:imgEffect>
+                    <a14:imgEffect>
+                      <a14:brightnessContrast bright="20000"/>
+                    </a14:imgEffect>
+                  </a14:imgLayer>
+                </a14:imgProps>
+              </a:ext>
+              <a:ext uri="{28A0092B-C50C-407E-A947-70E740481C1C}">
+                <a14:useLocalDpi xmlns:a14="http://schemas.microsoft.com/office/drawing/2010/main" val="0"/>
+              </a:ext>
+            </a:extLst>
+          </a:blip>
+          <a:srcRect b="15236"/>
+          <a:stretch/>
+        </p:blipFill>
+        <p:spPr>
+          <a:xfrm>
+            <a:off x="0" y="1096"/>
+            <a:ext cx="12192000" cy="6858000"/>
+          </a:xfrm>
+          <a:prstGeom prst="rect">
+            <a:avLst/>
+          </a:prstGeom>
+        </p:spPr>
+      </p:pic>
+      <p:sp>
+        <p:nvSpPr>
+          <p:cNvPr id="9" name="Title 1">
+            <a:extLst>
+              <a:ext uri="{FF2B5EF4-FFF2-40B4-BE49-F238E27FC236}">
+                <a16:creationId xmlns:a16="http://schemas.microsoft.com/office/drawing/2014/main" id="{A4058007-17D1-4B6D-92D9-0D4027A8E66A}"/>
+              </a:ext>
+            </a:extLst>
+          </p:cNvPr>
+          <p:cNvSpPr txBox="1">
+            <a:spLocks/>
+          </p:cNvSpPr>
+          <p:nvPr/>
+        </p:nvSpPr>
+        <p:spPr>
+          <a:xfrm>
+            <a:off x="1077066" y="2809556"/>
+            <a:ext cx="10515600" cy="1325563"/>
+          </a:xfrm>
+          <a:prstGeom prst="rect">
+            <a:avLst/>
+          </a:prstGeom>
+        </p:spPr>
+        <p:txBody>
+          <a:bodyPr vert="horz" lIns="91440" tIns="45720" rIns="91440" bIns="45720" rtlCol="0" anchor="ctr">
+            <a:normAutofit/>
+          </a:bodyPr>
+          <a:lstStyle>
+            <a:lvl1pPr algn="l" defTabSz="914400" rtl="0" eaLnBrk="1" latinLnBrk="0" hangingPunct="1">
+              <a:lnSpc>
+                <a:spcPct val="90000"/>
+              </a:lnSpc>
+              <a:spcBef>
+                <a:spcPct val="0"/>
+              </a:spcBef>
+              <a:buNone/>
+              <a:defRPr sz="4400" kern="1200">
+                <a:solidFill>
+                  <a:schemeClr val="tx1"/>
+                </a:solidFill>
+                <a:latin typeface="+mj-lt"/>
+                <a:ea typeface="+mj-ea"/>
+                <a:cs typeface="+mj-cs"/>
+              </a:defRPr>
+            </a:lvl1pPr>
+          </a:lstStyle>
+          <a:p>
+            <a:r>
+              <a:rPr lang="en-US" sz="6000" dirty="0">
+                <a:latin typeface="Bernard MT Condensed" panose="02050806060905020404" pitchFamily="18" charset="0"/>
+              </a:rPr>
+              <a:t>Frontend</a:t>
+            </a:r>
+          </a:p>
+        </p:txBody>
+      </p:sp>
+      <p:pic>
+        <p:nvPicPr>
+          <p:cNvPr id="11" name="Graphic 10">
+            <a:extLst>
+              <a:ext uri="{FF2B5EF4-FFF2-40B4-BE49-F238E27FC236}">
+                <a16:creationId xmlns:a16="http://schemas.microsoft.com/office/drawing/2014/main" id="{3E047D50-0EA6-42DA-AC4B-22E3EC459C48}"/>
+              </a:ext>
+            </a:extLst>
+          </p:cNvPr>
+          <p:cNvPicPr>
+            <a:picLocks noChangeAspect="1"/>
+          </p:cNvPicPr>
+          <p:nvPr/>
+        </p:nvPicPr>
+        <p:blipFill>
+          <a:blip r:embed="rId5">
+            <a:extLst>
+              <a:ext uri="{28A0092B-C50C-407E-A947-70E740481C1C}">
+                <a14:useLocalDpi xmlns:a14="http://schemas.microsoft.com/office/drawing/2010/main" val="0"/>
+              </a:ext>
+              <a:ext uri="{96DAC541-7B7A-43D3-8B79-37D633B846F1}">
+                <asvg:svgBlip xmlns:asvg="http://schemas.microsoft.com/office/drawing/2016/SVG/main" r:embed="rId6"/>
+              </a:ext>
+            </a:extLst>
+          </a:blip>
+          <a:stretch>
+            <a:fillRect/>
+          </a:stretch>
+        </p:blipFill>
+        <p:spPr>
+          <a:xfrm>
+            <a:off x="7223060" y="1056333"/>
+            <a:ext cx="4074754" cy="4421645"/>
+          </a:xfrm>
+          <a:prstGeom prst="rect">
+            <a:avLst/>
+          </a:prstGeom>
+        </p:spPr>
+      </p:pic>
+    </p:spTree>
+    <p:extLst>
+      <p:ext uri="{BB962C8B-B14F-4D97-AF65-F5344CB8AC3E}">
+        <p14:creationId xmlns:p14="http://schemas.microsoft.com/office/powerpoint/2010/main" val="1310394658"/>
+      </p:ext>
+    </p:extLst>
+  </p:cSld>
+  <p:clrMapOvr>
+    <a:masterClrMapping/>
+  </p:clrMapOvr>
+</p:sld>
+</file>
+
+<file path=ppt/slides/slide9.xml><?xml version="1.0" encoding="utf-8"?>
+<p:sld xmlns:a="http://schemas.openxmlformats.org/drawingml/2006/main" xmlns:r="http://schemas.openxmlformats.org/officeDocument/2006/relationships" xmlns:p="http://schemas.openxmlformats.org/presentationml/2006/main">
+  <p:cSld>
+    <p:spTree>
+      <p:nvGrpSpPr>
+        <p:cNvPr id="1" name=""/>
+        <p:cNvGrpSpPr/>
+        <p:nvPr/>
+      </p:nvGrpSpPr>
+      <p:grpSpPr>
+        <a:xfrm>
+          <a:off x="0" y="0"/>
+          <a:ext cx="0" cy="0"/>
+          <a:chOff x="0" y="0"/>
+          <a:chExt cx="0" cy="0"/>
+        </a:xfrm>
+      </p:grpSpPr>
+      <p:sp>
+        <p:nvSpPr>
+          <p:cNvPr id="2" name="Title 1">
+            <a:extLst>
+              <a:ext uri="{FF2B5EF4-FFF2-40B4-BE49-F238E27FC236}">
+                <a16:creationId xmlns:a16="http://schemas.microsoft.com/office/drawing/2014/main" id="{E0BA52BD-579A-4644-8E8E-7AF6846B8CCA}"/>
+              </a:ext>
+            </a:extLst>
+          </p:cNvPr>
+          <p:cNvSpPr>
+            <a:spLocks noGrp="1"/>
+          </p:cNvSpPr>
+          <p:nvPr>
+            <p:ph type="title"/>
+          </p:nvPr>
+        </p:nvSpPr>
+        <p:spPr/>
+        <p:txBody>
+          <a:bodyPr/>
+          <a:lstStyle/>
+          <a:p>
+            <a:r>
+              <a:rPr lang="en-US" sz="4400" dirty="0">
+                <a:latin typeface="Montserrat Medium" panose="00000600000000000000" pitchFamily="2" charset="0"/>
+              </a:rPr>
+              <a:t>Frontend</a:t>
+            </a:r>
+            <a:endParaRPr lang="en-US" dirty="0"/>
+          </a:p>
+        </p:txBody>
+      </p:sp>
+      <p:sp>
+        <p:nvSpPr>
+          <p:cNvPr id="3" name="Content Placeholder 2">
+            <a:extLst>
+              <a:ext uri="{FF2B5EF4-FFF2-40B4-BE49-F238E27FC236}">
+                <a16:creationId xmlns:a16="http://schemas.microsoft.com/office/drawing/2014/main" id="{219E1EB7-C477-4028-B4DB-3C4B92BBBA2F}"/>
+              </a:ext>
+            </a:extLst>
+          </p:cNvPr>
+          <p:cNvSpPr>
+            <a:spLocks noGrp="1"/>
+          </p:cNvSpPr>
+          <p:nvPr>
+            <p:ph idx="1"/>
+          </p:nvPr>
+        </p:nvSpPr>
+        <p:spPr/>
+        <p:txBody>
+          <a:bodyPr/>
+          <a:lstStyle/>
+          <a:p>
+            <a:pPr marL="0" indent="0">
+              <a:buNone/>
+            </a:pPr>
+            <a:r>
+              <a:rPr lang="en-US" sz="3000" dirty="0">
+                <a:latin typeface="Montserrat Medium" panose="00000600000000000000" pitchFamily="2" charset="0"/>
+              </a:rPr>
+              <a:t>~INPUT ~</a:t>
+            </a:r>
+          </a:p>
+          <a:p>
+            <a:pPr marL="0" lvl="1" indent="0">
+              <a:lnSpc>
+                <a:spcPct val="110000"/>
+              </a:lnSpc>
+              <a:spcBef>
+                <a:spcPts val="1000"/>
+              </a:spcBef>
+              <a:buNone/>
+            </a:pPr>
+            <a:r>
+              <a:rPr lang="en-US" b="1" dirty="0">
+                <a:latin typeface="Montserrat Medium" panose="00000600000000000000" pitchFamily="2" charset="0"/>
+              </a:rPr>
+              <a:t>Forms </a:t>
+            </a:r>
+          </a:p>
+          <a:p>
+            <a:pPr marL="0" lvl="1" indent="0">
+              <a:lnSpc>
+                <a:spcPct val="110000"/>
+              </a:lnSpc>
+              <a:spcBef>
+                <a:spcPts val="1000"/>
+              </a:spcBef>
+              <a:buNone/>
+            </a:pPr>
+            <a:r>
+              <a:rPr lang="en-US" b="1" dirty="0">
+                <a:latin typeface="Montserrat Medium" panose="00000600000000000000" pitchFamily="2" charset="0"/>
+              </a:rPr>
+              <a:t>React Features </a:t>
+            </a:r>
+          </a:p>
+          <a:p>
+            <a:pPr marL="800100" lvl="3" indent="-342900">
+              <a:lnSpc>
+                <a:spcPct val="110000"/>
+              </a:lnSpc>
+              <a:spcBef>
+                <a:spcPts val="1000"/>
+              </a:spcBef>
+            </a:pPr>
+            <a:r>
+              <a:rPr lang="en-US" sz="2200" b="1" dirty="0">
+                <a:latin typeface="Montserrat Medium" panose="00000600000000000000" pitchFamily="2" charset="0"/>
+              </a:rPr>
+              <a:t>Radio Select </a:t>
+            </a:r>
+          </a:p>
+          <a:p>
+            <a:pPr marL="800100" lvl="3" indent="-342900">
+              <a:lnSpc>
+                <a:spcPct val="110000"/>
+              </a:lnSpc>
+              <a:spcBef>
+                <a:spcPts val="1000"/>
+              </a:spcBef>
+            </a:pPr>
+            <a:r>
+              <a:rPr lang="en-US" sz="2200" b="1" dirty="0">
+                <a:latin typeface="Montserrat Medium" panose="00000600000000000000" pitchFamily="2" charset="0"/>
+              </a:rPr>
+              <a:t>Check-Box </a:t>
+            </a:r>
+          </a:p>
+          <a:p>
+            <a:pPr marL="800100" lvl="3" indent="-342900">
+              <a:lnSpc>
+                <a:spcPct val="110000"/>
+              </a:lnSpc>
+              <a:spcBef>
+                <a:spcPts val="1000"/>
+              </a:spcBef>
+            </a:pPr>
+            <a:r>
+              <a:rPr lang="en-US" sz="2200" b="1" dirty="0">
+                <a:latin typeface="Montserrat Medium" panose="00000600000000000000" pitchFamily="2" charset="0"/>
+              </a:rPr>
+              <a:t>Numerical Input</a:t>
+            </a:r>
+          </a:p>
+          <a:p>
+            <a:pPr marL="0" lvl="1" indent="0">
+              <a:lnSpc>
+                <a:spcPct val="110000"/>
+              </a:lnSpc>
+              <a:spcBef>
+                <a:spcPts val="1000"/>
+              </a:spcBef>
+              <a:buNone/>
+            </a:pPr>
+            <a:r>
+              <a:rPr lang="en-US" b="1" dirty="0">
+                <a:latin typeface="Montserrat Medium" panose="00000600000000000000" pitchFamily="2" charset="0"/>
+              </a:rPr>
+              <a:t> Styling/CSS </a:t>
+            </a:r>
+          </a:p>
+          <a:p>
+            <a:endParaRPr lang="en-US" dirty="0"/>
+          </a:p>
+          <a:p>
+            <a:endParaRPr lang="en-US" dirty="0"/>
+          </a:p>
+        </p:txBody>
+      </p:sp>
+      <p:pic>
+        <p:nvPicPr>
+          <p:cNvPr id="5" name="Picture 4">
+            <a:extLst>
+              <a:ext uri="{FF2B5EF4-FFF2-40B4-BE49-F238E27FC236}">
+                <a16:creationId xmlns:a16="http://schemas.microsoft.com/office/drawing/2014/main" id="{9984757A-29C2-4221-9F9C-AF876DB32FCF}"/>
+              </a:ext>
+            </a:extLst>
+          </p:cNvPr>
+          <p:cNvPicPr>
+            <a:picLocks noChangeAspect="1"/>
+          </p:cNvPicPr>
+          <p:nvPr/>
+        </p:nvPicPr>
+        <p:blipFill>
+          <a:blip r:embed="rId3"/>
+          <a:stretch>
+            <a:fillRect/>
+          </a:stretch>
+        </p:blipFill>
+        <p:spPr>
+          <a:xfrm>
+            <a:off x="5705554" y="155641"/>
+            <a:ext cx="6359986" cy="3015574"/>
+          </a:xfrm>
+          <a:prstGeom prst="rect">
+            <a:avLst/>
+          </a:prstGeom>
+        </p:spPr>
+      </p:pic>
+      <p:pic>
+        <p:nvPicPr>
+          <p:cNvPr id="7" name="Picture 6">
+            <a:extLst>
+              <a:ext uri="{FF2B5EF4-FFF2-40B4-BE49-F238E27FC236}">
+                <a16:creationId xmlns:a16="http://schemas.microsoft.com/office/drawing/2014/main" id="{67238763-1BF6-4A5E-BA42-835FF3AFF254}"/>
+              </a:ext>
+            </a:extLst>
+          </p:cNvPr>
+          <p:cNvPicPr>
+            <a:picLocks noChangeAspect="1"/>
+          </p:cNvPicPr>
+          <p:nvPr/>
+        </p:nvPicPr>
+        <p:blipFill>
+          <a:blip r:embed="rId4"/>
+          <a:stretch>
+            <a:fillRect/>
+          </a:stretch>
+        </p:blipFill>
+        <p:spPr>
+          <a:xfrm>
+            <a:off x="5675542" y="3686786"/>
+            <a:ext cx="6389998" cy="2859933"/>
+          </a:xfrm>
+          <a:prstGeom prst="rect">
+            <a:avLst/>
+          </a:prstGeom>
+        </p:spPr>
+      </p:pic>
+    </p:spTree>
+    <p:extLst>
+      <p:ext uri="{BB962C8B-B14F-4D97-AF65-F5344CB8AC3E}">
+        <p14:creationId xmlns:p14="http://schemas.microsoft.com/office/powerpoint/2010/main" val="2363578209"/>
       </p:ext>
     </p:extLst>
   </p:cSld>
